--- a/微服务架构之Dubbo入门介绍.pptx
+++ b/微服务架构之Dubbo入门介绍.pptx
@@ -255,7 +255,7 @@
           <a:p>
             <a:fld id="{48A87A34-81AB-432B-8DAE-1953F412C126}" type="datetimeFigureOut">
               <a:rPr lang="en-US" dirty="0"/>
-              <a:t>10/15/18</a:t>
+              <a:t>10/17/2018</a:t>
             </a:fld>
             <a:endParaRPr lang="en-US" dirty="0"/>
           </a:p>
@@ -461,7 +461,7 @@
           <a:p>
             <a:fld id="{48A87A34-81AB-432B-8DAE-1953F412C126}" type="datetimeFigureOut">
               <a:rPr lang="en-US" dirty="0"/>
-              <a:t>10/15/18</a:t>
+              <a:t>10/17/2018</a:t>
             </a:fld>
             <a:endParaRPr lang="en-US" dirty="0"/>
           </a:p>
@@ -671,7 +671,7 @@
           <a:p>
             <a:fld id="{48A87A34-81AB-432B-8DAE-1953F412C126}" type="datetimeFigureOut">
               <a:rPr lang="en-US" dirty="0"/>
-              <a:t>10/15/18</a:t>
+              <a:t>10/17/2018</a:t>
             </a:fld>
             <a:endParaRPr lang="en-US" dirty="0"/>
           </a:p>
@@ -867,7 +867,7 @@
           <a:p>
             <a:fld id="{48A87A34-81AB-432B-8DAE-1953F412C126}" type="datetimeFigureOut">
               <a:rPr lang="en-US" dirty="0"/>
-              <a:t>10/15/18</a:t>
+              <a:t>10/17/2018</a:t>
             </a:fld>
             <a:endParaRPr lang="en-US" dirty="0"/>
           </a:p>
@@ -1141,7 +1141,7 @@
           <a:p>
             <a:fld id="{48A87A34-81AB-432B-8DAE-1953F412C126}" type="datetimeFigureOut">
               <a:rPr lang="en-US" dirty="0"/>
-              <a:t>10/15/18</a:t>
+              <a:t>10/17/2018</a:t>
             </a:fld>
             <a:endParaRPr lang="en-US" dirty="0"/>
           </a:p>
@@ -1404,7 +1404,7 @@
           <a:p>
             <a:fld id="{48A87A34-81AB-432B-8DAE-1953F412C126}" type="datetimeFigureOut">
               <a:rPr lang="en-US" dirty="0"/>
-              <a:t>10/15/18</a:t>
+              <a:t>10/17/2018</a:t>
             </a:fld>
             <a:endParaRPr lang="en-US" dirty="0"/>
           </a:p>
@@ -1815,7 +1815,7 @@
           <a:p>
             <a:fld id="{48A87A34-81AB-432B-8DAE-1953F412C126}" type="datetimeFigureOut">
               <a:rPr lang="en-US" dirty="0"/>
-              <a:t>10/15/18</a:t>
+              <a:t>10/17/2018</a:t>
             </a:fld>
             <a:endParaRPr lang="en-US" dirty="0"/>
           </a:p>
@@ -1959,7 +1959,7 @@
           <a:p>
             <a:fld id="{48A87A34-81AB-432B-8DAE-1953F412C126}" type="datetimeFigureOut">
               <a:rPr lang="en-US" dirty="0"/>
-              <a:t>10/15/18</a:t>
+              <a:t>10/17/2018</a:t>
             </a:fld>
             <a:endParaRPr lang="en-US" dirty="0"/>
           </a:p>
@@ -2080,7 +2080,7 @@
           <a:p>
             <a:fld id="{48A87A34-81AB-432B-8DAE-1953F412C126}" type="datetimeFigureOut">
               <a:rPr lang="en-US" dirty="0"/>
-              <a:t>10/15/18</a:t>
+              <a:t>10/17/2018</a:t>
             </a:fld>
             <a:endParaRPr lang="en-US" dirty="0"/>
           </a:p>
@@ -2326,7 +2326,7 @@
           <a:p>
             <a:fld id="{48A87A34-81AB-432B-8DAE-1953F412C126}" type="datetimeFigureOut">
               <a:rPr lang="en-US" dirty="0"/>
-              <a:t>10/15/18</a:t>
+              <a:t>10/17/2018</a:t>
             </a:fld>
             <a:endParaRPr lang="en-US" dirty="0"/>
           </a:p>
@@ -2767,7 +2767,7 @@
             <a:fld id="{48A87A34-81AB-432B-8DAE-1953F412C126}" type="datetimeFigureOut">
               <a:rPr lang="en-US" dirty="0"/>
               <a:pPr/>
-              <a:t>10/15/18</a:t>
+              <a:t>10/17/2018</a:t>
             </a:fld>
             <a:endParaRPr lang="en-US" dirty="0"/>
           </a:p>
@@ -3089,7 +3089,7 @@
             <a:fld id="{48A87A34-81AB-432B-8DAE-1953F412C126}" type="datetimeFigureOut">
               <a:rPr lang="en-US" dirty="0"/>
               <a:pPr/>
-              <a:t>10/15/18</a:t>
+              <a:t>10/17/2018</a:t>
             </a:fld>
             <a:endParaRPr lang="en-US" dirty="0"/>
           </a:p>
@@ -3599,15 +3599,7 @@
                 <a:ea typeface="Songti SC" charset="-122"/>
                 <a:cs typeface="Songti SC" charset="-122"/>
               </a:rPr>
-              <a:t>微服务架构之</a:t>
-            </a:r>
-            <a:r>
-              <a:rPr kumimoji="1" lang="en-US" altLang="zh-CN" sz="4800" dirty="0" smtClean="0">
-                <a:latin typeface="Songti SC" charset="-122"/>
-                <a:ea typeface="Songti SC" charset="-122"/>
-                <a:cs typeface="Songti SC" charset="-122"/>
-              </a:rPr>
-              <a:t>Dubbo</a:t>
+              <a:t>微服务架构</a:t>
             </a:r>
             <a:r>
               <a:rPr kumimoji="1" lang="zh-CN" altLang="en-US" sz="4800" dirty="0" smtClean="0">
@@ -3615,7 +3607,39 @@
                 <a:ea typeface="Songti SC" charset="-122"/>
                 <a:cs typeface="Songti SC" charset="-122"/>
               </a:rPr>
-              <a:t>入门介绍</a:t>
+              <a:t>之</a:t>
+            </a:r>
+            <a:r>
+              <a:rPr kumimoji="1" lang="en-US" altLang="zh-CN" sz="4800" dirty="0" err="1" smtClean="0">
+                <a:latin typeface="Songti SC" charset="-122"/>
+                <a:ea typeface="Songti SC" charset="-122"/>
+                <a:cs typeface="Songti SC" charset="-122"/>
+              </a:rPr>
+              <a:t>D</a:t>
+            </a:r>
+            <a:r>
+              <a:rPr kumimoji="1" lang="en-US" altLang="zh-CN" sz="4800" cap="none" dirty="0" err="1" smtClean="0">
+                <a:latin typeface="宋体" panose="02010600030101010101" pitchFamily="2" charset="-122"/>
+                <a:ea typeface="宋体" panose="02010600030101010101" pitchFamily="2" charset="-122"/>
+                <a:cs typeface="Songti SC" charset="-122"/>
+              </a:rPr>
+              <a:t>ubbo</a:t>
+            </a:r>
+            <a:r>
+              <a:rPr kumimoji="1" lang="zh-CN" altLang="en-US" sz="4800" dirty="0" smtClean="0">
+                <a:latin typeface="Songti SC" charset="-122"/>
+                <a:ea typeface="Songti SC" charset="-122"/>
+                <a:cs typeface="Songti SC" charset="-122"/>
+              </a:rPr>
+              <a:t>入门</a:t>
+            </a:r>
+            <a:r>
+              <a:rPr kumimoji="1" lang="zh-CN" altLang="en-US" sz="4800" dirty="0" smtClean="0">
+                <a:latin typeface="Songti SC" charset="-122"/>
+                <a:ea typeface="Songti SC" charset="-122"/>
+                <a:cs typeface="Songti SC" charset="-122"/>
+              </a:rPr>
+              <a:t>介绍</a:t>
             </a:r>
             <a:endParaRPr kumimoji="1" lang="zh-CN" altLang="en-US" sz="4800" dirty="0">
               <a:latin typeface="Songti SC" charset="-122"/>
@@ -4130,11 +4154,19 @@
             <a:pPr algn="ctr"/>
             <a:r>
               <a:rPr kumimoji="1" lang="en-US" altLang="zh-CN" dirty="0" err="1" smtClean="0"/>
-              <a:t>Dubbo</a:t>
+              <a:t>D</a:t>
+            </a:r>
+            <a:r>
+              <a:rPr kumimoji="1" lang="en-US" altLang="zh-CN" cap="none" dirty="0" err="1" smtClean="0"/>
+              <a:t>ubbo</a:t>
             </a:r>
             <a:r>
               <a:rPr kumimoji="1" lang="zh-CN" altLang="en-US" dirty="0" smtClean="0"/>
-              <a:t>是什么？</a:t>
+              <a:t>是</a:t>
+            </a:r>
+            <a:r>
+              <a:rPr kumimoji="1" lang="zh-CN" altLang="en-US" dirty="0" smtClean="0"/>
+              <a:t>什么？</a:t>
             </a:r>
             <a:endParaRPr kumimoji="1" lang="zh-CN" altLang="en-US" dirty="0"/>
           </a:p>
@@ -4250,12 +4282,20 @@
           <a:p>
             <a:pPr algn="ctr"/>
             <a:r>
-              <a:rPr lang="en-US" altLang="zh-CN" b="1" dirty="0" err="1"/>
-              <a:t>Dubbo</a:t>
+              <a:rPr lang="en-US" altLang="zh-CN" b="1" dirty="0" err="1" smtClean="0"/>
+              <a:t>D</a:t>
+            </a:r>
+            <a:r>
+              <a:rPr lang="en-US" altLang="zh-CN" b="1" cap="none" dirty="0" err="1" smtClean="0"/>
+              <a:t>ubbo</a:t>
+            </a:r>
+            <a:r>
+              <a:rPr lang="zh-CN" altLang="en-US" b="1" dirty="0" smtClean="0"/>
+              <a:t>架构</a:t>
             </a:r>
             <a:r>
               <a:rPr lang="zh-CN" altLang="en-US" b="1" dirty="0"/>
-              <a:t>架构</a:t>
+              <a:t/>
             </a:r>
             <a:br>
               <a:rPr lang="zh-CN" altLang="en-US" b="1" dirty="0"/>
@@ -4301,8 +4341,8 @@
         </p:nvSpPr>
         <p:spPr>
           <a:xfrm>
-            <a:off x="6662057" y="2220686"/>
-            <a:ext cx="2707574" cy="2585323"/>
+            <a:off x="6488320" y="2220686"/>
+            <a:ext cx="5529944" cy="1200329"/>
           </a:xfrm>
           <a:prstGeom prst="rect">
             <a:avLst/>
@@ -4327,10 +4367,6 @@
               <a:rPr lang="zh-CN" altLang="en-US" dirty="0"/>
               <a:t>暴露服务的服务提供方。 </a:t>
             </a:r>
-            <a:r>
-              <a:rPr lang="zh-CN" altLang="en-US" dirty="0"/>
-              <a:t/>
-            </a:r>
             <a:br>
               <a:rPr lang="zh-CN" altLang="en-US" dirty="0"/>
             </a:br>
@@ -4346,10 +4382,6 @@
               <a:rPr lang="zh-CN" altLang="en-US" dirty="0"/>
               <a:t>调用远程服务的服务消费方。 </a:t>
             </a:r>
-            <a:r>
-              <a:rPr lang="zh-CN" altLang="en-US" dirty="0"/>
-              <a:t/>
-            </a:r>
             <a:br>
               <a:rPr lang="zh-CN" altLang="en-US" dirty="0"/>
             </a:br>
@@ -4364,10 +4396,6 @@
             <a:r>
               <a:rPr lang="zh-CN" altLang="en-US" dirty="0"/>
               <a:t>服务注册与发现的注册中心。 </a:t>
-            </a:r>
-            <a:r>
-              <a:rPr lang="zh-CN" altLang="en-US" dirty="0"/>
-              <a:t/>
             </a:r>
             <a:br>
               <a:rPr lang="zh-CN" altLang="en-US" dirty="0"/>

--- a/微服务架构之Dubbo入门介绍.pptx
+++ b/微服务架构之Dubbo入门介绍.pptx
@@ -4,12 +4,17 @@
   <p:sldMasterIdLst>
     <p:sldMasterId id="2147483648" r:id="rId1"/>
   </p:sldMasterIdLst>
+  <p:notesMasterIdLst>
+    <p:notesMasterId r:id="rId9"/>
+  </p:notesMasterIdLst>
   <p:sldIdLst>
     <p:sldId id="256" r:id="rId2"/>
     <p:sldId id="257" r:id="rId3"/>
     <p:sldId id="258" r:id="rId4"/>
     <p:sldId id="259" r:id="rId5"/>
     <p:sldId id="260" r:id="rId6"/>
+    <p:sldId id="261" r:id="rId7"/>
+    <p:sldId id="262" r:id="rId8"/>
   </p:sldIdLst>
   <p:sldSz cx="12192000" cy="6858000"/>
   <p:notesSz cx="6858000" cy="9144000"/>
@@ -116,6 +121,440 @@
 </p:presentation>
 </file>
 
+<file path=ppt/notesMasters/notesMaster1.xml><?xml version="1.0" encoding="utf-8"?>
+<p:notesMaster xmlns:a="http://schemas.openxmlformats.org/drawingml/2006/main" xmlns:r="http://schemas.openxmlformats.org/officeDocument/2006/relationships" xmlns:p="http://schemas.openxmlformats.org/presentationml/2006/main">
+  <p:cSld>
+    <p:bg>
+      <p:bgRef idx="1001">
+        <a:schemeClr val="bg1"/>
+      </p:bgRef>
+    </p:bg>
+    <p:spTree>
+      <p:nvGrpSpPr>
+        <p:cNvPr id="1" name=""/>
+        <p:cNvGrpSpPr/>
+        <p:nvPr/>
+      </p:nvGrpSpPr>
+      <p:grpSpPr>
+        <a:xfrm>
+          <a:off x="0" y="0"/>
+          <a:ext cx="0" cy="0"/>
+          <a:chOff x="0" y="0"/>
+          <a:chExt cx="0" cy="0"/>
+        </a:xfrm>
+      </p:grpSpPr>
+      <p:sp>
+        <p:nvSpPr>
+          <p:cNvPr id="2" name="页眉占位符 1"/>
+          <p:cNvSpPr>
+            <a:spLocks noGrp="1"/>
+          </p:cNvSpPr>
+          <p:nvPr>
+            <p:ph type="hdr" sz="quarter"/>
+          </p:nvPr>
+        </p:nvSpPr>
+        <p:spPr>
+          <a:xfrm>
+            <a:off x="0" y="0"/>
+            <a:ext cx="2971800" cy="458788"/>
+          </a:xfrm>
+          <a:prstGeom prst="rect">
+            <a:avLst/>
+          </a:prstGeom>
+        </p:spPr>
+        <p:txBody>
+          <a:bodyPr vert="horz" lIns="91440" tIns="45720" rIns="91440" bIns="45720" rtlCol="0"/>
+          <a:lstStyle>
+            <a:lvl1pPr algn="l">
+              <a:defRPr sz="1200"/>
+            </a:lvl1pPr>
+          </a:lstStyle>
+          <a:p>
+            <a:endParaRPr kumimoji="1" lang="zh-CN" altLang="en-US"/>
+          </a:p>
+        </p:txBody>
+      </p:sp>
+      <p:sp>
+        <p:nvSpPr>
+          <p:cNvPr id="3" name="日期占位符 2"/>
+          <p:cNvSpPr>
+            <a:spLocks noGrp="1"/>
+          </p:cNvSpPr>
+          <p:nvPr>
+            <p:ph type="dt" idx="1"/>
+          </p:nvPr>
+        </p:nvSpPr>
+        <p:spPr>
+          <a:xfrm>
+            <a:off x="3884613" y="0"/>
+            <a:ext cx="2971800" cy="458788"/>
+          </a:xfrm>
+          <a:prstGeom prst="rect">
+            <a:avLst/>
+          </a:prstGeom>
+        </p:spPr>
+        <p:txBody>
+          <a:bodyPr vert="horz" lIns="91440" tIns="45720" rIns="91440" bIns="45720" rtlCol="0"/>
+          <a:lstStyle>
+            <a:lvl1pPr algn="r">
+              <a:defRPr sz="1200"/>
+            </a:lvl1pPr>
+          </a:lstStyle>
+          <a:p>
+            <a:fld id="{87118E77-F42B-714E-BAF3-7892E33504A8}" type="datetimeFigureOut">
+              <a:rPr kumimoji="1" lang="zh-CN" altLang="en-US" smtClean="0"/>
+              <a:t>2018/10/21</a:t>
+            </a:fld>
+            <a:endParaRPr kumimoji="1" lang="zh-CN" altLang="en-US"/>
+          </a:p>
+        </p:txBody>
+      </p:sp>
+      <p:sp>
+        <p:nvSpPr>
+          <p:cNvPr id="4" name="幻灯片图像占位符 3"/>
+          <p:cNvSpPr>
+            <a:spLocks noGrp="1" noRot="1" noChangeAspect="1"/>
+          </p:cNvSpPr>
+          <p:nvPr>
+            <p:ph type="sldImg" idx="2"/>
+          </p:nvPr>
+        </p:nvSpPr>
+        <p:spPr>
+          <a:xfrm>
+            <a:off x="685800" y="1143000"/>
+            <a:ext cx="5486400" cy="3086100"/>
+          </a:xfrm>
+          <a:prstGeom prst="rect">
+            <a:avLst/>
+          </a:prstGeom>
+          <a:noFill/>
+          <a:ln w="12700">
+            <a:solidFill>
+              <a:prstClr val="black"/>
+            </a:solidFill>
+          </a:ln>
+        </p:spPr>
+        <p:txBody>
+          <a:bodyPr vert="horz" lIns="91440" tIns="45720" rIns="91440" bIns="45720" rtlCol="0" anchor="ctr"/>
+          <a:lstStyle/>
+          <a:p>
+            <a:endParaRPr lang="zh-CN" altLang="en-US"/>
+          </a:p>
+        </p:txBody>
+      </p:sp>
+      <p:sp>
+        <p:nvSpPr>
+          <p:cNvPr id="5" name="备注占位符 4"/>
+          <p:cNvSpPr>
+            <a:spLocks noGrp="1"/>
+          </p:cNvSpPr>
+          <p:nvPr>
+            <p:ph type="body" sz="quarter" idx="3"/>
+          </p:nvPr>
+        </p:nvSpPr>
+        <p:spPr>
+          <a:xfrm>
+            <a:off x="685800" y="4400550"/>
+            <a:ext cx="5486400" cy="3600450"/>
+          </a:xfrm>
+          <a:prstGeom prst="rect">
+            <a:avLst/>
+          </a:prstGeom>
+        </p:spPr>
+        <p:txBody>
+          <a:bodyPr vert="horz" lIns="91440" tIns="45720" rIns="91440" bIns="45720" rtlCol="0"/>
+          <a:lstStyle/>
+          <a:p>
+            <a:pPr lvl="0"/>
+            <a:r>
+              <a:rPr kumimoji="1" lang="zh-CN" altLang="en-US" smtClean="0"/>
+              <a:t>单击此处编辑母版文本样式</a:t>
+            </a:r>
+          </a:p>
+          <a:p>
+            <a:pPr lvl="1"/>
+            <a:r>
+              <a:rPr kumimoji="1" lang="zh-CN" altLang="en-US" smtClean="0"/>
+              <a:t>二级</a:t>
+            </a:r>
+          </a:p>
+          <a:p>
+            <a:pPr lvl="2"/>
+            <a:r>
+              <a:rPr kumimoji="1" lang="zh-CN" altLang="en-US" smtClean="0"/>
+              <a:t>三级</a:t>
+            </a:r>
+          </a:p>
+          <a:p>
+            <a:pPr lvl="3"/>
+            <a:r>
+              <a:rPr kumimoji="1" lang="zh-CN" altLang="en-US" smtClean="0"/>
+              <a:t>四级</a:t>
+            </a:r>
+          </a:p>
+          <a:p>
+            <a:pPr lvl="4"/>
+            <a:r>
+              <a:rPr kumimoji="1" lang="zh-CN" altLang="en-US" smtClean="0"/>
+              <a:t>五级</a:t>
+            </a:r>
+            <a:endParaRPr kumimoji="1" lang="zh-CN" altLang="en-US"/>
+          </a:p>
+        </p:txBody>
+      </p:sp>
+      <p:sp>
+        <p:nvSpPr>
+          <p:cNvPr id="6" name="页脚占位符 5"/>
+          <p:cNvSpPr>
+            <a:spLocks noGrp="1"/>
+          </p:cNvSpPr>
+          <p:nvPr>
+            <p:ph type="ftr" sz="quarter" idx="4"/>
+          </p:nvPr>
+        </p:nvSpPr>
+        <p:spPr>
+          <a:xfrm>
+            <a:off x="0" y="8685213"/>
+            <a:ext cx="2971800" cy="458787"/>
+          </a:xfrm>
+          <a:prstGeom prst="rect">
+            <a:avLst/>
+          </a:prstGeom>
+        </p:spPr>
+        <p:txBody>
+          <a:bodyPr vert="horz" lIns="91440" tIns="45720" rIns="91440" bIns="45720" rtlCol="0" anchor="b"/>
+          <a:lstStyle>
+            <a:lvl1pPr algn="l">
+              <a:defRPr sz="1200"/>
+            </a:lvl1pPr>
+          </a:lstStyle>
+          <a:p>
+            <a:endParaRPr kumimoji="1" lang="zh-CN" altLang="en-US"/>
+          </a:p>
+        </p:txBody>
+      </p:sp>
+      <p:sp>
+        <p:nvSpPr>
+          <p:cNvPr id="7" name="幻灯片编号占位符 6"/>
+          <p:cNvSpPr>
+            <a:spLocks noGrp="1"/>
+          </p:cNvSpPr>
+          <p:nvPr>
+            <p:ph type="sldNum" sz="quarter" idx="5"/>
+          </p:nvPr>
+        </p:nvSpPr>
+        <p:spPr>
+          <a:xfrm>
+            <a:off x="3884613" y="8685213"/>
+            <a:ext cx="2971800" cy="458787"/>
+          </a:xfrm>
+          <a:prstGeom prst="rect">
+            <a:avLst/>
+          </a:prstGeom>
+        </p:spPr>
+        <p:txBody>
+          <a:bodyPr vert="horz" lIns="91440" tIns="45720" rIns="91440" bIns="45720" rtlCol="0" anchor="b"/>
+          <a:lstStyle>
+            <a:lvl1pPr algn="r">
+              <a:defRPr sz="1200"/>
+            </a:lvl1pPr>
+          </a:lstStyle>
+          <a:p>
+            <a:fld id="{1E556ABE-D2FE-D14F-8E47-5B41215A56F3}" type="slidenum">
+              <a:rPr kumimoji="1" lang="zh-CN" altLang="en-US" smtClean="0"/>
+              <a:t>‹#›</a:t>
+            </a:fld>
+            <a:endParaRPr kumimoji="1" lang="zh-CN" altLang="en-US"/>
+          </a:p>
+        </p:txBody>
+      </p:sp>
+    </p:spTree>
+    <p:extLst>
+      <p:ext uri="{BB962C8B-B14F-4D97-AF65-F5344CB8AC3E}">
+        <p14:creationId xmlns:p14="http://schemas.microsoft.com/office/powerpoint/2010/main" val="433335344"/>
+      </p:ext>
+    </p:extLst>
+  </p:cSld>
+  <p:clrMap bg1="lt1" tx1="dk1" bg2="lt2" tx2="dk2" accent1="accent1" accent2="accent2" accent3="accent3" accent4="accent4" accent5="accent5" accent6="accent6" hlink="hlink" folHlink="folHlink"/>
+  <p:notesStyle>
+    <a:lvl1pPr marL="0" algn="l" defTabSz="914400" rtl="0" eaLnBrk="1" latinLnBrk="0" hangingPunct="1">
+      <a:defRPr sz="1200" kern="1200">
+        <a:solidFill>
+          <a:schemeClr val="tx1"/>
+        </a:solidFill>
+        <a:latin typeface="+mn-lt"/>
+        <a:ea typeface="+mn-ea"/>
+        <a:cs typeface="+mn-cs"/>
+      </a:defRPr>
+    </a:lvl1pPr>
+    <a:lvl2pPr marL="457200" algn="l" defTabSz="914400" rtl="0" eaLnBrk="1" latinLnBrk="0" hangingPunct="1">
+      <a:defRPr sz="1200" kern="1200">
+        <a:solidFill>
+          <a:schemeClr val="tx1"/>
+        </a:solidFill>
+        <a:latin typeface="+mn-lt"/>
+        <a:ea typeface="+mn-ea"/>
+        <a:cs typeface="+mn-cs"/>
+      </a:defRPr>
+    </a:lvl2pPr>
+    <a:lvl3pPr marL="914400" algn="l" defTabSz="914400" rtl="0" eaLnBrk="1" latinLnBrk="0" hangingPunct="1">
+      <a:defRPr sz="1200" kern="1200">
+        <a:solidFill>
+          <a:schemeClr val="tx1"/>
+        </a:solidFill>
+        <a:latin typeface="+mn-lt"/>
+        <a:ea typeface="+mn-ea"/>
+        <a:cs typeface="+mn-cs"/>
+      </a:defRPr>
+    </a:lvl3pPr>
+    <a:lvl4pPr marL="1371600" algn="l" defTabSz="914400" rtl="0" eaLnBrk="1" latinLnBrk="0" hangingPunct="1">
+      <a:defRPr sz="1200" kern="1200">
+        <a:solidFill>
+          <a:schemeClr val="tx1"/>
+        </a:solidFill>
+        <a:latin typeface="+mn-lt"/>
+        <a:ea typeface="+mn-ea"/>
+        <a:cs typeface="+mn-cs"/>
+      </a:defRPr>
+    </a:lvl4pPr>
+    <a:lvl5pPr marL="1828800" algn="l" defTabSz="914400" rtl="0" eaLnBrk="1" latinLnBrk="0" hangingPunct="1">
+      <a:defRPr sz="1200" kern="1200">
+        <a:solidFill>
+          <a:schemeClr val="tx1"/>
+        </a:solidFill>
+        <a:latin typeface="+mn-lt"/>
+        <a:ea typeface="+mn-ea"/>
+        <a:cs typeface="+mn-cs"/>
+      </a:defRPr>
+    </a:lvl5pPr>
+    <a:lvl6pPr marL="2286000" algn="l" defTabSz="914400" rtl="0" eaLnBrk="1" latinLnBrk="0" hangingPunct="1">
+      <a:defRPr sz="1200" kern="1200">
+        <a:solidFill>
+          <a:schemeClr val="tx1"/>
+        </a:solidFill>
+        <a:latin typeface="+mn-lt"/>
+        <a:ea typeface="+mn-ea"/>
+        <a:cs typeface="+mn-cs"/>
+      </a:defRPr>
+    </a:lvl6pPr>
+    <a:lvl7pPr marL="2743200" algn="l" defTabSz="914400" rtl="0" eaLnBrk="1" latinLnBrk="0" hangingPunct="1">
+      <a:defRPr sz="1200" kern="1200">
+        <a:solidFill>
+          <a:schemeClr val="tx1"/>
+        </a:solidFill>
+        <a:latin typeface="+mn-lt"/>
+        <a:ea typeface="+mn-ea"/>
+        <a:cs typeface="+mn-cs"/>
+      </a:defRPr>
+    </a:lvl7pPr>
+    <a:lvl8pPr marL="3200400" algn="l" defTabSz="914400" rtl="0" eaLnBrk="1" latinLnBrk="0" hangingPunct="1">
+      <a:defRPr sz="1200" kern="1200">
+        <a:solidFill>
+          <a:schemeClr val="tx1"/>
+        </a:solidFill>
+        <a:latin typeface="+mn-lt"/>
+        <a:ea typeface="+mn-ea"/>
+        <a:cs typeface="+mn-cs"/>
+      </a:defRPr>
+    </a:lvl8pPr>
+    <a:lvl9pPr marL="3657600" algn="l" defTabSz="914400" rtl="0" eaLnBrk="1" latinLnBrk="0" hangingPunct="1">
+      <a:defRPr sz="1200" kern="1200">
+        <a:solidFill>
+          <a:schemeClr val="tx1"/>
+        </a:solidFill>
+        <a:latin typeface="+mn-lt"/>
+        <a:ea typeface="+mn-ea"/>
+        <a:cs typeface="+mn-cs"/>
+      </a:defRPr>
+    </a:lvl9pPr>
+  </p:notesStyle>
+</p:notesMaster>
+</file>
+
+<file path=ppt/notesSlides/notesSlide1.xml><?xml version="1.0" encoding="utf-8"?>
+<p:notes xmlns:a="http://schemas.openxmlformats.org/drawingml/2006/main" xmlns:r="http://schemas.openxmlformats.org/officeDocument/2006/relationships" xmlns:p="http://schemas.openxmlformats.org/presentationml/2006/main">
+  <p:cSld>
+    <p:spTree>
+      <p:nvGrpSpPr>
+        <p:cNvPr id="1" name=""/>
+        <p:cNvGrpSpPr/>
+        <p:nvPr/>
+      </p:nvGrpSpPr>
+      <p:grpSpPr>
+        <a:xfrm>
+          <a:off x="0" y="0"/>
+          <a:ext cx="0" cy="0"/>
+          <a:chOff x="0" y="0"/>
+          <a:chExt cx="0" cy="0"/>
+        </a:xfrm>
+      </p:grpSpPr>
+      <p:sp>
+        <p:nvSpPr>
+          <p:cNvPr id="2" name="幻灯片图像占位符 1"/>
+          <p:cNvSpPr>
+            <a:spLocks noGrp="1" noRot="1" noChangeAspect="1"/>
+          </p:cNvSpPr>
+          <p:nvPr>
+            <p:ph type="sldImg"/>
+          </p:nvPr>
+        </p:nvSpPr>
+        <p:spPr/>
+      </p:sp>
+      <p:sp>
+        <p:nvSpPr>
+          <p:cNvPr id="3" name="备注占位符 2"/>
+          <p:cNvSpPr>
+            <a:spLocks noGrp="1"/>
+          </p:cNvSpPr>
+          <p:nvPr>
+            <p:ph type="body" idx="1"/>
+          </p:nvPr>
+        </p:nvSpPr>
+        <p:spPr/>
+        <p:txBody>
+          <a:bodyPr/>
+          <a:lstStyle/>
+          <a:p>
+            <a:endParaRPr kumimoji="1" lang="zh-CN" altLang="en-US" dirty="0"/>
+          </a:p>
+        </p:txBody>
+      </p:sp>
+      <p:sp>
+        <p:nvSpPr>
+          <p:cNvPr id="4" name="幻灯片编号占位符 3"/>
+          <p:cNvSpPr>
+            <a:spLocks noGrp="1"/>
+          </p:cNvSpPr>
+          <p:nvPr>
+            <p:ph type="sldNum" sz="quarter" idx="10"/>
+          </p:nvPr>
+        </p:nvSpPr>
+        <p:spPr/>
+        <p:txBody>
+          <a:bodyPr/>
+          <a:lstStyle/>
+          <a:p>
+            <a:fld id="{1E556ABE-D2FE-D14F-8E47-5B41215A56F3}" type="slidenum">
+              <a:rPr kumimoji="1" lang="zh-CN" altLang="en-US" smtClean="0"/>
+              <a:t>5</a:t>
+            </a:fld>
+            <a:endParaRPr kumimoji="1" lang="zh-CN" altLang="en-US"/>
+          </a:p>
+        </p:txBody>
+      </p:sp>
+    </p:spTree>
+    <p:extLst>
+      <p:ext uri="{BB962C8B-B14F-4D97-AF65-F5344CB8AC3E}">
+        <p14:creationId xmlns:p14="http://schemas.microsoft.com/office/powerpoint/2010/main" val="950079631"/>
+      </p:ext>
+    </p:extLst>
+  </p:cSld>
+  <p:clrMapOvr>
+    <a:masterClrMapping/>
+  </p:clrMapOvr>
+</p:notes>
+</file>
+
 <file path=ppt/slideLayouts/slideLayout1.xml><?xml version="1.0" encoding="utf-8"?>
 <p:sldLayout xmlns:a="http://schemas.openxmlformats.org/drawingml/2006/main" xmlns:r="http://schemas.openxmlformats.org/officeDocument/2006/relationships" xmlns:p="http://schemas.openxmlformats.org/presentationml/2006/main" type="title" preserve="1">
   <p:cSld name="标题幻灯片">
@@ -255,7 +694,7 @@
           <a:p>
             <a:fld id="{48A87A34-81AB-432B-8DAE-1953F412C126}" type="datetimeFigureOut">
               <a:rPr lang="en-US" dirty="0"/>
-              <a:t>10/17/2018</a:t>
+              <a:t>10/21/18</a:t>
             </a:fld>
             <a:endParaRPr lang="en-US" dirty="0"/>
           </a:p>
@@ -461,7 +900,7 @@
           <a:p>
             <a:fld id="{48A87A34-81AB-432B-8DAE-1953F412C126}" type="datetimeFigureOut">
               <a:rPr lang="en-US" dirty="0"/>
-              <a:t>10/17/2018</a:t>
+              <a:t>10/21/18</a:t>
             </a:fld>
             <a:endParaRPr lang="en-US" dirty="0"/>
           </a:p>
@@ -671,7 +1110,7 @@
           <a:p>
             <a:fld id="{48A87A34-81AB-432B-8DAE-1953F412C126}" type="datetimeFigureOut">
               <a:rPr lang="en-US" dirty="0"/>
-              <a:t>10/17/2018</a:t>
+              <a:t>10/21/18</a:t>
             </a:fld>
             <a:endParaRPr lang="en-US" dirty="0"/>
           </a:p>
@@ -867,7 +1306,7 @@
           <a:p>
             <a:fld id="{48A87A34-81AB-432B-8DAE-1953F412C126}" type="datetimeFigureOut">
               <a:rPr lang="en-US" dirty="0"/>
-              <a:t>10/17/2018</a:t>
+              <a:t>10/21/18</a:t>
             </a:fld>
             <a:endParaRPr lang="en-US" dirty="0"/>
           </a:p>
@@ -1141,7 +1580,7 @@
           <a:p>
             <a:fld id="{48A87A34-81AB-432B-8DAE-1953F412C126}" type="datetimeFigureOut">
               <a:rPr lang="en-US" dirty="0"/>
-              <a:t>10/17/2018</a:t>
+              <a:t>10/21/18</a:t>
             </a:fld>
             <a:endParaRPr lang="en-US" dirty="0"/>
           </a:p>
@@ -1404,7 +1843,7 @@
           <a:p>
             <a:fld id="{48A87A34-81AB-432B-8DAE-1953F412C126}" type="datetimeFigureOut">
               <a:rPr lang="en-US" dirty="0"/>
-              <a:t>10/17/2018</a:t>
+              <a:t>10/21/18</a:t>
             </a:fld>
             <a:endParaRPr lang="en-US" dirty="0"/>
           </a:p>
@@ -1815,7 +2254,7 @@
           <a:p>
             <a:fld id="{48A87A34-81AB-432B-8DAE-1953F412C126}" type="datetimeFigureOut">
               <a:rPr lang="en-US" dirty="0"/>
-              <a:t>10/17/2018</a:t>
+              <a:t>10/21/18</a:t>
             </a:fld>
             <a:endParaRPr lang="en-US" dirty="0"/>
           </a:p>
@@ -1959,7 +2398,7 @@
           <a:p>
             <a:fld id="{48A87A34-81AB-432B-8DAE-1953F412C126}" type="datetimeFigureOut">
               <a:rPr lang="en-US" dirty="0"/>
-              <a:t>10/17/2018</a:t>
+              <a:t>10/21/18</a:t>
             </a:fld>
             <a:endParaRPr lang="en-US" dirty="0"/>
           </a:p>
@@ -2080,7 +2519,7 @@
           <a:p>
             <a:fld id="{48A87A34-81AB-432B-8DAE-1953F412C126}" type="datetimeFigureOut">
               <a:rPr lang="en-US" dirty="0"/>
-              <a:t>10/17/2018</a:t>
+              <a:t>10/21/18</a:t>
             </a:fld>
             <a:endParaRPr lang="en-US" dirty="0"/>
           </a:p>
@@ -2326,7 +2765,7 @@
           <a:p>
             <a:fld id="{48A87A34-81AB-432B-8DAE-1953F412C126}" type="datetimeFigureOut">
               <a:rPr lang="en-US" dirty="0"/>
-              <a:t>10/17/2018</a:t>
+              <a:t>10/21/18</a:t>
             </a:fld>
             <a:endParaRPr lang="en-US" dirty="0"/>
           </a:p>
@@ -2767,7 +3206,7 @@
             <a:fld id="{48A87A34-81AB-432B-8DAE-1953F412C126}" type="datetimeFigureOut">
               <a:rPr lang="en-US" dirty="0"/>
               <a:pPr/>
-              <a:t>10/17/2018</a:t>
+              <a:t>10/21/18</a:t>
             </a:fld>
             <a:endParaRPr lang="en-US" dirty="0"/>
           </a:p>
@@ -3089,7 +3528,7 @@
             <a:fld id="{48A87A34-81AB-432B-8DAE-1953F412C126}" type="datetimeFigureOut">
               <a:rPr lang="en-US" dirty="0"/>
               <a:pPr/>
-              <a:t>10/17/2018</a:t>
+              <a:t>10/21/18</a:t>
             </a:fld>
             <a:endParaRPr lang="en-US" dirty="0"/>
           </a:p>
@@ -3599,15 +4038,7 @@
                 <a:ea typeface="Songti SC" charset="-122"/>
                 <a:cs typeface="Songti SC" charset="-122"/>
               </a:rPr>
-              <a:t>微服务架构</a:t>
-            </a:r>
-            <a:r>
-              <a:rPr kumimoji="1" lang="zh-CN" altLang="en-US" sz="4800" dirty="0" smtClean="0">
-                <a:latin typeface="Songti SC" charset="-122"/>
-                <a:ea typeface="Songti SC" charset="-122"/>
-                <a:cs typeface="Songti SC" charset="-122"/>
-              </a:rPr>
-              <a:t>之</a:t>
+              <a:t>微服务架构之</a:t>
             </a:r>
             <a:r>
               <a:rPr kumimoji="1" lang="en-US" altLang="zh-CN" sz="4800" dirty="0" err="1" smtClean="0">
@@ -3631,15 +4062,7 @@
                 <a:ea typeface="Songti SC" charset="-122"/>
                 <a:cs typeface="Songti SC" charset="-122"/>
               </a:rPr>
-              <a:t>入门</a:t>
-            </a:r>
-            <a:r>
-              <a:rPr kumimoji="1" lang="zh-CN" altLang="en-US" sz="4800" dirty="0" smtClean="0">
-                <a:latin typeface="Songti SC" charset="-122"/>
-                <a:ea typeface="Songti SC" charset="-122"/>
-                <a:cs typeface="Songti SC" charset="-122"/>
-              </a:rPr>
-              <a:t>介绍</a:t>
+              <a:t>入门介绍</a:t>
             </a:r>
             <a:endParaRPr kumimoji="1" lang="zh-CN" altLang="en-US" sz="4800" dirty="0">
               <a:latin typeface="Songti SC" charset="-122"/>
@@ -3683,6 +4106,13 @@
   <p:clrMapOvr>
     <a:masterClrMapping/>
   </p:clrMapOvr>
+  <p:timing>
+    <p:tnLst>
+      <p:par>
+        <p:cTn id="1" dur="indefinite" restart="never" nodeType="tmRoot"/>
+      </p:par>
+    </p:tnLst>
+  </p:timing>
 </p:sld>
 </file>
 
@@ -3770,6 +4200,13 @@
   <p:clrMapOvr>
     <a:masterClrMapping/>
   </p:clrMapOvr>
+  <p:timing>
+    <p:tnLst>
+      <p:par>
+        <p:cTn id="1" dur="indefinite" restart="never" nodeType="tmRoot"/>
+      </p:par>
+    </p:tnLst>
+  </p:timing>
 </p:sld>
 </file>
 
@@ -4111,6 +4548,13 @@
   <p:clrMapOvr>
     <a:masterClrMapping/>
   </p:clrMapOvr>
+  <p:timing>
+    <p:tnLst>
+      <p:par>
+        <p:cTn id="1" dur="indefinite" restart="never" nodeType="tmRoot"/>
+      </p:par>
+    </p:tnLst>
+  </p:timing>
 </p:sld>
 </file>
 
@@ -4162,11 +4606,7 @@
             </a:r>
             <a:r>
               <a:rPr kumimoji="1" lang="zh-CN" altLang="en-US" dirty="0" smtClean="0"/>
-              <a:t>是</a:t>
-            </a:r>
-            <a:r>
-              <a:rPr kumimoji="1" lang="zh-CN" altLang="en-US" dirty="0" smtClean="0"/>
-              <a:t>什么？</a:t>
+              <a:t>是什么？</a:t>
             </a:r>
             <a:endParaRPr kumimoji="1" lang="zh-CN" altLang="en-US" dirty="0"/>
           </a:p>
@@ -4238,6 +4678,345 @@
   <p:clrMapOvr>
     <a:masterClrMapping/>
   </p:clrMapOvr>
+  <p:timing>
+    <p:tnLst>
+      <p:par>
+        <p:cTn id="1" dur="indefinite" restart="never" nodeType="tmRoot">
+          <p:childTnLst>
+            <p:seq concurrent="1" nextAc="seek">
+              <p:cTn id="2" dur="indefinite" nodeType="mainSeq">
+                <p:childTnLst>
+                  <p:par>
+                    <p:cTn id="3" fill="hold">
+                      <p:stCondLst>
+                        <p:cond delay="indefinite"/>
+                      </p:stCondLst>
+                      <p:childTnLst>
+                        <p:par>
+                          <p:cTn id="4" fill="hold">
+                            <p:stCondLst>
+                              <p:cond delay="0"/>
+                            </p:stCondLst>
+                            <p:childTnLst>
+                              <p:par>
+                                <p:cTn id="5" presetID="2" presetClass="entr" presetSubtype="8" fill="hold" nodeType="clickEffect">
+                                  <p:stCondLst>
+                                    <p:cond delay="0"/>
+                                  </p:stCondLst>
+                                  <p:childTnLst>
+                                    <p:set>
+                                      <p:cBhvr>
+                                        <p:cTn id="6" dur="1" fill="hold">
+                                          <p:stCondLst>
+                                            <p:cond delay="0"/>
+                                          </p:stCondLst>
+                                        </p:cTn>
+                                        <p:tgtEl>
+                                          <p:spTgt spid="3">
+                                            <p:txEl>
+                                              <p:pRg st="0" end="0"/>
+                                            </p:txEl>
+                                          </p:spTgt>
+                                        </p:tgtEl>
+                                        <p:attrNameLst>
+                                          <p:attrName>style.visibility</p:attrName>
+                                        </p:attrNameLst>
+                                      </p:cBhvr>
+                                      <p:to>
+                                        <p:strVal val="visible"/>
+                                      </p:to>
+                                    </p:set>
+                                    <p:anim calcmode="lin" valueType="num">
+                                      <p:cBhvr additive="base">
+                                        <p:cTn id="7" dur="500" fill="hold"/>
+                                        <p:tgtEl>
+                                          <p:spTgt spid="3">
+                                            <p:txEl>
+                                              <p:pRg st="0" end="0"/>
+                                            </p:txEl>
+                                          </p:spTgt>
+                                        </p:tgtEl>
+                                        <p:attrNameLst>
+                                          <p:attrName>ppt_x</p:attrName>
+                                        </p:attrNameLst>
+                                      </p:cBhvr>
+                                      <p:tavLst>
+                                        <p:tav tm="0">
+                                          <p:val>
+                                            <p:strVal val="0-#ppt_w/2"/>
+                                          </p:val>
+                                        </p:tav>
+                                        <p:tav tm="100000">
+                                          <p:val>
+                                            <p:strVal val="#ppt_x"/>
+                                          </p:val>
+                                        </p:tav>
+                                      </p:tavLst>
+                                    </p:anim>
+                                    <p:anim calcmode="lin" valueType="num">
+                                      <p:cBhvr additive="base">
+                                        <p:cTn id="8" dur="500" fill="hold"/>
+                                        <p:tgtEl>
+                                          <p:spTgt spid="3">
+                                            <p:txEl>
+                                              <p:pRg st="0" end="0"/>
+                                            </p:txEl>
+                                          </p:spTgt>
+                                        </p:tgtEl>
+                                        <p:attrNameLst>
+                                          <p:attrName>ppt_y</p:attrName>
+                                        </p:attrNameLst>
+                                      </p:cBhvr>
+                                      <p:tavLst>
+                                        <p:tav tm="0">
+                                          <p:val>
+                                            <p:strVal val="#ppt_y"/>
+                                          </p:val>
+                                        </p:tav>
+                                        <p:tav tm="100000">
+                                          <p:val>
+                                            <p:strVal val="#ppt_y"/>
+                                          </p:val>
+                                        </p:tav>
+                                      </p:tavLst>
+                                    </p:anim>
+                                  </p:childTnLst>
+                                </p:cTn>
+                              </p:par>
+                            </p:childTnLst>
+                          </p:cTn>
+                        </p:par>
+                      </p:childTnLst>
+                    </p:cTn>
+                  </p:par>
+                  <p:par>
+                    <p:cTn id="9" fill="hold">
+                      <p:stCondLst>
+                        <p:cond delay="indefinite"/>
+                      </p:stCondLst>
+                      <p:childTnLst>
+                        <p:par>
+                          <p:cTn id="10" fill="hold">
+                            <p:stCondLst>
+                              <p:cond delay="0"/>
+                            </p:stCondLst>
+                            <p:childTnLst>
+                              <p:par>
+                                <p:cTn id="11" presetID="2" presetClass="entr" presetSubtype="8" fill="hold" nodeType="clickEffect">
+                                  <p:stCondLst>
+                                    <p:cond delay="0"/>
+                                  </p:stCondLst>
+                                  <p:childTnLst>
+                                    <p:set>
+                                      <p:cBhvr>
+                                        <p:cTn id="12" dur="1" fill="hold">
+                                          <p:stCondLst>
+                                            <p:cond delay="0"/>
+                                          </p:stCondLst>
+                                        </p:cTn>
+                                        <p:tgtEl>
+                                          <p:spTgt spid="3">
+                                            <p:txEl>
+                                              <p:pRg st="1" end="1"/>
+                                            </p:txEl>
+                                          </p:spTgt>
+                                        </p:tgtEl>
+                                        <p:attrNameLst>
+                                          <p:attrName>style.visibility</p:attrName>
+                                        </p:attrNameLst>
+                                      </p:cBhvr>
+                                      <p:to>
+                                        <p:strVal val="visible"/>
+                                      </p:to>
+                                    </p:set>
+                                    <p:anim calcmode="lin" valueType="num">
+                                      <p:cBhvr additive="base">
+                                        <p:cTn id="13" dur="500" fill="hold"/>
+                                        <p:tgtEl>
+                                          <p:spTgt spid="3">
+                                            <p:txEl>
+                                              <p:pRg st="1" end="1"/>
+                                            </p:txEl>
+                                          </p:spTgt>
+                                        </p:tgtEl>
+                                        <p:attrNameLst>
+                                          <p:attrName>ppt_x</p:attrName>
+                                        </p:attrNameLst>
+                                      </p:cBhvr>
+                                      <p:tavLst>
+                                        <p:tav tm="0">
+                                          <p:val>
+                                            <p:strVal val="0-#ppt_w/2"/>
+                                          </p:val>
+                                        </p:tav>
+                                        <p:tav tm="100000">
+                                          <p:val>
+                                            <p:strVal val="#ppt_x"/>
+                                          </p:val>
+                                        </p:tav>
+                                      </p:tavLst>
+                                    </p:anim>
+                                    <p:anim calcmode="lin" valueType="num">
+                                      <p:cBhvr additive="base">
+                                        <p:cTn id="14" dur="500" fill="hold"/>
+                                        <p:tgtEl>
+                                          <p:spTgt spid="3">
+                                            <p:txEl>
+                                              <p:pRg st="1" end="1"/>
+                                            </p:txEl>
+                                          </p:spTgt>
+                                        </p:tgtEl>
+                                        <p:attrNameLst>
+                                          <p:attrName>ppt_y</p:attrName>
+                                        </p:attrNameLst>
+                                      </p:cBhvr>
+                                      <p:tavLst>
+                                        <p:tav tm="0">
+                                          <p:val>
+                                            <p:strVal val="#ppt_y"/>
+                                          </p:val>
+                                        </p:tav>
+                                        <p:tav tm="100000">
+                                          <p:val>
+                                            <p:strVal val="#ppt_y"/>
+                                          </p:val>
+                                        </p:tav>
+                                      </p:tavLst>
+                                    </p:anim>
+                                  </p:childTnLst>
+                                </p:cTn>
+                              </p:par>
+                            </p:childTnLst>
+                          </p:cTn>
+                        </p:par>
+                      </p:childTnLst>
+                    </p:cTn>
+                  </p:par>
+                  <p:par>
+                    <p:cTn id="15" fill="hold">
+                      <p:stCondLst>
+                        <p:cond delay="indefinite"/>
+                      </p:stCondLst>
+                      <p:childTnLst>
+                        <p:par>
+                          <p:cTn id="16" fill="hold">
+                            <p:stCondLst>
+                              <p:cond delay="0"/>
+                            </p:stCondLst>
+                            <p:childTnLst>
+                              <p:par>
+                                <p:cTn id="17" presetID="2" presetClass="entr" presetSubtype="8" fill="hold" nodeType="clickEffect">
+                                  <p:stCondLst>
+                                    <p:cond delay="0"/>
+                                  </p:stCondLst>
+                                  <p:childTnLst>
+                                    <p:set>
+                                      <p:cBhvr>
+                                        <p:cTn id="18" dur="1" fill="hold">
+                                          <p:stCondLst>
+                                            <p:cond delay="0"/>
+                                          </p:stCondLst>
+                                        </p:cTn>
+                                        <p:tgtEl>
+                                          <p:spTgt spid="3">
+                                            <p:txEl>
+                                              <p:pRg st="2" end="2"/>
+                                            </p:txEl>
+                                          </p:spTgt>
+                                        </p:tgtEl>
+                                        <p:attrNameLst>
+                                          <p:attrName>style.visibility</p:attrName>
+                                        </p:attrNameLst>
+                                      </p:cBhvr>
+                                      <p:to>
+                                        <p:strVal val="visible"/>
+                                      </p:to>
+                                    </p:set>
+                                    <p:anim calcmode="lin" valueType="num">
+                                      <p:cBhvr additive="base">
+                                        <p:cTn id="19" dur="500" fill="hold"/>
+                                        <p:tgtEl>
+                                          <p:spTgt spid="3">
+                                            <p:txEl>
+                                              <p:pRg st="2" end="2"/>
+                                            </p:txEl>
+                                          </p:spTgt>
+                                        </p:tgtEl>
+                                        <p:attrNameLst>
+                                          <p:attrName>ppt_x</p:attrName>
+                                        </p:attrNameLst>
+                                      </p:cBhvr>
+                                      <p:tavLst>
+                                        <p:tav tm="0">
+                                          <p:val>
+                                            <p:strVal val="0-#ppt_w/2"/>
+                                          </p:val>
+                                        </p:tav>
+                                        <p:tav tm="100000">
+                                          <p:val>
+                                            <p:strVal val="#ppt_x"/>
+                                          </p:val>
+                                        </p:tav>
+                                      </p:tavLst>
+                                    </p:anim>
+                                    <p:anim calcmode="lin" valueType="num">
+                                      <p:cBhvr additive="base">
+                                        <p:cTn id="20" dur="500" fill="hold"/>
+                                        <p:tgtEl>
+                                          <p:spTgt spid="3">
+                                            <p:txEl>
+                                              <p:pRg st="2" end="2"/>
+                                            </p:txEl>
+                                          </p:spTgt>
+                                        </p:tgtEl>
+                                        <p:attrNameLst>
+                                          <p:attrName>ppt_y</p:attrName>
+                                        </p:attrNameLst>
+                                      </p:cBhvr>
+                                      <p:tavLst>
+                                        <p:tav tm="0">
+                                          <p:val>
+                                            <p:strVal val="#ppt_y"/>
+                                          </p:val>
+                                        </p:tav>
+                                        <p:tav tm="100000">
+                                          <p:val>
+                                            <p:strVal val="#ppt_y"/>
+                                          </p:val>
+                                        </p:tav>
+                                      </p:tavLst>
+                                    </p:anim>
+                                  </p:childTnLst>
+                                </p:cTn>
+                              </p:par>
+                            </p:childTnLst>
+                          </p:cTn>
+                        </p:par>
+                      </p:childTnLst>
+                    </p:cTn>
+                  </p:par>
+                </p:childTnLst>
+              </p:cTn>
+              <p:prevCondLst>
+                <p:cond evt="onPrev" delay="0">
+                  <p:tgtEl>
+                    <p:sldTgt/>
+                  </p:tgtEl>
+                </p:cond>
+              </p:prevCondLst>
+              <p:nextCondLst>
+                <p:cond evt="onNext" delay="0">
+                  <p:tgtEl>
+                    <p:sldTgt/>
+                  </p:tgtEl>
+                </p:cond>
+              </p:nextCondLst>
+            </p:seq>
+          </p:childTnLst>
+        </p:cTn>
+      </p:par>
+    </p:tnLst>
+  </p:timing>
 </p:sld>
 </file>
 
@@ -4315,7 +5094,7 @@
           </p:nvPr>
         </p:nvPicPr>
         <p:blipFill>
-          <a:blip r:embed="rId2">
+          <a:blip r:embed="rId3">
             <a:extLst>
               <a:ext uri="{28A0092B-C50C-407E-A947-70E740481C1C}">
                 <a14:useLocalDpi xmlns:a14="http://schemas.microsoft.com/office/drawing/2010/main" val="0"/>
@@ -4426,6 +5205,1489 @@
   <p:clrMapOvr>
     <a:masterClrMapping/>
   </p:clrMapOvr>
+  <p:timing>
+    <p:tnLst>
+      <p:par>
+        <p:cTn id="1" dur="indefinite" restart="never" nodeType="tmRoot"/>
+      </p:par>
+    </p:tnLst>
+  </p:timing>
+</p:sld>
+</file>
+
+<file path=ppt/slides/slide6.xml><?xml version="1.0" encoding="utf-8"?>
+<p:sld xmlns:a="http://schemas.openxmlformats.org/drawingml/2006/main" xmlns:r="http://schemas.openxmlformats.org/officeDocument/2006/relationships" xmlns:p="http://schemas.openxmlformats.org/presentationml/2006/main">
+  <p:cSld>
+    <p:spTree>
+      <p:nvGrpSpPr>
+        <p:cNvPr id="1" name=""/>
+        <p:cNvGrpSpPr/>
+        <p:nvPr/>
+      </p:nvGrpSpPr>
+      <p:grpSpPr>
+        <a:xfrm>
+          <a:off x="0" y="0"/>
+          <a:ext cx="0" cy="0"/>
+          <a:chOff x="0" y="0"/>
+          <a:chExt cx="0" cy="0"/>
+        </a:xfrm>
+      </p:grpSpPr>
+      <p:sp>
+        <p:nvSpPr>
+          <p:cNvPr id="2" name="标题 1"/>
+          <p:cNvSpPr>
+            <a:spLocks noGrp="1"/>
+          </p:cNvSpPr>
+          <p:nvPr>
+            <p:ph type="title"/>
+          </p:nvPr>
+        </p:nvSpPr>
+        <p:spPr>
+          <a:xfrm>
+            <a:off x="1451579" y="1294410"/>
+            <a:ext cx="9603275" cy="559344"/>
+          </a:xfrm>
+        </p:spPr>
+        <p:txBody>
+          <a:bodyPr/>
+          <a:lstStyle/>
+          <a:p>
+            <a:pPr algn="ctr"/>
+            <a:r>
+              <a:rPr kumimoji="1" lang="en-US" altLang="zh-CN" dirty="0" err="1" smtClean="0"/>
+              <a:t>D</a:t>
+            </a:r>
+            <a:r>
+              <a:rPr kumimoji="1" lang="en-US" altLang="zh-CN" cap="none" dirty="0" err="1" smtClean="0"/>
+              <a:t>ubbo</a:t>
+            </a:r>
+            <a:r>
+              <a:rPr kumimoji="1" lang="zh-CN" altLang="en-US" cap="none" dirty="0" smtClean="0"/>
+              <a:t>注册中心</a:t>
+            </a:r>
+            <a:endParaRPr kumimoji="1" lang="zh-CN" altLang="en-US" dirty="0"/>
+          </a:p>
+        </p:txBody>
+      </p:sp>
+      <p:sp>
+        <p:nvSpPr>
+          <p:cNvPr id="3" name="内容占位符 2"/>
+          <p:cNvSpPr>
+            <a:spLocks noGrp="1"/>
+          </p:cNvSpPr>
+          <p:nvPr>
+            <p:ph idx="1"/>
+          </p:nvPr>
+        </p:nvSpPr>
+        <p:spPr>
+          <a:xfrm>
+            <a:off x="1451579" y="2015732"/>
+            <a:ext cx="9603275" cy="2580019"/>
+          </a:xfrm>
+        </p:spPr>
+        <p:txBody>
+          <a:bodyPr/>
+          <a:lstStyle/>
+          <a:p>
+            <a:pPr>
+              <a:lnSpc>
+                <a:spcPct val="100000"/>
+              </a:lnSpc>
+              <a:spcBef>
+                <a:spcPts val="0"/>
+              </a:spcBef>
+              <a:buClrTx/>
+              <a:buSzTx/>
+            </a:pPr>
+            <a:r>
+              <a:rPr kumimoji="1" lang="zh-CN" altLang="en-US" dirty="0"/>
+              <a:t>对于服务提供方，它需要发布服务，而且由于应用系统的复杂性，服务的数量、类型也不断膨胀； </a:t>
+            </a:r>
+            <a:endParaRPr kumimoji="1" lang="en-US" altLang="zh-CN" dirty="0" smtClean="0"/>
+          </a:p>
+          <a:p>
+            <a:pPr>
+              <a:lnSpc>
+                <a:spcPct val="100000"/>
+              </a:lnSpc>
+              <a:spcBef>
+                <a:spcPts val="0"/>
+              </a:spcBef>
+              <a:buClrTx/>
+              <a:buSzTx/>
+            </a:pPr>
+            <a:r>
+              <a:rPr kumimoji="1" lang="zh-CN" altLang="en-US" dirty="0" smtClean="0"/>
+              <a:t>对于</a:t>
+            </a:r>
+            <a:r>
+              <a:rPr kumimoji="1" lang="zh-CN" altLang="en-US" dirty="0"/>
+              <a:t>服务消费方，它最关心如何获取到它所需要的服务，而面对复杂的应用系统，需要管理大量的服务调用。 </a:t>
+            </a:r>
+            <a:endParaRPr kumimoji="1" lang="en-US" altLang="zh-CN" dirty="0" smtClean="0"/>
+          </a:p>
+          <a:p>
+            <a:pPr>
+              <a:lnSpc>
+                <a:spcPct val="100000"/>
+              </a:lnSpc>
+              <a:spcBef>
+                <a:spcPts val="0"/>
+              </a:spcBef>
+              <a:buClrTx/>
+              <a:buSzTx/>
+            </a:pPr>
+            <a:r>
+              <a:rPr kumimoji="1" lang="zh-CN" altLang="en-US" dirty="0" smtClean="0"/>
+              <a:t>对于</a:t>
+            </a:r>
+            <a:r>
+              <a:rPr kumimoji="1" lang="zh-CN" altLang="en-US" dirty="0"/>
+              <a:t>服务提供方和服务消费方来说，他们还有可能兼具这两种角色，即既需要提供服务，有需要消费服务。</a:t>
+            </a:r>
+            <a:r>
+              <a:rPr kumimoji="1" lang="zh-CN" altLang="en-US" dirty="0" smtClean="0"/>
+              <a:t>通</a:t>
+            </a:r>
+            <a:endParaRPr kumimoji="1" lang="en-US" altLang="zh-CN" dirty="0" smtClean="0"/>
+          </a:p>
+          <a:p>
+            <a:pPr>
+              <a:lnSpc>
+                <a:spcPct val="100000"/>
+              </a:lnSpc>
+              <a:spcBef>
+                <a:spcPts val="0"/>
+              </a:spcBef>
+              <a:buClrTx/>
+              <a:buSzTx/>
+            </a:pPr>
+            <a:r>
+              <a:rPr kumimoji="1" lang="zh-CN" altLang="en-US" dirty="0" smtClean="0"/>
+              <a:t>过</a:t>
+            </a:r>
+            <a:r>
+              <a:rPr kumimoji="1" lang="zh-CN" altLang="en-US" dirty="0"/>
+              <a:t>将服务统一管理起来，可以有效地优化内部应用对服务发布</a:t>
+            </a:r>
+            <a:r>
+              <a:rPr kumimoji="1" lang="en-US" altLang="zh-CN" dirty="0"/>
+              <a:t>/</a:t>
+            </a:r>
+            <a:r>
+              <a:rPr kumimoji="1" lang="zh-CN" altLang="en-US" dirty="0"/>
+              <a:t>使用的流程和管理。服务注册中心可以通过特定协议来完成服务对外的统一</a:t>
+            </a:r>
+            <a:r>
+              <a:rPr kumimoji="1" lang="zh-CN" altLang="en-US" dirty="0" smtClean="0"/>
+              <a:t>。</a:t>
+            </a:r>
+            <a:endParaRPr kumimoji="1" lang="zh-CN" altLang="en-US" dirty="0"/>
+          </a:p>
+        </p:txBody>
+      </p:sp>
+      <p:sp>
+        <p:nvSpPr>
+          <p:cNvPr id="4" name="文本框 3"/>
+          <p:cNvSpPr txBox="1"/>
+          <p:nvPr/>
+        </p:nvSpPr>
+        <p:spPr>
+          <a:xfrm>
+            <a:off x="1451579" y="4595751"/>
+            <a:ext cx="6092042" cy="1754326"/>
+          </a:xfrm>
+          <a:prstGeom prst="rect">
+            <a:avLst/>
+          </a:prstGeom>
+          <a:noFill/>
+        </p:spPr>
+        <p:txBody>
+          <a:bodyPr wrap="square" rtlCol="0">
+            <a:spAutoFit/>
+          </a:bodyPr>
+          <a:lstStyle/>
+          <a:p>
+            <a:r>
+              <a:rPr lang="en-US" altLang="zh-CN" b="1" dirty="0" err="1"/>
+              <a:t>Dubbo</a:t>
+            </a:r>
+            <a:r>
+              <a:rPr lang="zh-CN" altLang="en-US" b="1" dirty="0"/>
+              <a:t>提供的注册中心有如下几种类型可供选择</a:t>
+            </a:r>
+            <a:r>
+              <a:rPr lang="zh-CN" altLang="en-US" dirty="0"/>
+              <a:t>：</a:t>
+            </a:r>
+          </a:p>
+          <a:p>
+            <a:pPr marL="285750" indent="-285750">
+              <a:buFont typeface="Arial" charset="0"/>
+              <a:buChar char="•"/>
+            </a:pPr>
+            <a:r>
+              <a:rPr lang="en-US" altLang="zh-CN" dirty="0"/>
+              <a:t>Multicast</a:t>
+            </a:r>
+            <a:r>
+              <a:rPr lang="zh-CN" altLang="en-US" dirty="0"/>
+              <a:t>注册中心</a:t>
+            </a:r>
+          </a:p>
+          <a:p>
+            <a:pPr marL="285750" indent="-285750">
+              <a:buFont typeface="Arial" charset="0"/>
+              <a:buChar char="•"/>
+            </a:pPr>
+            <a:r>
+              <a:rPr lang="en-US" altLang="zh-CN" dirty="0"/>
+              <a:t>Zookeeper</a:t>
+            </a:r>
+            <a:r>
+              <a:rPr lang="zh-CN" altLang="en-US" dirty="0"/>
+              <a:t>注册中心</a:t>
+            </a:r>
+          </a:p>
+          <a:p>
+            <a:pPr marL="285750" indent="-285750">
+              <a:buFont typeface="Arial" charset="0"/>
+              <a:buChar char="•"/>
+            </a:pPr>
+            <a:r>
+              <a:rPr lang="en-US" altLang="zh-CN" dirty="0" err="1"/>
+              <a:t>Redis</a:t>
+            </a:r>
+            <a:r>
+              <a:rPr lang="zh-CN" altLang="en-US" dirty="0"/>
+              <a:t>注册中心</a:t>
+            </a:r>
+          </a:p>
+          <a:p>
+            <a:pPr marL="285750" indent="-285750">
+              <a:buFont typeface="Arial" charset="0"/>
+              <a:buChar char="•"/>
+            </a:pPr>
+            <a:r>
+              <a:rPr lang="en-US" altLang="zh-CN" dirty="0"/>
+              <a:t>Simple</a:t>
+            </a:r>
+            <a:r>
+              <a:rPr lang="zh-CN" altLang="en-US" dirty="0"/>
+              <a:t>注册中心</a:t>
+            </a:r>
+          </a:p>
+          <a:p>
+            <a:endParaRPr kumimoji="1" lang="zh-CN" altLang="en-US" dirty="0"/>
+          </a:p>
+        </p:txBody>
+      </p:sp>
+    </p:spTree>
+    <p:extLst>
+      <p:ext uri="{BB962C8B-B14F-4D97-AF65-F5344CB8AC3E}">
+        <p14:creationId xmlns:p14="http://schemas.microsoft.com/office/powerpoint/2010/main" val="749650687"/>
+      </p:ext>
+    </p:extLst>
+  </p:cSld>
+  <p:clrMapOvr>
+    <a:masterClrMapping/>
+  </p:clrMapOvr>
+  <p:timing>
+    <p:tnLst>
+      <p:par>
+        <p:cTn id="1" dur="indefinite" restart="never" nodeType="tmRoot">
+          <p:childTnLst>
+            <p:seq concurrent="1" nextAc="seek">
+              <p:cTn id="2" dur="indefinite" nodeType="mainSeq">
+                <p:childTnLst>
+                  <p:par>
+                    <p:cTn id="3" fill="hold">
+                      <p:stCondLst>
+                        <p:cond delay="indefinite"/>
+                      </p:stCondLst>
+                      <p:childTnLst>
+                        <p:par>
+                          <p:cTn id="4" fill="hold">
+                            <p:stCondLst>
+                              <p:cond delay="0"/>
+                            </p:stCondLst>
+                            <p:childTnLst>
+                              <p:par>
+                                <p:cTn id="5" presetID="12" presetClass="entr" presetSubtype="8" fill="hold" grpId="0" nodeType="clickEffect">
+                                  <p:stCondLst>
+                                    <p:cond delay="0"/>
+                                  </p:stCondLst>
+                                  <p:childTnLst>
+                                    <p:set>
+                                      <p:cBhvr>
+                                        <p:cTn id="6" dur="1" fill="hold">
+                                          <p:stCondLst>
+                                            <p:cond delay="0"/>
+                                          </p:stCondLst>
+                                        </p:cTn>
+                                        <p:tgtEl>
+                                          <p:spTgt spid="4"/>
+                                        </p:tgtEl>
+                                        <p:attrNameLst>
+                                          <p:attrName>style.visibility</p:attrName>
+                                        </p:attrNameLst>
+                                      </p:cBhvr>
+                                      <p:to>
+                                        <p:strVal val="visible"/>
+                                      </p:to>
+                                    </p:set>
+                                    <p:anim calcmode="lin" valueType="num">
+                                      <p:cBhvr additive="base">
+                                        <p:cTn id="7" dur="500"/>
+                                        <p:tgtEl>
+                                          <p:spTgt spid="4"/>
+                                        </p:tgtEl>
+                                        <p:attrNameLst>
+                                          <p:attrName>ppt_x</p:attrName>
+                                        </p:attrNameLst>
+                                      </p:cBhvr>
+                                      <p:tavLst>
+                                        <p:tav tm="0">
+                                          <p:val>
+                                            <p:strVal val="#ppt_x-#ppt_w*1.125000"/>
+                                          </p:val>
+                                        </p:tav>
+                                        <p:tav tm="100000">
+                                          <p:val>
+                                            <p:strVal val="#ppt_x"/>
+                                          </p:val>
+                                        </p:tav>
+                                      </p:tavLst>
+                                    </p:anim>
+                                    <p:animEffect transition="in" filter="wipe(right)">
+                                      <p:cBhvr>
+                                        <p:cTn id="8" dur="500"/>
+                                        <p:tgtEl>
+                                          <p:spTgt spid="4"/>
+                                        </p:tgtEl>
+                                      </p:cBhvr>
+                                    </p:animEffect>
+                                  </p:childTnLst>
+                                </p:cTn>
+                              </p:par>
+                            </p:childTnLst>
+                          </p:cTn>
+                        </p:par>
+                      </p:childTnLst>
+                    </p:cTn>
+                  </p:par>
+                </p:childTnLst>
+              </p:cTn>
+              <p:prevCondLst>
+                <p:cond evt="onPrev" delay="0">
+                  <p:tgtEl>
+                    <p:sldTgt/>
+                  </p:tgtEl>
+                </p:cond>
+              </p:prevCondLst>
+              <p:nextCondLst>
+                <p:cond evt="onNext" delay="0">
+                  <p:tgtEl>
+                    <p:sldTgt/>
+                  </p:tgtEl>
+                </p:cond>
+              </p:nextCondLst>
+            </p:seq>
+          </p:childTnLst>
+        </p:cTn>
+      </p:par>
+    </p:tnLst>
+    <p:bldLst>
+      <p:bldP spid="4" grpId="0"/>
+    </p:bldLst>
+  </p:timing>
+</p:sld>
+</file>
+
+<file path=ppt/slides/slide7.xml><?xml version="1.0" encoding="utf-8"?>
+<p:sld xmlns:a="http://schemas.openxmlformats.org/drawingml/2006/main" xmlns:r="http://schemas.openxmlformats.org/officeDocument/2006/relationships" xmlns:p="http://schemas.openxmlformats.org/presentationml/2006/main">
+  <p:cSld>
+    <p:spTree>
+      <p:nvGrpSpPr>
+        <p:cNvPr id="1" name=""/>
+        <p:cNvGrpSpPr/>
+        <p:nvPr/>
+      </p:nvGrpSpPr>
+      <p:grpSpPr>
+        <a:xfrm>
+          <a:off x="0" y="0"/>
+          <a:ext cx="0" cy="0"/>
+          <a:chOff x="0" y="0"/>
+          <a:chExt cx="0" cy="0"/>
+        </a:xfrm>
+      </p:grpSpPr>
+      <p:sp>
+        <p:nvSpPr>
+          <p:cNvPr id="2" name="标题 1"/>
+          <p:cNvSpPr>
+            <a:spLocks noGrp="1"/>
+          </p:cNvSpPr>
+          <p:nvPr>
+            <p:ph type="title"/>
+          </p:nvPr>
+        </p:nvSpPr>
+        <p:spPr>
+          <a:xfrm>
+            <a:off x="1451579" y="1306286"/>
+            <a:ext cx="9603275" cy="547468"/>
+          </a:xfrm>
+        </p:spPr>
+        <p:txBody>
+          <a:bodyPr/>
+          <a:lstStyle/>
+          <a:p>
+            <a:pPr algn="ctr"/>
+            <a:r>
+              <a:rPr kumimoji="1" lang="en-US" altLang="zh-CN" dirty="0" err="1" smtClean="0"/>
+              <a:t>D</a:t>
+            </a:r>
+            <a:r>
+              <a:rPr kumimoji="1" lang="en-US" altLang="zh-CN" cap="none" dirty="0" err="1" smtClean="0"/>
+              <a:t>ubbo</a:t>
+            </a:r>
+            <a:r>
+              <a:rPr kumimoji="1" lang="zh-CN" altLang="en-US" cap="none" dirty="0" smtClean="0"/>
+              <a:t>优缺点</a:t>
+            </a:r>
+            <a:endParaRPr kumimoji="1" lang="zh-CN" altLang="en-US" dirty="0"/>
+          </a:p>
+        </p:txBody>
+      </p:sp>
+      <p:sp>
+        <p:nvSpPr>
+          <p:cNvPr id="3" name="内容占位符 2"/>
+          <p:cNvSpPr>
+            <a:spLocks noGrp="1"/>
+          </p:cNvSpPr>
+          <p:nvPr>
+            <p:ph idx="1"/>
+          </p:nvPr>
+        </p:nvSpPr>
+        <p:spPr>
+          <a:xfrm>
+            <a:off x="1451579" y="2015733"/>
+            <a:ext cx="9603275" cy="2271259"/>
+          </a:xfrm>
+        </p:spPr>
+        <p:txBody>
+          <a:bodyPr>
+            <a:normAutofit fontScale="92500" lnSpcReduction="20000"/>
+          </a:bodyPr>
+          <a:lstStyle/>
+          <a:p>
+            <a:pPr marL="0" lvl="0" indent="0">
+              <a:lnSpc>
+                <a:spcPct val="100000"/>
+              </a:lnSpc>
+              <a:spcBef>
+                <a:spcPts val="0"/>
+              </a:spcBef>
+              <a:buClrTx/>
+              <a:buSzTx/>
+              <a:buNone/>
+            </a:pPr>
+            <a:r>
+              <a:rPr kumimoji="1" lang="zh-CN" altLang="en-US" b="1" dirty="0" smtClean="0"/>
+              <a:t>优点</a:t>
+            </a:r>
+            <a:r>
+              <a:rPr kumimoji="1" lang="zh-CN" altLang="en-US" dirty="0" smtClean="0"/>
+              <a:t>：</a:t>
+            </a:r>
+            <a:endParaRPr kumimoji="1" lang="en-US" altLang="zh-CN" dirty="0" smtClean="0"/>
+          </a:p>
+          <a:p>
+            <a:pPr>
+              <a:lnSpc>
+                <a:spcPct val="100000"/>
+              </a:lnSpc>
+              <a:spcBef>
+                <a:spcPts val="0"/>
+              </a:spcBef>
+              <a:buClrTx/>
+              <a:buSzTx/>
+            </a:pPr>
+            <a:r>
+              <a:rPr kumimoji="1" lang="zh-CN" altLang="en-US" dirty="0" smtClean="0"/>
+              <a:t>透明化的远程方法调用 </a:t>
+            </a:r>
+            <a:r>
+              <a:rPr kumimoji="1" lang="en-US" altLang="zh-CN" dirty="0" smtClean="0"/>
+              <a:t>- </a:t>
+            </a:r>
+            <a:r>
+              <a:rPr kumimoji="1" lang="zh-CN" altLang="en-US" dirty="0" smtClean="0"/>
+              <a:t>像调用本地方法一样调用远程方法；</a:t>
+            </a:r>
+            <a:endParaRPr kumimoji="1" lang="en-US" altLang="zh-CN" dirty="0" smtClean="0"/>
+          </a:p>
+          <a:p>
+            <a:pPr>
+              <a:lnSpc>
+                <a:spcPct val="100000"/>
+              </a:lnSpc>
+              <a:spcBef>
+                <a:spcPts val="0"/>
+              </a:spcBef>
+              <a:buClrTx/>
+              <a:buSzTx/>
+            </a:pPr>
+            <a:r>
+              <a:rPr kumimoji="1" lang="zh-CN" altLang="en-US" dirty="0" smtClean="0"/>
+              <a:t>只需简单配置，没有任何</a:t>
+            </a:r>
+            <a:r>
+              <a:rPr kumimoji="1" lang="en-US" altLang="zh-CN" dirty="0" smtClean="0"/>
+              <a:t>API</a:t>
+            </a:r>
+            <a:r>
+              <a:rPr kumimoji="1" lang="zh-CN" altLang="en-US" dirty="0" smtClean="0"/>
+              <a:t>侵入。软负载均衡及容错机制 可在内网替代</a:t>
+            </a:r>
+            <a:r>
+              <a:rPr kumimoji="1" lang="en-US" altLang="zh-CN" dirty="0" err="1" smtClean="0"/>
+              <a:t>nginx</a:t>
+            </a:r>
+            <a:r>
+              <a:rPr kumimoji="1" lang="en-US" altLang="zh-CN" dirty="0" smtClean="0"/>
+              <a:t> </a:t>
+            </a:r>
+            <a:r>
+              <a:rPr kumimoji="1" lang="en-US" altLang="zh-CN" dirty="0" err="1" smtClean="0"/>
+              <a:t>lvs</a:t>
+            </a:r>
+            <a:r>
+              <a:rPr kumimoji="1" lang="zh-CN" altLang="en-US" dirty="0" smtClean="0"/>
+              <a:t>等硬件负载均衡器。</a:t>
+            </a:r>
+            <a:endParaRPr kumimoji="1" lang="en-US" altLang="zh-CN" dirty="0" smtClean="0"/>
+          </a:p>
+          <a:p>
+            <a:pPr>
+              <a:lnSpc>
+                <a:spcPct val="100000"/>
+              </a:lnSpc>
+              <a:spcBef>
+                <a:spcPts val="0"/>
+              </a:spcBef>
+              <a:buClrTx/>
+              <a:buSzTx/>
+            </a:pPr>
+            <a:r>
+              <a:rPr kumimoji="1" lang="zh-CN" altLang="en-US" dirty="0" smtClean="0"/>
+              <a:t>服务注册中心自动注册 </a:t>
+            </a:r>
+            <a:r>
+              <a:rPr kumimoji="1" lang="en-US" altLang="zh-CN" dirty="0" smtClean="0"/>
+              <a:t>&amp; </a:t>
+            </a:r>
+            <a:r>
+              <a:rPr kumimoji="1" lang="zh-CN" altLang="en-US" dirty="0" smtClean="0"/>
+              <a:t>配置管理 </a:t>
+            </a:r>
+            <a:r>
+              <a:rPr kumimoji="1" lang="en-US" altLang="zh-CN" dirty="0" smtClean="0"/>
+              <a:t>-</a:t>
+            </a:r>
+            <a:r>
+              <a:rPr kumimoji="1" lang="zh-CN" altLang="en-US" dirty="0" smtClean="0"/>
+              <a:t>不需要写死服务提供者地址，注册中心基于接口名自动查询提供者</a:t>
+            </a:r>
+            <a:r>
+              <a:rPr kumimoji="1" lang="en-US" altLang="zh-CN" dirty="0" err="1" smtClean="0"/>
+              <a:t>ip</a:t>
+            </a:r>
+            <a:r>
+              <a:rPr kumimoji="1" lang="zh-CN" altLang="en-US" dirty="0" smtClean="0"/>
+              <a:t>。 使用类似</a:t>
+            </a:r>
+            <a:r>
+              <a:rPr kumimoji="1" lang="en-US" altLang="zh-CN" dirty="0" smtClean="0"/>
+              <a:t>zookeeper</a:t>
+            </a:r>
+            <a:r>
+              <a:rPr kumimoji="1" lang="zh-CN" altLang="en-US" dirty="0" smtClean="0"/>
+              <a:t>等分布式协调服务作为服务注册中心，可以将绝大部分项目配置移入</a:t>
+            </a:r>
+            <a:r>
+              <a:rPr kumimoji="1" lang="en-US" altLang="zh-CN" dirty="0" smtClean="0"/>
+              <a:t>zookeeper</a:t>
+            </a:r>
+            <a:r>
+              <a:rPr kumimoji="1" lang="zh-CN" altLang="en-US" dirty="0" smtClean="0"/>
+              <a:t>集群。</a:t>
+            </a:r>
+            <a:endParaRPr kumimoji="1" lang="en-US" altLang="zh-CN" dirty="0" smtClean="0"/>
+          </a:p>
+          <a:p>
+            <a:pPr>
+              <a:lnSpc>
+                <a:spcPct val="100000"/>
+              </a:lnSpc>
+              <a:spcBef>
+                <a:spcPts val="0"/>
+              </a:spcBef>
+              <a:buClrTx/>
+              <a:buSzTx/>
+            </a:pPr>
+            <a:r>
+              <a:rPr kumimoji="1" lang="zh-CN" altLang="en-US" dirty="0" smtClean="0"/>
+              <a:t>服务接口监控与治理 </a:t>
+            </a:r>
+            <a:r>
+              <a:rPr kumimoji="1" lang="en-US" altLang="zh-CN" dirty="0" smtClean="0"/>
+              <a:t>-</a:t>
+            </a:r>
+            <a:r>
+              <a:rPr kumimoji="1" lang="en-US" altLang="zh-CN" dirty="0" err="1" smtClean="0"/>
+              <a:t>Dubbo</a:t>
+            </a:r>
+            <a:r>
+              <a:rPr kumimoji="1" lang="en-US" altLang="zh-CN" dirty="0" smtClean="0"/>
+              <a:t>-admin</a:t>
+            </a:r>
+            <a:r>
+              <a:rPr kumimoji="1" lang="zh-CN" altLang="en-US" dirty="0" smtClean="0"/>
+              <a:t>与</a:t>
+            </a:r>
+            <a:r>
+              <a:rPr kumimoji="1" lang="en-US" altLang="zh-CN" dirty="0" err="1" smtClean="0"/>
+              <a:t>Dubbo</a:t>
+            </a:r>
+            <a:r>
+              <a:rPr kumimoji="1" lang="en-US" altLang="zh-CN" dirty="0" smtClean="0"/>
+              <a:t>-monitor</a:t>
+            </a:r>
+            <a:r>
+              <a:rPr kumimoji="1" lang="zh-CN" altLang="en-US" dirty="0" smtClean="0"/>
+              <a:t>提供了完善的服务接口管理与监控功能，针对不同应用的不同接口，可以进行 多版本，多协议，多注册中心管理。</a:t>
+            </a:r>
+            <a:endParaRPr kumimoji="1" lang="zh-CN" altLang="en-US" dirty="0"/>
+          </a:p>
+        </p:txBody>
+      </p:sp>
+      <p:sp>
+        <p:nvSpPr>
+          <p:cNvPr id="5" name="文本框 4"/>
+          <p:cNvSpPr txBox="1"/>
+          <p:nvPr/>
+        </p:nvSpPr>
+        <p:spPr>
+          <a:xfrm>
+            <a:off x="1451579" y="4450976"/>
+            <a:ext cx="9603275" cy="646331"/>
+          </a:xfrm>
+          <a:prstGeom prst="rect">
+            <a:avLst/>
+          </a:prstGeom>
+          <a:noFill/>
+        </p:spPr>
+        <p:txBody>
+          <a:bodyPr wrap="square" rtlCol="0">
+            <a:spAutoFit/>
+          </a:bodyPr>
+          <a:lstStyle/>
+          <a:p>
+            <a:r>
+              <a:rPr kumimoji="1" lang="zh-CN" altLang="en-US" b="1" dirty="0"/>
+              <a:t>缺点</a:t>
+            </a:r>
+            <a:r>
+              <a:rPr kumimoji="1" lang="zh-CN" altLang="en-US" dirty="0"/>
+              <a:t>：</a:t>
+            </a:r>
+            <a:endParaRPr kumimoji="1" lang="en-US" altLang="zh-CN" dirty="0"/>
+          </a:p>
+          <a:p>
+            <a:pPr marL="285750" indent="-285750">
+              <a:buFont typeface="Arial" charset="0"/>
+              <a:buChar char="•"/>
+            </a:pPr>
+            <a:r>
+              <a:rPr lang="zh-CN" altLang="en-US" dirty="0"/>
+              <a:t>只支持</a:t>
+            </a:r>
+            <a:r>
+              <a:rPr lang="en-US" altLang="zh-CN" dirty="0"/>
+              <a:t>JAVA</a:t>
+            </a:r>
+            <a:r>
+              <a:rPr lang="zh-CN" altLang="en-US" dirty="0" smtClean="0"/>
+              <a:t>语言</a:t>
+            </a:r>
+            <a:endParaRPr lang="zh-CN" altLang="en-US" dirty="0"/>
+          </a:p>
+        </p:txBody>
+      </p:sp>
+    </p:spTree>
+    <p:extLst>
+      <p:ext uri="{BB962C8B-B14F-4D97-AF65-F5344CB8AC3E}">
+        <p14:creationId xmlns:p14="http://schemas.microsoft.com/office/powerpoint/2010/main" val="4988348"/>
+      </p:ext>
+    </p:extLst>
+  </p:cSld>
+  <p:clrMapOvr>
+    <a:masterClrMapping/>
+  </p:clrMapOvr>
+  <p:timing>
+    <p:tnLst>
+      <p:par>
+        <p:cTn id="1" dur="indefinite" restart="never" nodeType="tmRoot">
+          <p:childTnLst>
+            <p:seq concurrent="1" nextAc="seek">
+              <p:cTn id="2" dur="indefinite" nodeType="mainSeq">
+                <p:childTnLst>
+                  <p:par>
+                    <p:cTn id="3" fill="hold">
+                      <p:stCondLst>
+                        <p:cond delay="indefinite"/>
+                      </p:stCondLst>
+                      <p:childTnLst>
+                        <p:par>
+                          <p:cTn id="4" fill="hold">
+                            <p:stCondLst>
+                              <p:cond delay="0"/>
+                            </p:stCondLst>
+                            <p:childTnLst>
+                              <p:par>
+                                <p:cTn id="5" presetID="2" presetClass="entr" presetSubtype="8" fill="hold" grpId="0" nodeType="clickEffect">
+                                  <p:stCondLst>
+                                    <p:cond delay="0"/>
+                                  </p:stCondLst>
+                                  <p:childTnLst>
+                                    <p:set>
+                                      <p:cBhvr>
+                                        <p:cTn id="6" dur="1" fill="hold">
+                                          <p:stCondLst>
+                                            <p:cond delay="0"/>
+                                          </p:stCondLst>
+                                        </p:cTn>
+                                        <p:tgtEl>
+                                          <p:spTgt spid="3">
+                                            <p:txEl>
+                                              <p:pRg st="0" end="0"/>
+                                            </p:txEl>
+                                          </p:spTgt>
+                                        </p:tgtEl>
+                                        <p:attrNameLst>
+                                          <p:attrName>style.visibility</p:attrName>
+                                        </p:attrNameLst>
+                                      </p:cBhvr>
+                                      <p:to>
+                                        <p:strVal val="visible"/>
+                                      </p:to>
+                                    </p:set>
+                                    <p:anim calcmode="lin" valueType="num">
+                                      <p:cBhvr additive="base">
+                                        <p:cTn id="7" dur="500" fill="hold"/>
+                                        <p:tgtEl>
+                                          <p:spTgt spid="3">
+                                            <p:txEl>
+                                              <p:pRg st="0" end="0"/>
+                                            </p:txEl>
+                                          </p:spTgt>
+                                        </p:tgtEl>
+                                        <p:attrNameLst>
+                                          <p:attrName>ppt_x</p:attrName>
+                                        </p:attrNameLst>
+                                      </p:cBhvr>
+                                      <p:tavLst>
+                                        <p:tav tm="0">
+                                          <p:val>
+                                            <p:strVal val="0-#ppt_w/2"/>
+                                          </p:val>
+                                        </p:tav>
+                                        <p:tav tm="100000">
+                                          <p:val>
+                                            <p:strVal val="#ppt_x"/>
+                                          </p:val>
+                                        </p:tav>
+                                      </p:tavLst>
+                                    </p:anim>
+                                    <p:anim calcmode="lin" valueType="num">
+                                      <p:cBhvr additive="base">
+                                        <p:cTn id="8" dur="500" fill="hold"/>
+                                        <p:tgtEl>
+                                          <p:spTgt spid="3">
+                                            <p:txEl>
+                                              <p:pRg st="0" end="0"/>
+                                            </p:txEl>
+                                          </p:spTgt>
+                                        </p:tgtEl>
+                                        <p:attrNameLst>
+                                          <p:attrName>ppt_y</p:attrName>
+                                        </p:attrNameLst>
+                                      </p:cBhvr>
+                                      <p:tavLst>
+                                        <p:tav tm="0">
+                                          <p:val>
+                                            <p:strVal val="#ppt_y"/>
+                                          </p:val>
+                                        </p:tav>
+                                        <p:tav tm="100000">
+                                          <p:val>
+                                            <p:strVal val="#ppt_y"/>
+                                          </p:val>
+                                        </p:tav>
+                                      </p:tavLst>
+                                    </p:anim>
+                                  </p:childTnLst>
+                                </p:cTn>
+                              </p:par>
+                            </p:childTnLst>
+                          </p:cTn>
+                        </p:par>
+                      </p:childTnLst>
+                    </p:cTn>
+                  </p:par>
+                  <p:par>
+                    <p:cTn id="9" fill="hold">
+                      <p:stCondLst>
+                        <p:cond delay="indefinite"/>
+                      </p:stCondLst>
+                      <p:childTnLst>
+                        <p:par>
+                          <p:cTn id="10" fill="hold">
+                            <p:stCondLst>
+                              <p:cond delay="0"/>
+                            </p:stCondLst>
+                            <p:childTnLst>
+                              <p:par>
+                                <p:cTn id="11" presetID="2" presetClass="entr" presetSubtype="8" fill="hold" grpId="0" nodeType="clickEffect">
+                                  <p:stCondLst>
+                                    <p:cond delay="0"/>
+                                  </p:stCondLst>
+                                  <p:childTnLst>
+                                    <p:set>
+                                      <p:cBhvr>
+                                        <p:cTn id="12" dur="1" fill="hold">
+                                          <p:stCondLst>
+                                            <p:cond delay="0"/>
+                                          </p:stCondLst>
+                                        </p:cTn>
+                                        <p:tgtEl>
+                                          <p:spTgt spid="3">
+                                            <p:txEl>
+                                              <p:pRg st="1" end="1"/>
+                                            </p:txEl>
+                                          </p:spTgt>
+                                        </p:tgtEl>
+                                        <p:attrNameLst>
+                                          <p:attrName>style.visibility</p:attrName>
+                                        </p:attrNameLst>
+                                      </p:cBhvr>
+                                      <p:to>
+                                        <p:strVal val="visible"/>
+                                      </p:to>
+                                    </p:set>
+                                    <p:anim calcmode="lin" valueType="num">
+                                      <p:cBhvr additive="base">
+                                        <p:cTn id="13" dur="500" fill="hold"/>
+                                        <p:tgtEl>
+                                          <p:spTgt spid="3">
+                                            <p:txEl>
+                                              <p:pRg st="1" end="1"/>
+                                            </p:txEl>
+                                          </p:spTgt>
+                                        </p:tgtEl>
+                                        <p:attrNameLst>
+                                          <p:attrName>ppt_x</p:attrName>
+                                        </p:attrNameLst>
+                                      </p:cBhvr>
+                                      <p:tavLst>
+                                        <p:tav tm="0">
+                                          <p:val>
+                                            <p:strVal val="0-#ppt_w/2"/>
+                                          </p:val>
+                                        </p:tav>
+                                        <p:tav tm="100000">
+                                          <p:val>
+                                            <p:strVal val="#ppt_x"/>
+                                          </p:val>
+                                        </p:tav>
+                                      </p:tavLst>
+                                    </p:anim>
+                                    <p:anim calcmode="lin" valueType="num">
+                                      <p:cBhvr additive="base">
+                                        <p:cTn id="14" dur="500" fill="hold"/>
+                                        <p:tgtEl>
+                                          <p:spTgt spid="3">
+                                            <p:txEl>
+                                              <p:pRg st="1" end="1"/>
+                                            </p:txEl>
+                                          </p:spTgt>
+                                        </p:tgtEl>
+                                        <p:attrNameLst>
+                                          <p:attrName>ppt_y</p:attrName>
+                                        </p:attrNameLst>
+                                      </p:cBhvr>
+                                      <p:tavLst>
+                                        <p:tav tm="0">
+                                          <p:val>
+                                            <p:strVal val="#ppt_y"/>
+                                          </p:val>
+                                        </p:tav>
+                                        <p:tav tm="100000">
+                                          <p:val>
+                                            <p:strVal val="#ppt_y"/>
+                                          </p:val>
+                                        </p:tav>
+                                      </p:tavLst>
+                                    </p:anim>
+                                  </p:childTnLst>
+                                </p:cTn>
+                              </p:par>
+                            </p:childTnLst>
+                          </p:cTn>
+                        </p:par>
+                      </p:childTnLst>
+                    </p:cTn>
+                  </p:par>
+                  <p:par>
+                    <p:cTn id="15" fill="hold">
+                      <p:stCondLst>
+                        <p:cond delay="indefinite"/>
+                      </p:stCondLst>
+                      <p:childTnLst>
+                        <p:par>
+                          <p:cTn id="16" fill="hold">
+                            <p:stCondLst>
+                              <p:cond delay="0"/>
+                            </p:stCondLst>
+                            <p:childTnLst>
+                              <p:par>
+                                <p:cTn id="17" presetID="2" presetClass="entr" presetSubtype="8" fill="hold" grpId="0" nodeType="clickEffect">
+                                  <p:stCondLst>
+                                    <p:cond delay="0"/>
+                                  </p:stCondLst>
+                                  <p:childTnLst>
+                                    <p:set>
+                                      <p:cBhvr>
+                                        <p:cTn id="18" dur="1" fill="hold">
+                                          <p:stCondLst>
+                                            <p:cond delay="0"/>
+                                          </p:stCondLst>
+                                        </p:cTn>
+                                        <p:tgtEl>
+                                          <p:spTgt spid="3">
+                                            <p:txEl>
+                                              <p:pRg st="2" end="2"/>
+                                            </p:txEl>
+                                          </p:spTgt>
+                                        </p:tgtEl>
+                                        <p:attrNameLst>
+                                          <p:attrName>style.visibility</p:attrName>
+                                        </p:attrNameLst>
+                                      </p:cBhvr>
+                                      <p:to>
+                                        <p:strVal val="visible"/>
+                                      </p:to>
+                                    </p:set>
+                                    <p:anim calcmode="lin" valueType="num">
+                                      <p:cBhvr additive="base">
+                                        <p:cTn id="19" dur="500" fill="hold"/>
+                                        <p:tgtEl>
+                                          <p:spTgt spid="3">
+                                            <p:txEl>
+                                              <p:pRg st="2" end="2"/>
+                                            </p:txEl>
+                                          </p:spTgt>
+                                        </p:tgtEl>
+                                        <p:attrNameLst>
+                                          <p:attrName>ppt_x</p:attrName>
+                                        </p:attrNameLst>
+                                      </p:cBhvr>
+                                      <p:tavLst>
+                                        <p:tav tm="0">
+                                          <p:val>
+                                            <p:strVal val="0-#ppt_w/2"/>
+                                          </p:val>
+                                        </p:tav>
+                                        <p:tav tm="100000">
+                                          <p:val>
+                                            <p:strVal val="#ppt_x"/>
+                                          </p:val>
+                                        </p:tav>
+                                      </p:tavLst>
+                                    </p:anim>
+                                    <p:anim calcmode="lin" valueType="num">
+                                      <p:cBhvr additive="base">
+                                        <p:cTn id="20" dur="500" fill="hold"/>
+                                        <p:tgtEl>
+                                          <p:spTgt spid="3">
+                                            <p:txEl>
+                                              <p:pRg st="2" end="2"/>
+                                            </p:txEl>
+                                          </p:spTgt>
+                                        </p:tgtEl>
+                                        <p:attrNameLst>
+                                          <p:attrName>ppt_y</p:attrName>
+                                        </p:attrNameLst>
+                                      </p:cBhvr>
+                                      <p:tavLst>
+                                        <p:tav tm="0">
+                                          <p:val>
+                                            <p:strVal val="#ppt_y"/>
+                                          </p:val>
+                                        </p:tav>
+                                        <p:tav tm="100000">
+                                          <p:val>
+                                            <p:strVal val="#ppt_y"/>
+                                          </p:val>
+                                        </p:tav>
+                                      </p:tavLst>
+                                    </p:anim>
+                                  </p:childTnLst>
+                                </p:cTn>
+                              </p:par>
+                            </p:childTnLst>
+                          </p:cTn>
+                        </p:par>
+                      </p:childTnLst>
+                    </p:cTn>
+                  </p:par>
+                  <p:par>
+                    <p:cTn id="21" fill="hold">
+                      <p:stCondLst>
+                        <p:cond delay="indefinite"/>
+                      </p:stCondLst>
+                      <p:childTnLst>
+                        <p:par>
+                          <p:cTn id="22" fill="hold">
+                            <p:stCondLst>
+                              <p:cond delay="0"/>
+                            </p:stCondLst>
+                            <p:childTnLst>
+                              <p:par>
+                                <p:cTn id="23" presetID="2" presetClass="entr" presetSubtype="8" fill="hold" grpId="0" nodeType="clickEffect">
+                                  <p:stCondLst>
+                                    <p:cond delay="0"/>
+                                  </p:stCondLst>
+                                  <p:childTnLst>
+                                    <p:set>
+                                      <p:cBhvr>
+                                        <p:cTn id="24" dur="1" fill="hold">
+                                          <p:stCondLst>
+                                            <p:cond delay="0"/>
+                                          </p:stCondLst>
+                                        </p:cTn>
+                                        <p:tgtEl>
+                                          <p:spTgt spid="3">
+                                            <p:txEl>
+                                              <p:pRg st="3" end="3"/>
+                                            </p:txEl>
+                                          </p:spTgt>
+                                        </p:tgtEl>
+                                        <p:attrNameLst>
+                                          <p:attrName>style.visibility</p:attrName>
+                                        </p:attrNameLst>
+                                      </p:cBhvr>
+                                      <p:to>
+                                        <p:strVal val="visible"/>
+                                      </p:to>
+                                    </p:set>
+                                    <p:anim calcmode="lin" valueType="num">
+                                      <p:cBhvr additive="base">
+                                        <p:cTn id="25" dur="500" fill="hold"/>
+                                        <p:tgtEl>
+                                          <p:spTgt spid="3">
+                                            <p:txEl>
+                                              <p:pRg st="3" end="3"/>
+                                            </p:txEl>
+                                          </p:spTgt>
+                                        </p:tgtEl>
+                                        <p:attrNameLst>
+                                          <p:attrName>ppt_x</p:attrName>
+                                        </p:attrNameLst>
+                                      </p:cBhvr>
+                                      <p:tavLst>
+                                        <p:tav tm="0">
+                                          <p:val>
+                                            <p:strVal val="0-#ppt_w/2"/>
+                                          </p:val>
+                                        </p:tav>
+                                        <p:tav tm="100000">
+                                          <p:val>
+                                            <p:strVal val="#ppt_x"/>
+                                          </p:val>
+                                        </p:tav>
+                                      </p:tavLst>
+                                    </p:anim>
+                                    <p:anim calcmode="lin" valueType="num">
+                                      <p:cBhvr additive="base">
+                                        <p:cTn id="26" dur="500" fill="hold"/>
+                                        <p:tgtEl>
+                                          <p:spTgt spid="3">
+                                            <p:txEl>
+                                              <p:pRg st="3" end="3"/>
+                                            </p:txEl>
+                                          </p:spTgt>
+                                        </p:tgtEl>
+                                        <p:attrNameLst>
+                                          <p:attrName>ppt_y</p:attrName>
+                                        </p:attrNameLst>
+                                      </p:cBhvr>
+                                      <p:tavLst>
+                                        <p:tav tm="0">
+                                          <p:val>
+                                            <p:strVal val="#ppt_y"/>
+                                          </p:val>
+                                        </p:tav>
+                                        <p:tav tm="100000">
+                                          <p:val>
+                                            <p:strVal val="#ppt_y"/>
+                                          </p:val>
+                                        </p:tav>
+                                      </p:tavLst>
+                                    </p:anim>
+                                  </p:childTnLst>
+                                </p:cTn>
+                              </p:par>
+                            </p:childTnLst>
+                          </p:cTn>
+                        </p:par>
+                      </p:childTnLst>
+                    </p:cTn>
+                  </p:par>
+                  <p:par>
+                    <p:cTn id="27" fill="hold">
+                      <p:stCondLst>
+                        <p:cond delay="indefinite"/>
+                      </p:stCondLst>
+                      <p:childTnLst>
+                        <p:par>
+                          <p:cTn id="28" fill="hold">
+                            <p:stCondLst>
+                              <p:cond delay="0"/>
+                            </p:stCondLst>
+                            <p:childTnLst>
+                              <p:par>
+                                <p:cTn id="29" presetID="2" presetClass="entr" presetSubtype="8" fill="hold" grpId="0" nodeType="clickEffect">
+                                  <p:stCondLst>
+                                    <p:cond delay="0"/>
+                                  </p:stCondLst>
+                                  <p:childTnLst>
+                                    <p:set>
+                                      <p:cBhvr>
+                                        <p:cTn id="30" dur="1" fill="hold">
+                                          <p:stCondLst>
+                                            <p:cond delay="0"/>
+                                          </p:stCondLst>
+                                        </p:cTn>
+                                        <p:tgtEl>
+                                          <p:spTgt spid="3">
+                                            <p:txEl>
+                                              <p:pRg st="4" end="4"/>
+                                            </p:txEl>
+                                          </p:spTgt>
+                                        </p:tgtEl>
+                                        <p:attrNameLst>
+                                          <p:attrName>style.visibility</p:attrName>
+                                        </p:attrNameLst>
+                                      </p:cBhvr>
+                                      <p:to>
+                                        <p:strVal val="visible"/>
+                                      </p:to>
+                                    </p:set>
+                                    <p:anim calcmode="lin" valueType="num">
+                                      <p:cBhvr additive="base">
+                                        <p:cTn id="31" dur="500" fill="hold"/>
+                                        <p:tgtEl>
+                                          <p:spTgt spid="3">
+                                            <p:txEl>
+                                              <p:pRg st="4" end="4"/>
+                                            </p:txEl>
+                                          </p:spTgt>
+                                        </p:tgtEl>
+                                        <p:attrNameLst>
+                                          <p:attrName>ppt_x</p:attrName>
+                                        </p:attrNameLst>
+                                      </p:cBhvr>
+                                      <p:tavLst>
+                                        <p:tav tm="0">
+                                          <p:val>
+                                            <p:strVal val="0-#ppt_w/2"/>
+                                          </p:val>
+                                        </p:tav>
+                                        <p:tav tm="100000">
+                                          <p:val>
+                                            <p:strVal val="#ppt_x"/>
+                                          </p:val>
+                                        </p:tav>
+                                      </p:tavLst>
+                                    </p:anim>
+                                    <p:anim calcmode="lin" valueType="num">
+                                      <p:cBhvr additive="base">
+                                        <p:cTn id="32" dur="500" fill="hold"/>
+                                        <p:tgtEl>
+                                          <p:spTgt spid="3">
+                                            <p:txEl>
+                                              <p:pRg st="4" end="4"/>
+                                            </p:txEl>
+                                          </p:spTgt>
+                                        </p:tgtEl>
+                                        <p:attrNameLst>
+                                          <p:attrName>ppt_y</p:attrName>
+                                        </p:attrNameLst>
+                                      </p:cBhvr>
+                                      <p:tavLst>
+                                        <p:tav tm="0">
+                                          <p:val>
+                                            <p:strVal val="#ppt_y"/>
+                                          </p:val>
+                                        </p:tav>
+                                        <p:tav tm="100000">
+                                          <p:val>
+                                            <p:strVal val="#ppt_y"/>
+                                          </p:val>
+                                        </p:tav>
+                                      </p:tavLst>
+                                    </p:anim>
+                                  </p:childTnLst>
+                                </p:cTn>
+                              </p:par>
+                            </p:childTnLst>
+                          </p:cTn>
+                        </p:par>
+                      </p:childTnLst>
+                    </p:cTn>
+                  </p:par>
+                  <p:par>
+                    <p:cTn id="33" fill="hold">
+                      <p:stCondLst>
+                        <p:cond delay="indefinite"/>
+                      </p:stCondLst>
+                      <p:childTnLst>
+                        <p:par>
+                          <p:cTn id="34" fill="hold">
+                            <p:stCondLst>
+                              <p:cond delay="0"/>
+                            </p:stCondLst>
+                            <p:childTnLst>
+                              <p:par>
+                                <p:cTn id="35" presetID="2" presetClass="entr" presetSubtype="8" fill="hold" nodeType="clickEffect">
+                                  <p:stCondLst>
+                                    <p:cond delay="0"/>
+                                  </p:stCondLst>
+                                  <p:childTnLst>
+                                    <p:set>
+                                      <p:cBhvr>
+                                        <p:cTn id="36" dur="1" fill="hold">
+                                          <p:stCondLst>
+                                            <p:cond delay="0"/>
+                                          </p:stCondLst>
+                                        </p:cTn>
+                                        <p:tgtEl>
+                                          <p:spTgt spid="5">
+                                            <p:txEl>
+                                              <p:pRg st="0" end="0"/>
+                                            </p:txEl>
+                                          </p:spTgt>
+                                        </p:tgtEl>
+                                        <p:attrNameLst>
+                                          <p:attrName>style.visibility</p:attrName>
+                                        </p:attrNameLst>
+                                      </p:cBhvr>
+                                      <p:to>
+                                        <p:strVal val="visible"/>
+                                      </p:to>
+                                    </p:set>
+                                    <p:anim calcmode="lin" valueType="num">
+                                      <p:cBhvr additive="base">
+                                        <p:cTn id="37" dur="500" fill="hold"/>
+                                        <p:tgtEl>
+                                          <p:spTgt spid="5">
+                                            <p:txEl>
+                                              <p:pRg st="0" end="0"/>
+                                            </p:txEl>
+                                          </p:spTgt>
+                                        </p:tgtEl>
+                                        <p:attrNameLst>
+                                          <p:attrName>ppt_x</p:attrName>
+                                        </p:attrNameLst>
+                                      </p:cBhvr>
+                                      <p:tavLst>
+                                        <p:tav tm="0">
+                                          <p:val>
+                                            <p:strVal val="0-#ppt_w/2"/>
+                                          </p:val>
+                                        </p:tav>
+                                        <p:tav tm="100000">
+                                          <p:val>
+                                            <p:strVal val="#ppt_x"/>
+                                          </p:val>
+                                        </p:tav>
+                                      </p:tavLst>
+                                    </p:anim>
+                                    <p:anim calcmode="lin" valueType="num">
+                                      <p:cBhvr additive="base">
+                                        <p:cTn id="38" dur="500" fill="hold"/>
+                                        <p:tgtEl>
+                                          <p:spTgt spid="5">
+                                            <p:txEl>
+                                              <p:pRg st="0" end="0"/>
+                                            </p:txEl>
+                                          </p:spTgt>
+                                        </p:tgtEl>
+                                        <p:attrNameLst>
+                                          <p:attrName>ppt_y</p:attrName>
+                                        </p:attrNameLst>
+                                      </p:cBhvr>
+                                      <p:tavLst>
+                                        <p:tav tm="0">
+                                          <p:val>
+                                            <p:strVal val="#ppt_y"/>
+                                          </p:val>
+                                        </p:tav>
+                                        <p:tav tm="100000">
+                                          <p:val>
+                                            <p:strVal val="#ppt_y"/>
+                                          </p:val>
+                                        </p:tav>
+                                      </p:tavLst>
+                                    </p:anim>
+                                  </p:childTnLst>
+                                </p:cTn>
+                              </p:par>
+                            </p:childTnLst>
+                          </p:cTn>
+                        </p:par>
+                      </p:childTnLst>
+                    </p:cTn>
+                  </p:par>
+                  <p:par>
+                    <p:cTn id="39" fill="hold">
+                      <p:stCondLst>
+                        <p:cond delay="indefinite"/>
+                      </p:stCondLst>
+                      <p:childTnLst>
+                        <p:par>
+                          <p:cTn id="40" fill="hold">
+                            <p:stCondLst>
+                              <p:cond delay="0"/>
+                            </p:stCondLst>
+                            <p:childTnLst>
+                              <p:par>
+                                <p:cTn id="41" presetID="2" presetClass="entr" presetSubtype="8" fill="hold" nodeType="clickEffect">
+                                  <p:stCondLst>
+                                    <p:cond delay="0"/>
+                                  </p:stCondLst>
+                                  <p:childTnLst>
+                                    <p:set>
+                                      <p:cBhvr>
+                                        <p:cTn id="42" dur="1" fill="hold">
+                                          <p:stCondLst>
+                                            <p:cond delay="0"/>
+                                          </p:stCondLst>
+                                        </p:cTn>
+                                        <p:tgtEl>
+                                          <p:spTgt spid="5">
+                                            <p:txEl>
+                                              <p:pRg st="1" end="1"/>
+                                            </p:txEl>
+                                          </p:spTgt>
+                                        </p:tgtEl>
+                                        <p:attrNameLst>
+                                          <p:attrName>style.visibility</p:attrName>
+                                        </p:attrNameLst>
+                                      </p:cBhvr>
+                                      <p:to>
+                                        <p:strVal val="visible"/>
+                                      </p:to>
+                                    </p:set>
+                                    <p:anim calcmode="lin" valueType="num">
+                                      <p:cBhvr additive="base">
+                                        <p:cTn id="43" dur="500" fill="hold"/>
+                                        <p:tgtEl>
+                                          <p:spTgt spid="5">
+                                            <p:txEl>
+                                              <p:pRg st="1" end="1"/>
+                                            </p:txEl>
+                                          </p:spTgt>
+                                        </p:tgtEl>
+                                        <p:attrNameLst>
+                                          <p:attrName>ppt_x</p:attrName>
+                                        </p:attrNameLst>
+                                      </p:cBhvr>
+                                      <p:tavLst>
+                                        <p:tav tm="0">
+                                          <p:val>
+                                            <p:strVal val="0-#ppt_w/2"/>
+                                          </p:val>
+                                        </p:tav>
+                                        <p:tav tm="100000">
+                                          <p:val>
+                                            <p:strVal val="#ppt_x"/>
+                                          </p:val>
+                                        </p:tav>
+                                      </p:tavLst>
+                                    </p:anim>
+                                    <p:anim calcmode="lin" valueType="num">
+                                      <p:cBhvr additive="base">
+                                        <p:cTn id="44" dur="500" fill="hold"/>
+                                        <p:tgtEl>
+                                          <p:spTgt spid="5">
+                                            <p:txEl>
+                                              <p:pRg st="1" end="1"/>
+                                            </p:txEl>
+                                          </p:spTgt>
+                                        </p:tgtEl>
+                                        <p:attrNameLst>
+                                          <p:attrName>ppt_y</p:attrName>
+                                        </p:attrNameLst>
+                                      </p:cBhvr>
+                                      <p:tavLst>
+                                        <p:tav tm="0">
+                                          <p:val>
+                                            <p:strVal val="#ppt_y"/>
+                                          </p:val>
+                                        </p:tav>
+                                        <p:tav tm="100000">
+                                          <p:val>
+                                            <p:strVal val="#ppt_y"/>
+                                          </p:val>
+                                        </p:tav>
+                                      </p:tavLst>
+                                    </p:anim>
+                                  </p:childTnLst>
+                                </p:cTn>
+                              </p:par>
+                            </p:childTnLst>
+                          </p:cTn>
+                        </p:par>
+                      </p:childTnLst>
+                    </p:cTn>
+                  </p:par>
+                </p:childTnLst>
+              </p:cTn>
+              <p:prevCondLst>
+                <p:cond evt="onPrev" delay="0">
+                  <p:tgtEl>
+                    <p:sldTgt/>
+                  </p:tgtEl>
+                </p:cond>
+              </p:prevCondLst>
+              <p:nextCondLst>
+                <p:cond evt="onNext" delay="0">
+                  <p:tgtEl>
+                    <p:sldTgt/>
+                  </p:tgtEl>
+                </p:cond>
+              </p:nextCondLst>
+            </p:seq>
+          </p:childTnLst>
+        </p:cTn>
+      </p:par>
+    </p:tnLst>
+    <p:bldLst>
+      <p:bldP spid="3" grpId="0" uiExpand="1" build="p"/>
+    </p:bldLst>
+  </p:timing>
 </p:sld>
 </file>
 
@@ -4680,4 +6942,265 @@
     </a:ext>
   </a:extLst>
 </a:theme>
+</file>
+
+<file path=ppt/theme/theme2.xml><?xml version="1.0" encoding="utf-8"?>
+<a:theme xmlns:a="http://schemas.openxmlformats.org/drawingml/2006/main" name="Office 主题">
+  <a:themeElements>
+    <a:clrScheme name="Office">
+      <a:dk1>
+        <a:sysClr val="windowText" lastClr="000000"/>
+      </a:dk1>
+      <a:lt1>
+        <a:sysClr val="window" lastClr="FFFFFF"/>
+      </a:lt1>
+      <a:dk2>
+        <a:srgbClr val="44546A"/>
+      </a:dk2>
+      <a:lt2>
+        <a:srgbClr val="E7E6E6"/>
+      </a:lt2>
+      <a:accent1>
+        <a:srgbClr val="5B9BD5"/>
+      </a:accent1>
+      <a:accent2>
+        <a:srgbClr val="ED7D31"/>
+      </a:accent2>
+      <a:accent3>
+        <a:srgbClr val="A5A5A5"/>
+      </a:accent3>
+      <a:accent4>
+        <a:srgbClr val="FFC000"/>
+      </a:accent4>
+      <a:accent5>
+        <a:srgbClr val="4472C4"/>
+      </a:accent5>
+      <a:accent6>
+        <a:srgbClr val="70AD47"/>
+      </a:accent6>
+      <a:hlink>
+        <a:srgbClr val="0563C1"/>
+      </a:hlink>
+      <a:folHlink>
+        <a:srgbClr val="954F72"/>
+      </a:folHlink>
+    </a:clrScheme>
+    <a:fontScheme name="Office">
+      <a:majorFont>
+        <a:latin typeface="DengXian Light" panose="020F0302020204030204"/>
+        <a:ea typeface=""/>
+        <a:cs typeface=""/>
+        <a:font script="Jpan" typeface="Yu Gothic Light"/>
+        <a:font script="Hang" typeface="맑은 고딕"/>
+        <a:font script="Hans" typeface="DengXian Light"/>
+        <a:font script="Hant" typeface="新細明體"/>
+        <a:font script="Arab" typeface="Times New Roman"/>
+        <a:font script="Hebr" typeface="Times New Roman"/>
+        <a:font script="Thai" typeface="Angsana New"/>
+        <a:font script="Ethi" typeface="Nyala"/>
+        <a:font script="Beng" typeface="Vrinda"/>
+        <a:font script="Gujr" typeface="Shruti"/>
+        <a:font script="Khmr" typeface="MoolBoran"/>
+        <a:font script="Knda" typeface="Tunga"/>
+        <a:font script="Guru" typeface="Raavi"/>
+        <a:font script="Cans" typeface="Euphemia"/>
+        <a:font script="Cher" typeface="Plantagenet Cherokee"/>
+        <a:font script="Yiii" typeface="Microsoft Yi Baiti"/>
+        <a:font script="Tibt" typeface="Microsoft Himalaya"/>
+        <a:font script="Thaa" typeface="MV Boli"/>
+        <a:font script="Deva" typeface="Mangal"/>
+        <a:font script="Telu" typeface="Gautami"/>
+        <a:font script="Taml" typeface="Latha"/>
+        <a:font script="Syrc" typeface="Estrangelo Edessa"/>
+        <a:font script="Orya" typeface="Kalinga"/>
+        <a:font script="Mlym" typeface="Kartika"/>
+        <a:font script="Laoo" typeface="DokChampa"/>
+        <a:font script="Sinh" typeface="Iskoola Pota"/>
+        <a:font script="Mong" typeface="Mongolian Baiti"/>
+        <a:font script="Viet" typeface="Times New Roman"/>
+        <a:font script="Uigh" typeface="Microsoft Uighur"/>
+        <a:font script="Geor" typeface="Sylfaen"/>
+      </a:majorFont>
+      <a:minorFont>
+        <a:latin typeface="DengXian" panose="020F0502020204030204"/>
+        <a:ea typeface=""/>
+        <a:cs typeface=""/>
+        <a:font script="Jpan" typeface="Yu Gothic"/>
+        <a:font script="Hang" typeface="맑은 고딕"/>
+        <a:font script="Hans" typeface="DengXian"/>
+        <a:font script="Hant" typeface="新細明體"/>
+        <a:font script="Arab" typeface="Arial"/>
+        <a:font script="Hebr" typeface="Arial"/>
+        <a:font script="Thai" typeface="Cordia New"/>
+        <a:font script="Ethi" typeface="Nyala"/>
+        <a:font script="Beng" typeface="Vrinda"/>
+        <a:font script="Gujr" typeface="Shruti"/>
+        <a:font script="Khmr" typeface="DaunPenh"/>
+        <a:font script="Knda" typeface="Tunga"/>
+        <a:font script="Guru" typeface="Raavi"/>
+        <a:font script="Cans" typeface="Euphemia"/>
+        <a:font script="Cher" typeface="Plantagenet Cherokee"/>
+        <a:font script="Yiii" typeface="Microsoft Yi Baiti"/>
+        <a:font script="Tibt" typeface="Microsoft Himalaya"/>
+        <a:font script="Thaa" typeface="MV Boli"/>
+        <a:font script="Deva" typeface="Mangal"/>
+        <a:font script="Telu" typeface="Gautami"/>
+        <a:font script="Taml" typeface="Latha"/>
+        <a:font script="Syrc" typeface="Estrangelo Edessa"/>
+        <a:font script="Orya" typeface="Kalinga"/>
+        <a:font script="Mlym" typeface="Kartika"/>
+        <a:font script="Laoo" typeface="DokChampa"/>
+        <a:font script="Sinh" typeface="Iskoola Pota"/>
+        <a:font script="Mong" typeface="Mongolian Baiti"/>
+        <a:font script="Viet" typeface="Arial"/>
+        <a:font script="Uigh" typeface="Microsoft Uighur"/>
+        <a:font script="Geor" typeface="Sylfaen"/>
+      </a:minorFont>
+    </a:fontScheme>
+    <a:fmtScheme name="Office">
+      <a:fillStyleLst>
+        <a:solidFill>
+          <a:schemeClr val="phClr"/>
+        </a:solidFill>
+        <a:gradFill rotWithShape="1">
+          <a:gsLst>
+            <a:gs pos="0">
+              <a:schemeClr val="phClr">
+                <a:lumMod val="110000"/>
+                <a:satMod val="105000"/>
+                <a:tint val="67000"/>
+              </a:schemeClr>
+            </a:gs>
+            <a:gs pos="50000">
+              <a:schemeClr val="phClr">
+                <a:lumMod val="105000"/>
+                <a:satMod val="103000"/>
+                <a:tint val="73000"/>
+              </a:schemeClr>
+            </a:gs>
+            <a:gs pos="100000">
+              <a:schemeClr val="phClr">
+                <a:lumMod val="105000"/>
+                <a:satMod val="109000"/>
+                <a:tint val="81000"/>
+              </a:schemeClr>
+            </a:gs>
+          </a:gsLst>
+          <a:lin ang="5400000" scaled="0"/>
+        </a:gradFill>
+        <a:gradFill rotWithShape="1">
+          <a:gsLst>
+            <a:gs pos="0">
+              <a:schemeClr val="phClr">
+                <a:satMod val="103000"/>
+                <a:lumMod val="102000"/>
+                <a:tint val="94000"/>
+              </a:schemeClr>
+            </a:gs>
+            <a:gs pos="50000">
+              <a:schemeClr val="phClr">
+                <a:satMod val="110000"/>
+                <a:lumMod val="100000"/>
+                <a:shade val="100000"/>
+              </a:schemeClr>
+            </a:gs>
+            <a:gs pos="100000">
+              <a:schemeClr val="phClr">
+                <a:lumMod val="99000"/>
+                <a:satMod val="120000"/>
+                <a:shade val="78000"/>
+              </a:schemeClr>
+            </a:gs>
+          </a:gsLst>
+          <a:lin ang="5400000" scaled="0"/>
+        </a:gradFill>
+      </a:fillStyleLst>
+      <a:lnStyleLst>
+        <a:ln w="6350" cap="flat" cmpd="sng" algn="ctr">
+          <a:solidFill>
+            <a:schemeClr val="phClr"/>
+          </a:solidFill>
+          <a:prstDash val="solid"/>
+          <a:miter lim="800000"/>
+        </a:ln>
+        <a:ln w="12700" cap="flat" cmpd="sng" algn="ctr">
+          <a:solidFill>
+            <a:schemeClr val="phClr"/>
+          </a:solidFill>
+          <a:prstDash val="solid"/>
+          <a:miter lim="800000"/>
+        </a:ln>
+        <a:ln w="19050" cap="flat" cmpd="sng" algn="ctr">
+          <a:solidFill>
+            <a:schemeClr val="phClr"/>
+          </a:solidFill>
+          <a:prstDash val="solid"/>
+          <a:miter lim="800000"/>
+        </a:ln>
+      </a:lnStyleLst>
+      <a:effectStyleLst>
+        <a:effectStyle>
+          <a:effectLst/>
+        </a:effectStyle>
+        <a:effectStyle>
+          <a:effectLst/>
+        </a:effectStyle>
+        <a:effectStyle>
+          <a:effectLst>
+            <a:outerShdw blurRad="57150" dist="19050" dir="5400000" algn="ctr" rotWithShape="0">
+              <a:srgbClr val="000000">
+                <a:alpha val="63000"/>
+              </a:srgbClr>
+            </a:outerShdw>
+          </a:effectLst>
+        </a:effectStyle>
+      </a:effectStyleLst>
+      <a:bgFillStyleLst>
+        <a:solidFill>
+          <a:schemeClr val="phClr"/>
+        </a:solidFill>
+        <a:solidFill>
+          <a:schemeClr val="phClr">
+            <a:tint val="95000"/>
+            <a:satMod val="170000"/>
+          </a:schemeClr>
+        </a:solidFill>
+        <a:gradFill rotWithShape="1">
+          <a:gsLst>
+            <a:gs pos="0">
+              <a:schemeClr val="phClr">
+                <a:tint val="93000"/>
+                <a:satMod val="150000"/>
+                <a:shade val="98000"/>
+                <a:lumMod val="102000"/>
+              </a:schemeClr>
+            </a:gs>
+            <a:gs pos="50000">
+              <a:schemeClr val="phClr">
+                <a:tint val="98000"/>
+                <a:satMod val="130000"/>
+                <a:shade val="90000"/>
+                <a:lumMod val="103000"/>
+              </a:schemeClr>
+            </a:gs>
+            <a:gs pos="100000">
+              <a:schemeClr val="phClr">
+                <a:shade val="63000"/>
+                <a:satMod val="120000"/>
+              </a:schemeClr>
+            </a:gs>
+          </a:gsLst>
+          <a:lin ang="5400000" scaled="0"/>
+        </a:gradFill>
+      </a:bgFillStyleLst>
+    </a:fmtScheme>
+  </a:themeElements>
+  <a:objectDefaults/>
+  <a:extraClrSchemeLst/>
+  <a:extLst>
+    <a:ext uri="{05A4C25C-085E-4340-85A3-A5531E510DB2}">
+      <thm15:themeFamily xmlns:thm15="http://schemas.microsoft.com/office/thememl/2012/main" name="Office Theme" id="{62F939B6-93AF-4DB8-9C6B-D6C7DFDC589F}" vid="{4A3C46E8-61CC-4603-A589-7422A47A8E4A}"/>
+    </a:ext>
+  </a:extLst>
+</a:theme>
 </file>
--- a/微服务架构之Dubbo入门介绍.pptx
+++ b/微服务架构之Dubbo入门介绍.pptx
@@ -5,8 +5,11 @@
     <p:sldMasterId id="2147483648" r:id="rId1"/>
   </p:sldMasterIdLst>
   <p:notesMasterIdLst>
-    <p:notesMasterId r:id="rId9"/>
+    <p:notesMasterId r:id="rId10"/>
   </p:notesMasterIdLst>
+  <p:handoutMasterIdLst>
+    <p:handoutMasterId r:id="rId11"/>
+  </p:handoutMasterIdLst>
   <p:sldIdLst>
     <p:sldId id="256" r:id="rId2"/>
     <p:sldId id="257" r:id="rId3"/>
@@ -15,6 +18,7 @@
     <p:sldId id="260" r:id="rId6"/>
     <p:sldId id="261" r:id="rId7"/>
     <p:sldId id="262" r:id="rId8"/>
+    <p:sldId id="263" r:id="rId9"/>
   </p:sldIdLst>
   <p:sldSz cx="12192000" cy="6858000"/>
   <p:notesSz cx="6858000" cy="9144000"/>
@@ -121,6 +125,184 @@
 </p:presentation>
 </file>
 
+<file path=ppt/handoutMasters/handoutMaster1.xml><?xml version="1.0" encoding="utf-8"?>
+<p:handoutMaster xmlns:a="http://schemas.openxmlformats.org/drawingml/2006/main" xmlns:r="http://schemas.openxmlformats.org/officeDocument/2006/relationships" xmlns:p="http://schemas.openxmlformats.org/presentationml/2006/main">
+  <p:cSld>
+    <p:bg>
+      <p:bgRef idx="1001">
+        <a:schemeClr val="bg1"/>
+      </p:bgRef>
+    </p:bg>
+    <p:spTree>
+      <p:nvGrpSpPr>
+        <p:cNvPr id="1" name=""/>
+        <p:cNvGrpSpPr/>
+        <p:nvPr/>
+      </p:nvGrpSpPr>
+      <p:grpSpPr>
+        <a:xfrm>
+          <a:off x="0" y="0"/>
+          <a:ext cx="0" cy="0"/>
+          <a:chOff x="0" y="0"/>
+          <a:chExt cx="0" cy="0"/>
+        </a:xfrm>
+      </p:grpSpPr>
+      <p:sp>
+        <p:nvSpPr>
+          <p:cNvPr id="2" name="页眉占位符 1"/>
+          <p:cNvSpPr>
+            <a:spLocks noGrp="1"/>
+          </p:cNvSpPr>
+          <p:nvPr>
+            <p:ph type="hdr" sz="quarter"/>
+          </p:nvPr>
+        </p:nvSpPr>
+        <p:spPr>
+          <a:xfrm>
+            <a:off x="0" y="0"/>
+            <a:ext cx="2971800" cy="458788"/>
+          </a:xfrm>
+          <a:prstGeom prst="rect">
+            <a:avLst/>
+          </a:prstGeom>
+        </p:spPr>
+        <p:txBody>
+          <a:bodyPr vert="horz" lIns="91440" tIns="45720" rIns="91440" bIns="45720" rtlCol="0"/>
+          <a:lstStyle>
+            <a:lvl1pPr algn="l">
+              <a:defRPr sz="1200"/>
+            </a:lvl1pPr>
+          </a:lstStyle>
+          <a:p>
+            <a:r>
+              <a:rPr lang="en-US" altLang="zh-CN" smtClean="0"/>
+              <a:t>Dubbo</a:t>
+            </a:r>
+            <a:r>
+              <a:rPr lang="zh-CN" altLang="en-US" smtClean="0"/>
+              <a:t>官网：</a:t>
+            </a:r>
+            <a:r>
+              <a:rPr lang="en-US" altLang="zh-CN" smtClean="0"/>
+              <a:t>dubbo.apache.org</a:t>
+            </a:r>
+            <a:endParaRPr lang="zh-CN" altLang="en-US"/>
+          </a:p>
+        </p:txBody>
+      </p:sp>
+      <p:sp>
+        <p:nvSpPr>
+          <p:cNvPr id="3" name="日期占位符 2"/>
+          <p:cNvSpPr>
+            <a:spLocks noGrp="1"/>
+          </p:cNvSpPr>
+          <p:nvPr>
+            <p:ph type="dt" sz="quarter" idx="1"/>
+          </p:nvPr>
+        </p:nvSpPr>
+        <p:spPr>
+          <a:xfrm>
+            <a:off x="3884613" y="0"/>
+            <a:ext cx="2971800" cy="458788"/>
+          </a:xfrm>
+          <a:prstGeom prst="rect">
+            <a:avLst/>
+          </a:prstGeom>
+        </p:spPr>
+        <p:txBody>
+          <a:bodyPr vert="horz" lIns="91440" tIns="45720" rIns="91440" bIns="45720" rtlCol="0"/>
+          <a:lstStyle>
+            <a:lvl1pPr algn="r">
+              <a:defRPr sz="1200"/>
+            </a:lvl1pPr>
+          </a:lstStyle>
+          <a:p>
+            <a:fld id="{476B1495-AF0D-4C95-8503-768AD394682D}" type="datetimeFigureOut">
+              <a:rPr lang="zh-CN" altLang="en-US" smtClean="0"/>
+              <a:t>2018-11-26</a:t>
+            </a:fld>
+            <a:endParaRPr lang="zh-CN" altLang="en-US"/>
+          </a:p>
+        </p:txBody>
+      </p:sp>
+      <p:sp>
+        <p:nvSpPr>
+          <p:cNvPr id="4" name="页脚占位符 3"/>
+          <p:cNvSpPr>
+            <a:spLocks noGrp="1"/>
+          </p:cNvSpPr>
+          <p:nvPr>
+            <p:ph type="ftr" sz="quarter" idx="2"/>
+          </p:nvPr>
+        </p:nvSpPr>
+        <p:spPr>
+          <a:xfrm>
+            <a:off x="0" y="8685213"/>
+            <a:ext cx="2971800" cy="458787"/>
+          </a:xfrm>
+          <a:prstGeom prst="rect">
+            <a:avLst/>
+          </a:prstGeom>
+        </p:spPr>
+        <p:txBody>
+          <a:bodyPr vert="horz" lIns="91440" tIns="45720" rIns="91440" bIns="45720" rtlCol="0" anchor="b"/>
+          <a:lstStyle>
+            <a:lvl1pPr algn="l">
+              <a:defRPr sz="1200"/>
+            </a:lvl1pPr>
+          </a:lstStyle>
+          <a:p>
+            <a:endParaRPr lang="zh-CN" altLang="en-US"/>
+          </a:p>
+        </p:txBody>
+      </p:sp>
+      <p:sp>
+        <p:nvSpPr>
+          <p:cNvPr id="5" name="灯片编号占位符 4"/>
+          <p:cNvSpPr>
+            <a:spLocks noGrp="1"/>
+          </p:cNvSpPr>
+          <p:nvPr>
+            <p:ph type="sldNum" sz="quarter" idx="3"/>
+          </p:nvPr>
+        </p:nvSpPr>
+        <p:spPr>
+          <a:xfrm>
+            <a:off x="3884613" y="8685213"/>
+            <a:ext cx="2971800" cy="458787"/>
+          </a:xfrm>
+          <a:prstGeom prst="rect">
+            <a:avLst/>
+          </a:prstGeom>
+        </p:spPr>
+        <p:txBody>
+          <a:bodyPr vert="horz" lIns="91440" tIns="45720" rIns="91440" bIns="45720" rtlCol="0" anchor="b"/>
+          <a:lstStyle>
+            <a:lvl1pPr algn="r">
+              <a:defRPr sz="1200"/>
+            </a:lvl1pPr>
+          </a:lstStyle>
+          <a:p>
+            <a:fld id="{D958BBF9-2AA4-4EAE-A959-E9CBA07CBF92}" type="slidenum">
+              <a:rPr lang="zh-CN" altLang="en-US" smtClean="0"/>
+              <a:t>‹#›</a:t>
+            </a:fld>
+            <a:endParaRPr lang="zh-CN" altLang="en-US"/>
+          </a:p>
+        </p:txBody>
+      </p:sp>
+    </p:spTree>
+    <p:extLst>
+      <p:ext uri="{BB962C8B-B14F-4D97-AF65-F5344CB8AC3E}">
+        <p14:creationId xmlns:p14="http://schemas.microsoft.com/office/powerpoint/2010/main" val="3931117941"/>
+      </p:ext>
+    </p:extLst>
+  </p:cSld>
+  <p:clrMap bg1="lt1" tx1="dk1" bg2="lt2" tx2="dk2" accent1="accent1" accent2="accent2" accent3="accent3" accent4="accent4" accent5="accent5" accent6="accent6" hlink="hlink" folHlink="folHlink"/>
+  <p:hf hdr="0" ftr="0" dt="0"/>
+</p:handoutMaster>
+</file>
+
 <file path=ppt/notesMasters/notesMaster1.xml><?xml version="1.0" encoding="utf-8"?>
 <p:notesMaster xmlns:a="http://schemas.openxmlformats.org/drawingml/2006/main" xmlns:r="http://schemas.openxmlformats.org/officeDocument/2006/relationships" xmlns:p="http://schemas.openxmlformats.org/presentationml/2006/main">
   <p:cSld>
@@ -170,6 +352,18 @@
             </a:lvl1pPr>
           </a:lstStyle>
           <a:p>
+            <a:r>
+              <a:rPr kumimoji="1" lang="en-US" altLang="zh-CN" smtClean="0"/>
+              <a:t>Dubbo</a:t>
+            </a:r>
+            <a:r>
+              <a:rPr kumimoji="1" lang="zh-CN" altLang="en-US" smtClean="0"/>
+              <a:t>官网：</a:t>
+            </a:r>
+            <a:r>
+              <a:rPr kumimoji="1" lang="en-US" altLang="zh-CN" smtClean="0"/>
+              <a:t>dubbo.apache.org</a:t>
+            </a:r>
             <a:endParaRPr kumimoji="1" lang="zh-CN" altLang="en-US"/>
           </a:p>
         </p:txBody>
@@ -203,7 +397,7 @@
           <a:p>
             <a:fld id="{87118E77-F42B-714E-BAF3-7892E33504A8}" type="datetimeFigureOut">
               <a:rPr kumimoji="1" lang="zh-CN" altLang="en-US" smtClean="0"/>
-              <a:t>2018/10/21</a:t>
+              <a:t>2018-11-26</a:t>
             </a:fld>
             <a:endParaRPr kumimoji="1" lang="zh-CN" altLang="en-US"/>
           </a:p>
@@ -376,6 +570,7 @@
     </p:extLst>
   </p:cSld>
   <p:clrMap bg1="lt1" tx1="dk1" bg2="lt2" tx2="dk2" accent1="accent1" accent2="accent2" accent3="accent3" accent4="accent4" accent5="accent5" accent6="accent6" hlink="hlink" folHlink="folHlink"/>
+  <p:hf hdr="0" ftr="0" dt="0"/>
   <p:notesStyle>
     <a:lvl1pPr marL="0" algn="l" defTabSz="914400" rtl="0" eaLnBrk="1" latinLnBrk="0" hangingPunct="1">
       <a:defRPr sz="1200" kern="1200">
@@ -515,6 +710,90 @@
           <a:bodyPr/>
           <a:lstStyle/>
           <a:p>
+            <a:endParaRPr lang="zh-CN" altLang="en-US"/>
+          </a:p>
+        </p:txBody>
+      </p:sp>
+      <p:sp>
+        <p:nvSpPr>
+          <p:cNvPr id="4" name="灯片编号占位符 3"/>
+          <p:cNvSpPr>
+            <a:spLocks noGrp="1"/>
+          </p:cNvSpPr>
+          <p:nvPr>
+            <p:ph type="sldNum" sz="quarter" idx="10"/>
+          </p:nvPr>
+        </p:nvSpPr>
+        <p:spPr/>
+        <p:txBody>
+          <a:bodyPr/>
+          <a:lstStyle/>
+          <a:p>
+            <a:fld id="{1E556ABE-D2FE-D14F-8E47-5B41215A56F3}" type="slidenum">
+              <a:rPr kumimoji="1" lang="zh-CN" altLang="en-US" smtClean="0"/>
+              <a:t>1</a:t>
+            </a:fld>
+            <a:endParaRPr kumimoji="1" lang="zh-CN" altLang="en-US"/>
+          </a:p>
+        </p:txBody>
+      </p:sp>
+    </p:spTree>
+    <p:extLst>
+      <p:ext uri="{BB962C8B-B14F-4D97-AF65-F5344CB8AC3E}">
+        <p14:creationId xmlns:p14="http://schemas.microsoft.com/office/powerpoint/2010/main" val="3565225799"/>
+      </p:ext>
+    </p:extLst>
+  </p:cSld>
+  <p:clrMapOvr>
+    <a:masterClrMapping/>
+  </p:clrMapOvr>
+</p:notes>
+</file>
+
+<file path=ppt/notesSlides/notesSlide2.xml><?xml version="1.0" encoding="utf-8"?>
+<p:notes xmlns:a="http://schemas.openxmlformats.org/drawingml/2006/main" xmlns:r="http://schemas.openxmlformats.org/officeDocument/2006/relationships" xmlns:p="http://schemas.openxmlformats.org/presentationml/2006/main">
+  <p:cSld>
+    <p:spTree>
+      <p:nvGrpSpPr>
+        <p:cNvPr id="1" name=""/>
+        <p:cNvGrpSpPr/>
+        <p:nvPr/>
+      </p:nvGrpSpPr>
+      <p:grpSpPr>
+        <a:xfrm>
+          <a:off x="0" y="0"/>
+          <a:ext cx="0" cy="0"/>
+          <a:chOff x="0" y="0"/>
+          <a:chExt cx="0" cy="0"/>
+        </a:xfrm>
+      </p:grpSpPr>
+      <p:sp>
+        <p:nvSpPr>
+          <p:cNvPr id="2" name="幻灯片图像占位符 1"/>
+          <p:cNvSpPr>
+            <a:spLocks noGrp="1" noRot="1" noChangeAspect="1"/>
+          </p:cNvSpPr>
+          <p:nvPr>
+            <p:ph type="sldImg"/>
+          </p:nvPr>
+        </p:nvSpPr>
+        <p:spPr/>
+      </p:sp>
+      <p:sp>
+        <p:nvSpPr>
+          <p:cNvPr id="3" name="备注占位符 2"/>
+          <p:cNvSpPr>
+            <a:spLocks noGrp="1"/>
+          </p:cNvSpPr>
+          <p:nvPr>
+            <p:ph type="body" idx="1"/>
+          </p:nvPr>
+        </p:nvSpPr>
+        <p:spPr/>
+        <p:txBody>
+          <a:bodyPr/>
+          <a:lstStyle/>
+          <a:p>
             <a:endParaRPr kumimoji="1" lang="zh-CN" altLang="en-US" dirty="0"/>
           </a:p>
         </p:txBody>
@@ -692,9 +971,9 @@
           <a:bodyPr/>
           <a:lstStyle/>
           <a:p>
-            <a:fld id="{48A87A34-81AB-432B-8DAE-1953F412C126}" type="datetimeFigureOut">
-              <a:rPr lang="en-US" dirty="0"/>
-              <a:t>10/21/18</a:t>
+            <a:fld id="{75D16FDC-289F-4F8A-94DD-DA2C2CF142A1}" type="datetime1">
+              <a:rPr lang="en-US" altLang="zh-CN" smtClean="0"/>
+              <a:t>11/26/2018</a:t>
             </a:fld>
             <a:endParaRPr lang="en-US" dirty="0"/>
           </a:p>
@@ -720,6 +999,18 @@
           <a:bodyPr/>
           <a:lstStyle/>
           <a:p>
+            <a:r>
+              <a:rPr lang="en-US" smtClean="0"/>
+              <a:t>Dubbo</a:t>
+            </a:r>
+            <a:r>
+              <a:rPr lang="zh-CN" altLang="en-US" smtClean="0"/>
+              <a:t>官网：</a:t>
+            </a:r>
+            <a:r>
+              <a:rPr lang="en-US" smtClean="0"/>
+              <a:t>dubbo.apache.org</a:t>
+            </a:r>
             <a:endParaRPr lang="en-US" dirty="0"/>
           </a:p>
         </p:txBody>
@@ -898,9 +1189,9 @@
           <a:bodyPr/>
           <a:lstStyle/>
           <a:p>
-            <a:fld id="{48A87A34-81AB-432B-8DAE-1953F412C126}" type="datetimeFigureOut">
-              <a:rPr lang="en-US" dirty="0"/>
-              <a:t>10/21/18</a:t>
+            <a:fld id="{AB6FC466-9147-47CC-8AA3-5703DBF2ADF1}" type="datetime1">
+              <a:rPr lang="en-US" altLang="zh-CN" smtClean="0"/>
+              <a:t>11/26/2018</a:t>
             </a:fld>
             <a:endParaRPr lang="en-US" dirty="0"/>
           </a:p>
@@ -921,6 +1212,18 @@
           <a:bodyPr/>
           <a:lstStyle/>
           <a:p>
+            <a:r>
+              <a:rPr lang="en-US" smtClean="0"/>
+              <a:t>Dubbo</a:t>
+            </a:r>
+            <a:r>
+              <a:rPr lang="zh-CN" altLang="en-US" smtClean="0"/>
+              <a:t>官网：</a:t>
+            </a:r>
+            <a:r>
+              <a:rPr lang="en-US" smtClean="0"/>
+              <a:t>dubbo.apache.org</a:t>
+            </a:r>
             <a:endParaRPr lang="en-US" dirty="0"/>
           </a:p>
         </p:txBody>
@@ -1108,9 +1411,9 @@
           <a:bodyPr/>
           <a:lstStyle/>
           <a:p>
-            <a:fld id="{48A87A34-81AB-432B-8DAE-1953F412C126}" type="datetimeFigureOut">
-              <a:rPr lang="en-US" dirty="0"/>
-              <a:t>10/21/18</a:t>
+            <a:fld id="{046122D6-A3C6-4BA2-95B6-E7D1461CAA70}" type="datetime1">
+              <a:rPr lang="en-US" altLang="zh-CN" smtClean="0"/>
+              <a:t>11/26/2018</a:t>
             </a:fld>
             <a:endParaRPr lang="en-US" dirty="0"/>
           </a:p>
@@ -1131,6 +1434,18 @@
           <a:bodyPr/>
           <a:lstStyle/>
           <a:p>
+            <a:r>
+              <a:rPr lang="en-US" smtClean="0"/>
+              <a:t>Dubbo</a:t>
+            </a:r>
+            <a:r>
+              <a:rPr lang="zh-CN" altLang="en-US" smtClean="0"/>
+              <a:t>官网：</a:t>
+            </a:r>
+            <a:r>
+              <a:rPr lang="en-US" smtClean="0"/>
+              <a:t>dubbo.apache.org</a:t>
+            </a:r>
             <a:endParaRPr lang="en-US" dirty="0"/>
           </a:p>
         </p:txBody>
@@ -1304,9 +1619,9 @@
           <a:bodyPr/>
           <a:lstStyle/>
           <a:p>
-            <a:fld id="{48A87A34-81AB-432B-8DAE-1953F412C126}" type="datetimeFigureOut">
-              <a:rPr lang="en-US" dirty="0"/>
-              <a:t>10/21/18</a:t>
+            <a:fld id="{89462FD3-B06E-453A-B266-CFE8C6F34B88}" type="datetime1">
+              <a:rPr lang="en-US" altLang="zh-CN" smtClean="0"/>
+              <a:t>11/26/2018</a:t>
             </a:fld>
             <a:endParaRPr lang="en-US" dirty="0"/>
           </a:p>
@@ -1327,6 +1642,18 @@
           <a:bodyPr/>
           <a:lstStyle/>
           <a:p>
+            <a:r>
+              <a:rPr lang="en-US" smtClean="0"/>
+              <a:t>Dubbo</a:t>
+            </a:r>
+            <a:r>
+              <a:rPr lang="zh-CN" altLang="en-US" smtClean="0"/>
+              <a:t>官网：</a:t>
+            </a:r>
+            <a:r>
+              <a:rPr lang="en-US" smtClean="0"/>
+              <a:t>dubbo.apache.org</a:t>
+            </a:r>
             <a:endParaRPr lang="en-US" dirty="0"/>
           </a:p>
         </p:txBody>
@@ -1578,9 +1905,9 @@
           <a:bodyPr/>
           <a:lstStyle/>
           <a:p>
-            <a:fld id="{48A87A34-81AB-432B-8DAE-1953F412C126}" type="datetimeFigureOut">
-              <a:rPr lang="en-US" dirty="0"/>
-              <a:t>10/21/18</a:t>
+            <a:fld id="{786878D2-D561-4774-81F5-E4DB00A4D7D9}" type="datetime1">
+              <a:rPr lang="en-US" altLang="zh-CN" smtClean="0"/>
+              <a:t>11/26/2018</a:t>
             </a:fld>
             <a:endParaRPr lang="en-US" dirty="0"/>
           </a:p>
@@ -1601,6 +1928,18 @@
           <a:bodyPr/>
           <a:lstStyle/>
           <a:p>
+            <a:r>
+              <a:rPr lang="en-US" smtClean="0"/>
+              <a:t>Dubbo</a:t>
+            </a:r>
+            <a:r>
+              <a:rPr lang="zh-CN" altLang="en-US" smtClean="0"/>
+              <a:t>官网：</a:t>
+            </a:r>
+            <a:r>
+              <a:rPr lang="en-US" smtClean="0"/>
+              <a:t>dubbo.apache.org</a:t>
+            </a:r>
             <a:endParaRPr lang="en-US" dirty="0"/>
           </a:p>
         </p:txBody>
@@ -1841,9 +2180,9 @@
           <a:bodyPr/>
           <a:lstStyle/>
           <a:p>
-            <a:fld id="{48A87A34-81AB-432B-8DAE-1953F412C126}" type="datetimeFigureOut">
-              <a:rPr lang="en-US" dirty="0"/>
-              <a:t>10/21/18</a:t>
+            <a:fld id="{F1ED207B-C687-40F6-A2EB-FC5E7BF1F099}" type="datetime1">
+              <a:rPr lang="en-US" altLang="zh-CN" smtClean="0"/>
+              <a:t>11/26/2018</a:t>
             </a:fld>
             <a:endParaRPr lang="en-US" dirty="0"/>
           </a:p>
@@ -1864,6 +2203,18 @@
           <a:bodyPr/>
           <a:lstStyle/>
           <a:p>
+            <a:r>
+              <a:rPr lang="en-US" smtClean="0"/>
+              <a:t>Dubbo</a:t>
+            </a:r>
+            <a:r>
+              <a:rPr lang="zh-CN" altLang="en-US" smtClean="0"/>
+              <a:t>官网：</a:t>
+            </a:r>
+            <a:r>
+              <a:rPr lang="en-US" smtClean="0"/>
+              <a:t>dubbo.apache.org</a:t>
+            </a:r>
             <a:endParaRPr lang="en-US" dirty="0"/>
           </a:p>
         </p:txBody>
@@ -2252,9 +2603,9 @@
           <a:bodyPr/>
           <a:lstStyle/>
           <a:p>
-            <a:fld id="{48A87A34-81AB-432B-8DAE-1953F412C126}" type="datetimeFigureOut">
-              <a:rPr lang="en-US" dirty="0"/>
-              <a:t>10/21/18</a:t>
+            <a:fld id="{398F76A9-F93E-4E0B-A5B8-EA5BE1969FE7}" type="datetime1">
+              <a:rPr lang="en-US" altLang="zh-CN" smtClean="0"/>
+              <a:t>11/26/2018</a:t>
             </a:fld>
             <a:endParaRPr lang="en-US" dirty="0"/>
           </a:p>
@@ -2275,6 +2626,18 @@
           <a:bodyPr/>
           <a:lstStyle/>
           <a:p>
+            <a:r>
+              <a:rPr lang="en-US" smtClean="0"/>
+              <a:t>Dubbo</a:t>
+            </a:r>
+            <a:r>
+              <a:rPr lang="zh-CN" altLang="en-US" smtClean="0"/>
+              <a:t>官网：</a:t>
+            </a:r>
+            <a:r>
+              <a:rPr lang="en-US" smtClean="0"/>
+              <a:t>dubbo.apache.org</a:t>
+            </a:r>
             <a:endParaRPr lang="en-US" dirty="0"/>
           </a:p>
         </p:txBody>
@@ -2396,9 +2759,9 @@
           <a:bodyPr/>
           <a:lstStyle/>
           <a:p>
-            <a:fld id="{48A87A34-81AB-432B-8DAE-1953F412C126}" type="datetimeFigureOut">
-              <a:rPr lang="en-US" dirty="0"/>
-              <a:t>10/21/18</a:t>
+            <a:fld id="{F953B2E7-6B7E-4379-A08B-1A8F490C9E91}" type="datetime1">
+              <a:rPr lang="en-US" altLang="zh-CN" smtClean="0"/>
+              <a:t>11/26/2018</a:t>
             </a:fld>
             <a:endParaRPr lang="en-US" dirty="0"/>
           </a:p>
@@ -2419,6 +2782,18 @@
           <a:bodyPr/>
           <a:lstStyle/>
           <a:p>
+            <a:r>
+              <a:rPr lang="en-US" smtClean="0"/>
+              <a:t>Dubbo</a:t>
+            </a:r>
+            <a:r>
+              <a:rPr lang="zh-CN" altLang="en-US" smtClean="0"/>
+              <a:t>官网：</a:t>
+            </a:r>
+            <a:r>
+              <a:rPr lang="en-US" smtClean="0"/>
+              <a:t>dubbo.apache.org</a:t>
+            </a:r>
             <a:endParaRPr lang="en-US" dirty="0"/>
           </a:p>
         </p:txBody>
@@ -2517,9 +2892,9 @@
           <a:bodyPr/>
           <a:lstStyle/>
           <a:p>
-            <a:fld id="{48A87A34-81AB-432B-8DAE-1953F412C126}" type="datetimeFigureOut">
-              <a:rPr lang="en-US" dirty="0"/>
-              <a:t>10/21/18</a:t>
+            <a:fld id="{89AA46C5-C8E7-48AE-BFE0-C90D376BA454}" type="datetime1">
+              <a:rPr lang="en-US" altLang="zh-CN" smtClean="0"/>
+              <a:t>11/26/2018</a:t>
             </a:fld>
             <a:endParaRPr lang="en-US" dirty="0"/>
           </a:p>
@@ -2540,6 +2915,18 @@
           <a:bodyPr/>
           <a:lstStyle/>
           <a:p>
+            <a:r>
+              <a:rPr lang="en-US" smtClean="0"/>
+              <a:t>Dubbo</a:t>
+            </a:r>
+            <a:r>
+              <a:rPr lang="zh-CN" altLang="en-US" smtClean="0"/>
+              <a:t>官网：</a:t>
+            </a:r>
+            <a:r>
+              <a:rPr lang="en-US" smtClean="0"/>
+              <a:t>dubbo.apache.org</a:t>
+            </a:r>
             <a:endParaRPr lang="en-US" dirty="0"/>
           </a:p>
         </p:txBody>
@@ -2763,9 +3150,9 @@
           <a:bodyPr/>
           <a:lstStyle/>
           <a:p>
-            <a:fld id="{48A87A34-81AB-432B-8DAE-1953F412C126}" type="datetimeFigureOut">
-              <a:rPr lang="en-US" dirty="0"/>
-              <a:t>10/21/18</a:t>
+            <a:fld id="{FE77E35A-664E-4276-B4BA-144D29511158}" type="datetime1">
+              <a:rPr lang="en-US" altLang="zh-CN" smtClean="0"/>
+              <a:t>11/26/2018</a:t>
             </a:fld>
             <a:endParaRPr lang="en-US" dirty="0"/>
           </a:p>
@@ -2786,6 +3173,18 @@
           <a:bodyPr/>
           <a:lstStyle/>
           <a:p>
+            <a:r>
+              <a:rPr lang="en-US" smtClean="0"/>
+              <a:t>Dubbo</a:t>
+            </a:r>
+            <a:r>
+              <a:rPr lang="zh-CN" altLang="en-US" smtClean="0"/>
+              <a:t>官网：</a:t>
+            </a:r>
+            <a:r>
+              <a:rPr lang="en-US" smtClean="0"/>
+              <a:t>dubbo.apache.org</a:t>
+            </a:r>
             <a:endParaRPr lang="en-US" dirty="0"/>
           </a:p>
         </p:txBody>
@@ -3203,10 +3602,9 @@
             </a:lvl1pPr>
           </a:lstStyle>
           <a:p>
-            <a:fld id="{48A87A34-81AB-432B-8DAE-1953F412C126}" type="datetimeFigureOut">
-              <a:rPr lang="en-US" dirty="0"/>
-              <a:pPr/>
-              <a:t>10/21/18</a:t>
+            <a:fld id="{0F70E82C-8637-4F8D-9DED-7F23A134F8C4}" type="datetime1">
+              <a:rPr lang="en-US" altLang="zh-CN" smtClean="0"/>
+              <a:t>11/26/2018</a:t>
             </a:fld>
             <a:endParaRPr lang="en-US" dirty="0"/>
           </a:p>
@@ -3232,6 +3630,18 @@
           <a:bodyPr/>
           <a:lstStyle/>
           <a:p>
+            <a:r>
+              <a:rPr lang="en-US" smtClean="0"/>
+              <a:t>Dubbo</a:t>
+            </a:r>
+            <a:r>
+              <a:rPr lang="zh-CN" altLang="en-US" smtClean="0"/>
+              <a:t>官网：</a:t>
+            </a:r>
+            <a:r>
+              <a:rPr lang="en-US" smtClean="0"/>
+              <a:t>dubbo.apache.org</a:t>
+            </a:r>
             <a:endParaRPr lang="en-US" dirty="0"/>
           </a:p>
         </p:txBody>
@@ -3525,10 +3935,9 @@
             </a:lvl1pPr>
           </a:lstStyle>
           <a:p>
-            <a:fld id="{48A87A34-81AB-432B-8DAE-1953F412C126}" type="datetimeFigureOut">
-              <a:rPr lang="en-US" dirty="0"/>
-              <a:pPr/>
-              <a:t>10/21/18</a:t>
+            <a:fld id="{C39FF7EF-D69A-4F50-88C2-06975EB3651E}" type="datetime1">
+              <a:rPr lang="en-US" altLang="zh-CN" smtClean="0"/>
+              <a:t>11/26/2018</a:t>
             </a:fld>
             <a:endParaRPr lang="en-US" dirty="0"/>
           </a:p>
@@ -3567,6 +3976,18 @@
             </a:lvl1pPr>
           </a:lstStyle>
           <a:p>
+            <a:r>
+              <a:rPr lang="en-US" smtClean="0"/>
+              <a:t>Dubbo</a:t>
+            </a:r>
+            <a:r>
+              <a:rPr lang="zh-CN" altLang="en-US" smtClean="0"/>
+              <a:t>官网：</a:t>
+            </a:r>
+            <a:r>
+              <a:rPr lang="en-US" smtClean="0"/>
+              <a:t>dubbo.apache.org</a:t>
+            </a:r>
             <a:endParaRPr lang="en-US" dirty="0"/>
           </a:p>
         </p:txBody>
@@ -3664,6 +4085,7 @@
     <p:sldLayoutId id="2147483658" r:id="rId10"/>
     <p:sldLayoutId id="2147483659" r:id="rId11"/>
   </p:sldLayoutIdLst>
+  <p:hf sldNum="0" hdr="0" dt="0"/>
   <p:txStyles>
     <p:titleStyle>
       <a:lvl1pPr algn="l" defTabSz="914400" rtl="0" eaLnBrk="1" latinLnBrk="0" hangingPunct="1">
@@ -4096,6 +4518,42 @@
           </a:p>
         </p:txBody>
       </p:sp>
+      <p:sp>
+        <p:nvSpPr>
+          <p:cNvPr id="5" name="页脚占位符 4"/>
+          <p:cNvSpPr>
+            <a:spLocks noGrp="1"/>
+          </p:cNvSpPr>
+          <p:nvPr>
+            <p:ph type="ftr" sz="quarter" idx="11"/>
+          </p:nvPr>
+        </p:nvSpPr>
+        <p:spPr>
+          <a:xfrm>
+            <a:off x="0" y="20106"/>
+            <a:ext cx="4973915" cy="309201"/>
+          </a:xfrm>
+        </p:spPr>
+        <p:txBody>
+          <a:bodyPr/>
+          <a:lstStyle/>
+          <a:p>
+            <a:r>
+              <a:rPr lang="en-US" smtClean="0"/>
+              <a:t>Dubbo</a:t>
+            </a:r>
+            <a:r>
+              <a:rPr lang="zh-CN" altLang="en-US" smtClean="0"/>
+              <a:t>官网：</a:t>
+            </a:r>
+            <a:r>
+              <a:rPr lang="en-US" smtClean="0"/>
+              <a:t>dubbo.apache.org</a:t>
+            </a:r>
+            <a:endParaRPr lang="en-US" dirty="0"/>
+          </a:p>
+        </p:txBody>
+      </p:sp>
     </p:spTree>
     <p:extLst>
       <p:ext uri="{BB962C8B-B14F-4D97-AF65-F5344CB8AC3E}">
@@ -4190,6 +4648,42 @@
           </a:xfrm>
         </p:spPr>
       </p:pic>
+      <p:sp>
+        <p:nvSpPr>
+          <p:cNvPr id="4" name="页脚占位符 3"/>
+          <p:cNvSpPr>
+            <a:spLocks noGrp="1"/>
+          </p:cNvSpPr>
+          <p:nvPr>
+            <p:ph type="ftr" sz="quarter" idx="11"/>
+          </p:nvPr>
+        </p:nvSpPr>
+        <p:spPr>
+          <a:xfrm>
+            <a:off x="0" y="47661"/>
+            <a:ext cx="5938836" cy="309201"/>
+          </a:xfrm>
+        </p:spPr>
+        <p:txBody>
+          <a:bodyPr/>
+          <a:lstStyle/>
+          <a:p>
+            <a:r>
+              <a:rPr lang="en-US" dirty="0" err="1" smtClean="0"/>
+              <a:t>Dubbo</a:t>
+            </a:r>
+            <a:r>
+              <a:rPr lang="zh-CN" altLang="en-US" dirty="0" smtClean="0"/>
+              <a:t>官网：</a:t>
+            </a:r>
+            <a:r>
+              <a:rPr lang="en-US" dirty="0" smtClean="0"/>
+              <a:t>dubbo.apache.org</a:t>
+            </a:r>
+            <a:endParaRPr lang="en-US" dirty="0"/>
+          </a:p>
+        </p:txBody>
+      </p:sp>
     </p:spTree>
     <p:extLst>
       <p:ext uri="{BB962C8B-B14F-4D97-AF65-F5344CB8AC3E}">
@@ -4538,6 +5032,42 @@
           </a:p>
         </p:txBody>
       </p:sp>
+      <p:sp>
+        <p:nvSpPr>
+          <p:cNvPr id="4" name="页脚占位符 3"/>
+          <p:cNvSpPr>
+            <a:spLocks noGrp="1"/>
+          </p:cNvSpPr>
+          <p:nvPr>
+            <p:ph type="ftr" sz="quarter" idx="11"/>
+          </p:nvPr>
+        </p:nvSpPr>
+        <p:spPr>
+          <a:xfrm>
+            <a:off x="0" y="0"/>
+            <a:ext cx="5938836" cy="309201"/>
+          </a:xfrm>
+        </p:spPr>
+        <p:txBody>
+          <a:bodyPr/>
+          <a:lstStyle/>
+          <a:p>
+            <a:r>
+              <a:rPr lang="en-US" dirty="0" err="1" smtClean="0"/>
+              <a:t>Dubbo</a:t>
+            </a:r>
+            <a:r>
+              <a:rPr lang="zh-CN" altLang="en-US" dirty="0" smtClean="0"/>
+              <a:t>官网：</a:t>
+            </a:r>
+            <a:r>
+              <a:rPr lang="en-US" dirty="0" smtClean="0"/>
+              <a:t>dubbo.apache.org</a:t>
+            </a:r>
+            <a:endParaRPr lang="en-US" dirty="0"/>
+          </a:p>
+        </p:txBody>
+      </p:sp>
     </p:spTree>
     <p:extLst>
       <p:ext uri="{BB962C8B-B14F-4D97-AF65-F5344CB8AC3E}">
@@ -4624,7 +5154,7 @@
         </p:nvSpPr>
         <p:spPr>
           <a:xfrm>
-            <a:off x="3918857" y="2015732"/>
+            <a:off x="2685216" y="3571356"/>
             <a:ext cx="7135997" cy="2568143"/>
           </a:xfrm>
         </p:spPr>
@@ -4658,11 +5188,106 @@
             </a:r>
             <a:r>
               <a:rPr lang="zh-CN" altLang="en-US" dirty="0"/>
-              <a:t>服务治理</a:t>
+              <a:t>服务治理方案</a:t>
+            </a:r>
+            <a:endParaRPr lang="en-US" altLang="zh-CN" dirty="0"/>
+          </a:p>
+          <a:p>
+            <a:endParaRPr lang="en-US" altLang="zh-CN" dirty="0"/>
+          </a:p>
+          <a:p>
+            <a:pPr marL="0" indent="0">
+              <a:buNone/>
+            </a:pPr>
+            <a:endParaRPr lang="zh-CN" altLang="en-US" dirty="0"/>
+          </a:p>
+        </p:txBody>
+      </p:sp>
+      <p:sp>
+        <p:nvSpPr>
+          <p:cNvPr id="6" name="页脚占位符 5"/>
+          <p:cNvSpPr>
+            <a:spLocks noGrp="1"/>
+          </p:cNvSpPr>
+          <p:nvPr>
+            <p:ph type="ftr" sz="quarter" idx="11"/>
+          </p:nvPr>
+        </p:nvSpPr>
+        <p:spPr>
+          <a:xfrm>
+            <a:off x="0" y="20106"/>
+            <a:ext cx="5938836" cy="309201"/>
+          </a:xfrm>
+        </p:spPr>
+        <p:txBody>
+          <a:bodyPr/>
+          <a:lstStyle/>
+          <a:p>
+            <a:r>
+              <a:rPr lang="en-US" dirty="0" err="1" smtClean="0"/>
+              <a:t>Dubbo</a:t>
             </a:r>
             <a:r>
               <a:rPr lang="zh-CN" altLang="en-US" dirty="0" smtClean="0"/>
-              <a:t>方案</a:t>
+              <a:t>官网：</a:t>
+            </a:r>
+            <a:r>
+              <a:rPr lang="en-US" dirty="0" smtClean="0"/>
+              <a:t>dubbo.apache.org</a:t>
+            </a:r>
+            <a:endParaRPr lang="en-US" dirty="0"/>
+          </a:p>
+        </p:txBody>
+      </p:sp>
+      <p:sp>
+        <p:nvSpPr>
+          <p:cNvPr id="7" name="文本框 6"/>
+          <p:cNvSpPr txBox="1"/>
+          <p:nvPr/>
+        </p:nvSpPr>
+        <p:spPr>
+          <a:xfrm>
+            <a:off x="2522462" y="2166985"/>
+            <a:ext cx="7461504" cy="1200329"/>
+          </a:xfrm>
+          <a:prstGeom prst="rect">
+            <a:avLst/>
+          </a:prstGeom>
+          <a:noFill/>
+        </p:spPr>
+        <p:txBody>
+          <a:bodyPr wrap="square" rtlCol="0">
+            <a:spAutoFit/>
+          </a:bodyPr>
+          <a:lstStyle/>
+          <a:p>
+            <a:r>
+              <a:rPr lang="en-US" altLang="zh-CN" dirty="0" smtClean="0"/>
+              <a:t>      Apache </a:t>
+            </a:r>
+            <a:r>
+              <a:rPr lang="en-US" altLang="zh-CN" dirty="0" err="1"/>
+              <a:t>Dubbo</a:t>
+            </a:r>
+            <a:r>
+              <a:rPr lang="en-US" altLang="zh-CN" dirty="0"/>
+              <a:t> (incubating) |ˈ</a:t>
+            </a:r>
+            <a:r>
+              <a:rPr lang="en-US" altLang="zh-CN" dirty="0" err="1"/>
+              <a:t>dʌbəʊ</a:t>
+            </a:r>
+            <a:r>
+              <a:rPr lang="en-US" altLang="zh-CN" dirty="0"/>
+              <a:t>| is a high-performance, light weight, java based RPC framework. </a:t>
+            </a:r>
+            <a:r>
+              <a:rPr lang="en-US" altLang="zh-CN" dirty="0" err="1"/>
+              <a:t>Dubbo</a:t>
+            </a:r>
+            <a:r>
+              <a:rPr lang="en-US" altLang="zh-CN" dirty="0"/>
+              <a:t> offers three key functionalities, which include interface based remote call, fault tolerance &amp; load balancing, and automatic service registration &amp; discovery.</a:t>
             </a:r>
             <a:endParaRPr lang="zh-CN" altLang="en-US" dirty="0"/>
           </a:p>
@@ -4699,7 +5324,7 @@
                             </p:stCondLst>
                             <p:childTnLst>
                               <p:par>
-                                <p:cTn id="5" presetID="2" presetClass="entr" presetSubtype="8" fill="hold" nodeType="clickEffect">
+                                <p:cTn id="5" presetID="2" presetClass="entr" presetSubtype="4" fill="hold" nodeType="clickEffect">
                                   <p:stCondLst>
                                     <p:cond delay="0"/>
                                   </p:stCondLst>
@@ -4712,7 +5337,7 @@
                                           </p:stCondLst>
                                         </p:cTn>
                                         <p:tgtEl>
-                                          <p:spTgt spid="3">
+                                          <p:spTgt spid="7">
                                             <p:txEl>
                                               <p:pRg st="0" end="0"/>
                                             </p:txEl>
@@ -4730,7 +5355,7 @@
                                       <p:cBhvr additive="base">
                                         <p:cTn id="7" dur="500" fill="hold"/>
                                         <p:tgtEl>
-                                          <p:spTgt spid="3">
+                                          <p:spTgt spid="7">
                                             <p:txEl>
                                               <p:pRg st="0" end="0"/>
                                             </p:txEl>
@@ -4743,7 +5368,7 @@
                                       <p:tavLst>
                                         <p:tav tm="0">
                                           <p:val>
-                                            <p:strVal val="0-#ppt_w/2"/>
+                                            <p:strVal val="#ppt_x"/>
                                           </p:val>
                                         </p:tav>
                                         <p:tav tm="100000">
@@ -4757,7 +5382,7 @@
                                       <p:cBhvr additive="base">
                                         <p:cTn id="8" dur="500" fill="hold"/>
                                         <p:tgtEl>
-                                          <p:spTgt spid="3">
+                                          <p:spTgt spid="7">
                                             <p:txEl>
                                               <p:pRg st="0" end="0"/>
                                             </p:txEl>
@@ -4770,7 +5395,7 @@
                                       <p:tavLst>
                                         <p:tav tm="0">
                                           <p:val>
-                                            <p:strVal val="#ppt_y"/>
+                                            <p:strVal val="1+#ppt_h/2"/>
                                           </p:val>
                                         </p:tav>
                                         <p:tav tm="100000">
@@ -4802,7 +5427,7 @@
                             </p:stCondLst>
                             <p:childTnLst>
                               <p:par>
-                                <p:cTn id="11" presetID="2" presetClass="entr" presetSubtype="8" fill="hold" nodeType="clickEffect">
+                                <p:cTn id="11" presetID="2" presetClass="entr" presetSubtype="4" fill="hold" nodeType="clickEffect">
                                   <p:stCondLst>
                                     <p:cond delay="0"/>
                                   </p:stCondLst>
@@ -4817,7 +5442,7 @@
                                         <p:tgtEl>
                                           <p:spTgt spid="3">
                                             <p:txEl>
-                                              <p:pRg st="1" end="1"/>
+                                              <p:pRg st="0" end="0"/>
                                             </p:txEl>
                                           </p:spTgt>
                                         </p:tgtEl>
@@ -4835,7 +5460,7 @@
                                         <p:tgtEl>
                                           <p:spTgt spid="3">
                                             <p:txEl>
-                                              <p:pRg st="1" end="1"/>
+                                              <p:pRg st="0" end="0"/>
                                             </p:txEl>
                                           </p:spTgt>
                                         </p:tgtEl>
@@ -4846,7 +5471,7 @@
                                       <p:tavLst>
                                         <p:tav tm="0">
                                           <p:val>
-                                            <p:strVal val="0-#ppt_w/2"/>
+                                            <p:strVal val="#ppt_x"/>
                                           </p:val>
                                         </p:tav>
                                         <p:tav tm="100000">
@@ -4862,7 +5487,7 @@
                                         <p:tgtEl>
                                           <p:spTgt spid="3">
                                             <p:txEl>
-                                              <p:pRg st="1" end="1"/>
+                                              <p:pRg st="0" end="0"/>
                                             </p:txEl>
                                           </p:spTgt>
                                         </p:tgtEl>
@@ -4873,7 +5498,7 @@
                                       <p:tavLst>
                                         <p:tav tm="0">
                                           <p:val>
-                                            <p:strVal val="#ppt_y"/>
+                                            <p:strVal val="1+#ppt_h/2"/>
                                           </p:val>
                                         </p:tav>
                                         <p:tav tm="100000">
@@ -4905,7 +5530,7 @@
                             </p:stCondLst>
                             <p:childTnLst>
                               <p:par>
-                                <p:cTn id="17" presetID="2" presetClass="entr" presetSubtype="8" fill="hold" nodeType="clickEffect">
+                                <p:cTn id="17" presetID="2" presetClass="entr" presetSubtype="4" fill="hold" nodeType="clickEffect">
                                   <p:stCondLst>
                                     <p:cond delay="0"/>
                                   </p:stCondLst>
@@ -4913,6 +5538,109 @@
                                     <p:set>
                                       <p:cBhvr>
                                         <p:cTn id="18" dur="1" fill="hold">
+                                          <p:stCondLst>
+                                            <p:cond delay="0"/>
+                                          </p:stCondLst>
+                                        </p:cTn>
+                                        <p:tgtEl>
+                                          <p:spTgt spid="3">
+                                            <p:txEl>
+                                              <p:pRg st="1" end="1"/>
+                                            </p:txEl>
+                                          </p:spTgt>
+                                        </p:tgtEl>
+                                        <p:attrNameLst>
+                                          <p:attrName>style.visibility</p:attrName>
+                                        </p:attrNameLst>
+                                      </p:cBhvr>
+                                      <p:to>
+                                        <p:strVal val="visible"/>
+                                      </p:to>
+                                    </p:set>
+                                    <p:anim calcmode="lin" valueType="num">
+                                      <p:cBhvr additive="base">
+                                        <p:cTn id="19" dur="500" fill="hold"/>
+                                        <p:tgtEl>
+                                          <p:spTgt spid="3">
+                                            <p:txEl>
+                                              <p:pRg st="1" end="1"/>
+                                            </p:txEl>
+                                          </p:spTgt>
+                                        </p:tgtEl>
+                                        <p:attrNameLst>
+                                          <p:attrName>ppt_x</p:attrName>
+                                        </p:attrNameLst>
+                                      </p:cBhvr>
+                                      <p:tavLst>
+                                        <p:tav tm="0">
+                                          <p:val>
+                                            <p:strVal val="#ppt_x"/>
+                                          </p:val>
+                                        </p:tav>
+                                        <p:tav tm="100000">
+                                          <p:val>
+                                            <p:strVal val="#ppt_x"/>
+                                          </p:val>
+                                        </p:tav>
+                                      </p:tavLst>
+                                    </p:anim>
+                                    <p:anim calcmode="lin" valueType="num">
+                                      <p:cBhvr additive="base">
+                                        <p:cTn id="20" dur="500" fill="hold"/>
+                                        <p:tgtEl>
+                                          <p:spTgt spid="3">
+                                            <p:txEl>
+                                              <p:pRg st="1" end="1"/>
+                                            </p:txEl>
+                                          </p:spTgt>
+                                        </p:tgtEl>
+                                        <p:attrNameLst>
+                                          <p:attrName>ppt_y</p:attrName>
+                                        </p:attrNameLst>
+                                      </p:cBhvr>
+                                      <p:tavLst>
+                                        <p:tav tm="0">
+                                          <p:val>
+                                            <p:strVal val="1+#ppt_h/2"/>
+                                          </p:val>
+                                        </p:tav>
+                                        <p:tav tm="100000">
+                                          <p:val>
+                                            <p:strVal val="#ppt_y"/>
+                                          </p:val>
+                                        </p:tav>
+                                      </p:tavLst>
+                                    </p:anim>
+                                  </p:childTnLst>
+                                </p:cTn>
+                              </p:par>
+                            </p:childTnLst>
+                          </p:cTn>
+                        </p:par>
+                      </p:childTnLst>
+                    </p:cTn>
+                  </p:par>
+                  <p:par>
+                    <p:cTn id="21" fill="hold">
+                      <p:stCondLst>
+                        <p:cond delay="indefinite"/>
+                      </p:stCondLst>
+                      <p:childTnLst>
+                        <p:par>
+                          <p:cTn id="22" fill="hold">
+                            <p:stCondLst>
+                              <p:cond delay="0"/>
+                            </p:stCondLst>
+                            <p:childTnLst>
+                              <p:par>
+                                <p:cTn id="23" presetID="2" presetClass="entr" presetSubtype="4" fill="hold" nodeType="clickEffect">
+                                  <p:stCondLst>
+                                    <p:cond delay="0"/>
+                                  </p:stCondLst>
+                                  <p:childTnLst>
+                                    <p:set>
+                                      <p:cBhvr>
+                                        <p:cTn id="24" dur="1" fill="hold">
                                           <p:stCondLst>
                                             <p:cond delay="0"/>
                                           </p:stCondLst>
@@ -4934,7 +5662,7 @@
                                     </p:set>
                                     <p:anim calcmode="lin" valueType="num">
                                       <p:cBhvr additive="base">
-                                        <p:cTn id="19" dur="500" fill="hold"/>
+                                        <p:cTn id="25" dur="500" fill="hold"/>
                                         <p:tgtEl>
                                           <p:spTgt spid="3">
                                             <p:txEl>
@@ -4949,7 +5677,7 @@
                                       <p:tavLst>
                                         <p:tav tm="0">
                                           <p:val>
-                                            <p:strVal val="0-#ppt_w/2"/>
+                                            <p:strVal val="#ppt_x"/>
                                           </p:val>
                                         </p:tav>
                                         <p:tav tm="100000">
@@ -4961,7 +5689,7 @@
                                     </p:anim>
                                     <p:anim calcmode="lin" valueType="num">
                                       <p:cBhvr additive="base">
-                                        <p:cTn id="20" dur="500" fill="hold"/>
+                                        <p:cTn id="26" dur="500" fill="hold"/>
                                         <p:tgtEl>
                                           <p:spTgt spid="3">
                                             <p:txEl>
@@ -4976,7 +5704,7 @@
                                       <p:tavLst>
                                         <p:tav tm="0">
                                           <p:val>
-                                            <p:strVal val="#ppt_y"/>
+                                            <p:strVal val="1+#ppt_h/2"/>
                                           </p:val>
                                         </p:tav>
                                         <p:tav tm="100000">
@@ -5195,6 +5923,42 @@
           </a:p>
         </p:txBody>
       </p:sp>
+      <p:sp>
+        <p:nvSpPr>
+          <p:cNvPr id="6" name="页脚占位符 5"/>
+          <p:cNvSpPr>
+            <a:spLocks noGrp="1"/>
+          </p:cNvSpPr>
+          <p:nvPr>
+            <p:ph type="ftr" sz="quarter" idx="11"/>
+          </p:nvPr>
+        </p:nvSpPr>
+        <p:spPr>
+          <a:xfrm>
+            <a:off x="0" y="36699"/>
+            <a:ext cx="5938836" cy="309201"/>
+          </a:xfrm>
+        </p:spPr>
+        <p:txBody>
+          <a:bodyPr/>
+          <a:lstStyle/>
+          <a:p>
+            <a:r>
+              <a:rPr lang="en-US" dirty="0" err="1" smtClean="0"/>
+              <a:t>Dubbo</a:t>
+            </a:r>
+            <a:r>
+              <a:rPr lang="zh-CN" altLang="en-US" dirty="0" smtClean="0"/>
+              <a:t>官网：</a:t>
+            </a:r>
+            <a:r>
+              <a:rPr lang="en-US" dirty="0" smtClean="0"/>
+              <a:t>dubbo.apache.org</a:t>
+            </a:r>
+            <a:endParaRPr lang="en-US" dirty="0"/>
+          </a:p>
+        </p:txBody>
+      </p:sp>
     </p:spTree>
     <p:extLst>
       <p:ext uri="{BB962C8B-B14F-4D97-AF65-F5344CB8AC3E}">
@@ -5343,11 +6107,11 @@
             </a:r>
             <a:r>
               <a:rPr kumimoji="1" lang="zh-CN" altLang="en-US" dirty="0"/>
-              <a:t>服务提供方和服务消费方来说，他们还有可能兼具这两种角色，即既需要提供服务，有需要消费服务。</a:t>
+              <a:t>服务提供方和服务消费方来说，他们还有可能兼具这两种角色，即既需要提供服务，有需要消费服务</a:t>
             </a:r>
             <a:r>
               <a:rPr kumimoji="1" lang="zh-CN" altLang="en-US" dirty="0" smtClean="0"/>
-              <a:t>通</a:t>
+              <a:t>。</a:t>
             </a:r>
             <a:endParaRPr kumimoji="1" lang="en-US" altLang="zh-CN" dirty="0" smtClean="0"/>
           </a:p>
@@ -5363,12 +6127,8 @@
               <a:buSzTx/>
             </a:pPr>
             <a:r>
-              <a:rPr kumimoji="1" lang="zh-CN" altLang="en-US" dirty="0" smtClean="0"/>
-              <a:t>过</a:t>
-            </a:r>
-            <a:r>
               <a:rPr kumimoji="1" lang="zh-CN" altLang="en-US" dirty="0"/>
-              <a:t>将服务统一管理起来，可以有效地优化内部应用对服务发布</a:t>
+              <a:t>通过将服务统一管理起来，可以有效地优化内部应用对服务发布</a:t>
             </a:r>
             <a:r>
               <a:rPr kumimoji="1" lang="en-US" altLang="zh-CN" dirty="0"/>
@@ -5479,6 +6239,42 @@
           </a:p>
           <a:p>
             <a:endParaRPr kumimoji="1" lang="zh-CN" altLang="en-US" dirty="0"/>
+          </a:p>
+        </p:txBody>
+      </p:sp>
+      <p:sp>
+        <p:nvSpPr>
+          <p:cNvPr id="6" name="页脚占位符 5"/>
+          <p:cNvSpPr>
+            <a:spLocks noGrp="1"/>
+          </p:cNvSpPr>
+          <p:nvPr>
+            <p:ph type="ftr" sz="quarter" idx="11"/>
+          </p:nvPr>
+        </p:nvSpPr>
+        <p:spPr>
+          <a:xfrm>
+            <a:off x="0" y="0"/>
+            <a:ext cx="5938836" cy="309201"/>
+          </a:xfrm>
+        </p:spPr>
+        <p:txBody>
+          <a:bodyPr/>
+          <a:lstStyle/>
+          <a:p>
+            <a:r>
+              <a:rPr lang="en-US" dirty="0" err="1" smtClean="0"/>
+              <a:t>Dubbo</a:t>
+            </a:r>
+            <a:r>
+              <a:rPr lang="zh-CN" altLang="en-US" dirty="0" smtClean="0"/>
+              <a:t>官网：</a:t>
+            </a:r>
+            <a:r>
+              <a:rPr lang="en-US" dirty="0" smtClean="0"/>
+              <a:t>dubbo.apache.org</a:t>
+            </a:r>
+            <a:endParaRPr lang="en-US" dirty="0"/>
           </a:p>
         </p:txBody>
       </p:sp>
@@ -5873,54 +6669,37 @@
       </p:sp>
       <p:sp>
         <p:nvSpPr>
-          <p:cNvPr id="5" name="文本框 4"/>
-          <p:cNvSpPr txBox="1"/>
-          <p:nvPr/>
+          <p:cNvPr id="5" name="页脚占位符 4"/>
+          <p:cNvSpPr>
+            <a:spLocks noGrp="1"/>
+          </p:cNvSpPr>
+          <p:nvPr>
+            <p:ph type="ftr" sz="quarter" idx="11"/>
+          </p:nvPr>
         </p:nvSpPr>
         <p:spPr>
           <a:xfrm>
-            <a:off x="1451579" y="4450976"/>
-            <a:ext cx="9603275" cy="646331"/>
+            <a:off x="0" y="0"/>
+            <a:ext cx="5938836" cy="309201"/>
           </a:xfrm>
-          <a:prstGeom prst="rect">
-            <a:avLst/>
-          </a:prstGeom>
-          <a:noFill/>
         </p:spPr>
         <p:txBody>
-          <a:bodyPr wrap="square" rtlCol="0">
-            <a:spAutoFit/>
-          </a:bodyPr>
+          <a:bodyPr/>
           <a:lstStyle/>
           <a:p>
             <a:r>
-              <a:rPr kumimoji="1" lang="zh-CN" altLang="en-US" b="1" dirty="0"/>
-              <a:t>缺点</a:t>
-            </a:r>
-            <a:r>
-              <a:rPr kumimoji="1" lang="zh-CN" altLang="en-US" dirty="0"/>
-              <a:t>：</a:t>
-            </a:r>
-            <a:endParaRPr kumimoji="1" lang="en-US" altLang="zh-CN" dirty="0"/>
-          </a:p>
-          <a:p>
-            <a:pPr marL="285750" indent="-285750">
-              <a:buFont typeface="Arial" charset="0"/>
-              <a:buChar char="•"/>
-            </a:pPr>
-            <a:r>
-              <a:rPr lang="zh-CN" altLang="en-US" dirty="0"/>
-              <a:t>只支持</a:t>
-            </a:r>
-            <a:r>
-              <a:rPr lang="en-US" altLang="zh-CN" dirty="0"/>
-              <a:t>JAVA</a:t>
-            </a:r>
-            <a:r>
-              <a:rPr lang="zh-CN" altLang="en-US" dirty="0" smtClean="0"/>
-              <a:t>语言</a:t>
-            </a:r>
-            <a:endParaRPr lang="zh-CN" altLang="en-US" dirty="0"/>
+              <a:rPr lang="en-US" smtClean="0"/>
+              <a:t>Dubbo</a:t>
+            </a:r>
+            <a:r>
+              <a:rPr lang="zh-CN" altLang="en-US" smtClean="0"/>
+              <a:t>官网：</a:t>
+            </a:r>
+            <a:r>
+              <a:rPr lang="en-US" smtClean="0"/>
+              <a:t>dubbo.apache.org</a:t>
+            </a:r>
+            <a:endParaRPr lang="en-US" dirty="0"/>
           </a:p>
         </p:txBody>
       </p:sp>
@@ -6457,6 +7236,910 @@
                       </p:childTnLst>
                     </p:cTn>
                   </p:par>
+                </p:childTnLst>
+              </p:cTn>
+              <p:prevCondLst>
+                <p:cond evt="onPrev" delay="0">
+                  <p:tgtEl>
+                    <p:sldTgt/>
+                  </p:tgtEl>
+                </p:cond>
+              </p:prevCondLst>
+              <p:nextCondLst>
+                <p:cond evt="onNext" delay="0">
+                  <p:tgtEl>
+                    <p:sldTgt/>
+                  </p:tgtEl>
+                </p:cond>
+              </p:nextCondLst>
+            </p:seq>
+          </p:childTnLst>
+        </p:cTn>
+      </p:par>
+    </p:tnLst>
+    <p:bldLst>
+      <p:bldP spid="3" grpId="0" uiExpand="1" build="p"/>
+    </p:bldLst>
+  </p:timing>
+</p:sld>
+</file>
+
+<file path=ppt/slides/slide8.xml><?xml version="1.0" encoding="utf-8"?>
+<p:sld xmlns:a="http://schemas.openxmlformats.org/drawingml/2006/main" xmlns:r="http://schemas.openxmlformats.org/officeDocument/2006/relationships" xmlns:p="http://schemas.openxmlformats.org/presentationml/2006/main">
+  <p:cSld>
+    <p:spTree>
+      <p:nvGrpSpPr>
+        <p:cNvPr id="1" name=""/>
+        <p:cNvGrpSpPr/>
+        <p:nvPr/>
+      </p:nvGrpSpPr>
+      <p:grpSpPr>
+        <a:xfrm>
+          <a:off x="0" y="0"/>
+          <a:ext cx="0" cy="0"/>
+          <a:chOff x="0" y="0"/>
+          <a:chExt cx="0" cy="0"/>
+        </a:xfrm>
+      </p:grpSpPr>
+      <p:sp>
+        <p:nvSpPr>
+          <p:cNvPr id="2" name="标题 1"/>
+          <p:cNvSpPr>
+            <a:spLocks noGrp="1"/>
+          </p:cNvSpPr>
+          <p:nvPr>
+            <p:ph type="title"/>
+          </p:nvPr>
+        </p:nvSpPr>
+        <p:spPr>
+          <a:xfrm>
+            <a:off x="1451579" y="1280160"/>
+            <a:ext cx="9603275" cy="573594"/>
+          </a:xfrm>
+        </p:spPr>
+        <p:txBody>
+          <a:bodyPr/>
+          <a:lstStyle/>
+          <a:p>
+            <a:pPr algn="ctr"/>
+            <a:r>
+              <a:rPr kumimoji="1" lang="en-US" altLang="zh-CN" dirty="0" err="1"/>
+              <a:t>D</a:t>
+            </a:r>
+            <a:r>
+              <a:rPr kumimoji="1" lang="en-US" altLang="zh-CN" cap="none" dirty="0" err="1"/>
+              <a:t>ubbo</a:t>
+            </a:r>
+            <a:r>
+              <a:rPr kumimoji="1" lang="zh-CN" altLang="en-US" cap="none" dirty="0"/>
+              <a:t>优缺点</a:t>
+            </a:r>
+            <a:endParaRPr lang="zh-CN" altLang="en-US" dirty="0"/>
+          </a:p>
+        </p:txBody>
+      </p:sp>
+      <p:sp>
+        <p:nvSpPr>
+          <p:cNvPr id="4" name="文本框 3"/>
+          <p:cNvSpPr txBox="1"/>
+          <p:nvPr/>
+        </p:nvSpPr>
+        <p:spPr>
+          <a:xfrm>
+            <a:off x="1277842" y="1853754"/>
+            <a:ext cx="9603275" cy="3693319"/>
+          </a:xfrm>
+          <a:prstGeom prst="rect">
+            <a:avLst/>
+          </a:prstGeom>
+          <a:noFill/>
+        </p:spPr>
+        <p:txBody>
+          <a:bodyPr wrap="square" rtlCol="0">
+            <a:spAutoFit/>
+          </a:bodyPr>
+          <a:lstStyle/>
+          <a:p>
+            <a:r>
+              <a:rPr kumimoji="1" lang="zh-CN" altLang="en-US" b="1" dirty="0"/>
+              <a:t>缺点</a:t>
+            </a:r>
+            <a:r>
+              <a:rPr kumimoji="1" lang="zh-CN" altLang="en-US" dirty="0"/>
+              <a:t>：</a:t>
+            </a:r>
+            <a:endParaRPr kumimoji="1" lang="en-US" altLang="zh-CN" dirty="0"/>
+          </a:p>
+          <a:p>
+            <a:pPr marL="285750" indent="-285750">
+              <a:buFont typeface="Arial" charset="0"/>
+              <a:buChar char="•"/>
+            </a:pPr>
+            <a:r>
+              <a:rPr lang="en-US" altLang="zh-CN" dirty="0" err="1"/>
+              <a:t>Dubbo</a:t>
+            </a:r>
+            <a:r>
+              <a:rPr lang="zh-CN" altLang="en-US" dirty="0"/>
+              <a:t>只是实现了服务治理，其他组件需要另外整合以实现对应的功能</a:t>
+            </a:r>
+            <a:r>
+              <a:rPr lang="zh-CN" altLang="en-US" dirty="0" smtClean="0"/>
+              <a:t>，</a:t>
+            </a:r>
+            <a:endParaRPr lang="en-US" altLang="zh-CN" dirty="0" smtClean="0"/>
+          </a:p>
+          <a:p>
+            <a:pPr marL="742950" lvl="1" indent="-285750">
+              <a:buFont typeface="Arial" charset="0"/>
+              <a:buChar char="•"/>
+            </a:pPr>
+            <a:r>
+              <a:rPr lang="zh-CN" altLang="en-US" dirty="0" smtClean="0"/>
+              <a:t>比如</a:t>
+            </a:r>
+            <a:r>
+              <a:rPr lang="zh-CN" altLang="en-US" dirty="0"/>
+              <a:t>：分布式配置：可以使用淘宝的</a:t>
+            </a:r>
+            <a:r>
+              <a:rPr lang="en-US" altLang="zh-CN" dirty="0"/>
+              <a:t>diamond</a:t>
+            </a:r>
+            <a:r>
+              <a:rPr lang="zh-CN" altLang="en-US" dirty="0"/>
+              <a:t>、百度的</a:t>
+            </a:r>
+            <a:r>
+              <a:rPr lang="en-US" altLang="zh-CN" dirty="0" err="1"/>
+              <a:t>disconf</a:t>
+            </a:r>
+            <a:r>
+              <a:rPr lang="zh-CN" altLang="en-US" dirty="0"/>
+              <a:t>来实现分布式</a:t>
+            </a:r>
+            <a:r>
+              <a:rPr lang="zh-CN" altLang="en-US" dirty="0" smtClean="0"/>
+              <a:t>配置管理</a:t>
+            </a:r>
+            <a:endParaRPr lang="en-US" altLang="zh-CN" dirty="0" smtClean="0"/>
+          </a:p>
+          <a:p>
+            <a:pPr marL="742950" lvl="1" indent="-285750">
+              <a:buFont typeface="Arial" charset="0"/>
+              <a:buChar char="•"/>
+            </a:pPr>
+            <a:r>
+              <a:rPr lang="zh-CN" altLang="en-US" dirty="0" smtClean="0"/>
+              <a:t>服务</a:t>
+            </a:r>
+            <a:r>
+              <a:rPr lang="zh-CN" altLang="en-US" dirty="0"/>
+              <a:t>跟踪：可以使用京东开源的</a:t>
+            </a:r>
+            <a:r>
+              <a:rPr lang="en-US" altLang="zh-CN" dirty="0" smtClean="0"/>
+              <a:t>Hydra</a:t>
+            </a:r>
+          </a:p>
+          <a:p>
+            <a:pPr marL="742950" lvl="1" indent="-285750">
+              <a:buFont typeface="Arial" charset="0"/>
+              <a:buChar char="•"/>
+            </a:pPr>
+            <a:r>
+              <a:rPr lang="zh-CN" altLang="en-US" dirty="0" smtClean="0"/>
+              <a:t>批量</a:t>
+            </a:r>
+            <a:r>
+              <a:rPr lang="zh-CN" altLang="en-US" dirty="0"/>
+              <a:t>任务：可以使用当当开源</a:t>
+            </a:r>
+            <a:r>
+              <a:rPr lang="zh-CN" altLang="en-US" dirty="0" smtClean="0"/>
+              <a:t>的方方面面</a:t>
+            </a:r>
+            <a:r>
+              <a:rPr lang="zh-CN" altLang="en-US" dirty="0"/>
+              <a:t>，服务治理只是其中的一个</a:t>
+            </a:r>
+            <a:r>
+              <a:rPr lang="zh-CN" altLang="en-US" dirty="0" smtClean="0"/>
+              <a:t>方面</a:t>
+            </a:r>
+            <a:r>
+              <a:rPr lang="en-US" altLang="zh-CN" dirty="0"/>
+              <a:t>Elastic-Job</a:t>
+            </a:r>
+          </a:p>
+          <a:p>
+            <a:pPr marL="742950" lvl="1" indent="-285750">
+              <a:buFont typeface="Arial" charset="0"/>
+              <a:buChar char="•"/>
+            </a:pPr>
+            <a:r>
+              <a:rPr lang="en-US" altLang="zh-CN" dirty="0"/>
+              <a:t>Spring Cloud</a:t>
+            </a:r>
+            <a:r>
+              <a:rPr lang="zh-CN" altLang="en-US" dirty="0"/>
+              <a:t>下面有</a:t>
+            </a:r>
+            <a:r>
+              <a:rPr lang="en-US" altLang="zh-CN" dirty="0"/>
+              <a:t>17</a:t>
+            </a:r>
+            <a:r>
+              <a:rPr lang="zh-CN" altLang="en-US" dirty="0"/>
+              <a:t>个子项目（可能还会新增）分别覆盖了微服务架构下的</a:t>
+            </a:r>
+            <a:endParaRPr lang="en-US" altLang="zh-CN" dirty="0" smtClean="0"/>
+          </a:p>
+          <a:p>
+            <a:pPr marL="285750" indent="-285750">
+              <a:buFont typeface="Arial" charset="0"/>
+              <a:buChar char="•"/>
+            </a:pPr>
+            <a:r>
+              <a:rPr lang="zh-CN" altLang="en-US" dirty="0" smtClean="0"/>
+              <a:t>服务</a:t>
+            </a:r>
+            <a:r>
+              <a:rPr lang="zh-CN" altLang="en-US" dirty="0"/>
+              <a:t>提供方与调用方接口依赖方式太强：调用方对提供方的抽象接口存在强依赖关系，需要严格的管理版本依赖，才不会出现服务方与调用方的不一致导致应用无法编译成功等一系列</a:t>
+            </a:r>
+            <a:r>
+              <a:rPr lang="zh-CN" altLang="en-US" dirty="0" smtClean="0"/>
+              <a:t>问题</a:t>
+            </a:r>
+            <a:endParaRPr lang="en-US" altLang="zh-CN" dirty="0" smtClean="0"/>
+          </a:p>
+          <a:p>
+            <a:pPr marL="285750" indent="-285750">
+              <a:buFont typeface="Arial" charset="0"/>
+              <a:buChar char="•"/>
+            </a:pPr>
+            <a:r>
+              <a:rPr lang="zh-CN" altLang="en-US" dirty="0"/>
+              <a:t>服务对平台敏感，难以简单复用：通常我们在提供对外服务时，都会以</a:t>
+            </a:r>
+            <a:r>
+              <a:rPr lang="en-US" altLang="zh-CN" dirty="0"/>
+              <a:t>REST</a:t>
+            </a:r>
+            <a:r>
+              <a:rPr lang="zh-CN" altLang="en-US" dirty="0"/>
+              <a:t>的方式提供出去，这样可以实现跨平台的特点。在</a:t>
+            </a:r>
+            <a:r>
+              <a:rPr lang="en-US" altLang="zh-CN" dirty="0" err="1"/>
+              <a:t>Dubbo</a:t>
+            </a:r>
+            <a:r>
+              <a:rPr lang="zh-CN" altLang="en-US" dirty="0"/>
+              <a:t>中我们要提供</a:t>
+            </a:r>
+            <a:r>
+              <a:rPr lang="en-US" altLang="zh-CN" dirty="0"/>
+              <a:t>REST</a:t>
+            </a:r>
+            <a:r>
+              <a:rPr lang="zh-CN" altLang="en-US" dirty="0"/>
+              <a:t>接口时，不得不实现一层代理，用来将</a:t>
+            </a:r>
+            <a:r>
+              <a:rPr lang="en-US" altLang="zh-CN" dirty="0"/>
+              <a:t>RPC</a:t>
+            </a:r>
+            <a:r>
+              <a:rPr lang="zh-CN" altLang="en-US" dirty="0"/>
+              <a:t>接口转换成</a:t>
+            </a:r>
+            <a:r>
+              <a:rPr lang="en-US" altLang="zh-CN" dirty="0"/>
+              <a:t>REST</a:t>
+            </a:r>
+            <a:r>
+              <a:rPr lang="zh-CN" altLang="en-US" dirty="0"/>
+              <a:t>接口进行对外发布。所以当当网在</a:t>
+            </a:r>
+            <a:r>
+              <a:rPr lang="en-US" altLang="zh-CN" dirty="0" err="1"/>
+              <a:t>dubbox</a:t>
+            </a:r>
+            <a:r>
+              <a:rPr lang="zh-CN" altLang="en-US" dirty="0"/>
+              <a:t>（基于</a:t>
+            </a:r>
+            <a:r>
+              <a:rPr lang="en-US" altLang="zh-CN" dirty="0" err="1"/>
+              <a:t>Dubbo</a:t>
+            </a:r>
+            <a:r>
+              <a:rPr lang="zh-CN" altLang="en-US" dirty="0"/>
+              <a:t>的开源扩展）中增加了对</a:t>
+            </a:r>
+            <a:r>
+              <a:rPr lang="en-US" altLang="zh-CN" dirty="0"/>
+              <a:t>REST</a:t>
+            </a:r>
+            <a:r>
+              <a:rPr lang="zh-CN" altLang="en-US" dirty="0" smtClean="0"/>
+              <a:t>支持</a:t>
+            </a:r>
+            <a:endParaRPr lang="zh-CN" altLang="en-US" dirty="0"/>
+          </a:p>
+        </p:txBody>
+      </p:sp>
+      <p:sp>
+        <p:nvSpPr>
+          <p:cNvPr id="5" name="页脚占位符 4"/>
+          <p:cNvSpPr>
+            <a:spLocks noGrp="1"/>
+          </p:cNvSpPr>
+          <p:nvPr>
+            <p:ph type="ftr" sz="quarter" idx="11"/>
+          </p:nvPr>
+        </p:nvSpPr>
+        <p:spPr>
+          <a:xfrm>
+            <a:off x="0" y="-18165"/>
+            <a:ext cx="5938836" cy="309201"/>
+          </a:xfrm>
+        </p:spPr>
+        <p:txBody>
+          <a:bodyPr/>
+          <a:lstStyle/>
+          <a:p>
+            <a:r>
+              <a:rPr lang="en-US" dirty="0" err="1" smtClean="0"/>
+              <a:t>Dubbo</a:t>
+            </a:r>
+            <a:r>
+              <a:rPr lang="zh-CN" altLang="en-US" dirty="0" smtClean="0"/>
+              <a:t>官网：</a:t>
+            </a:r>
+            <a:r>
+              <a:rPr lang="en-US" dirty="0" smtClean="0"/>
+              <a:t>dubbo.apache.org</a:t>
+            </a:r>
+            <a:endParaRPr lang="en-US" dirty="0"/>
+          </a:p>
+        </p:txBody>
+      </p:sp>
+    </p:spTree>
+    <p:extLst>
+      <p:ext uri="{BB962C8B-B14F-4D97-AF65-F5344CB8AC3E}">
+        <p14:creationId xmlns:p14="http://schemas.microsoft.com/office/powerpoint/2010/main" val="2174773236"/>
+      </p:ext>
+    </p:extLst>
+  </p:cSld>
+  <p:clrMapOvr>
+    <a:masterClrMapping/>
+  </p:clrMapOvr>
+  <p:timing>
+    <p:tnLst>
+      <p:par>
+        <p:cTn id="1" dur="indefinite" restart="never" nodeType="tmRoot">
+          <p:childTnLst>
+            <p:seq concurrent="1" nextAc="seek">
+              <p:cTn id="2" dur="indefinite" nodeType="mainSeq">
+                <p:childTnLst>
+                  <p:par>
+                    <p:cTn id="3" fill="hold">
+                      <p:stCondLst>
+                        <p:cond delay="indefinite"/>
+                      </p:stCondLst>
+                      <p:childTnLst>
+                        <p:par>
+                          <p:cTn id="4" fill="hold">
+                            <p:stCondLst>
+                              <p:cond delay="0"/>
+                            </p:stCondLst>
+                            <p:childTnLst>
+                              <p:par>
+                                <p:cTn id="5" presetID="2" presetClass="entr" presetSubtype="8" fill="hold" nodeType="clickEffect">
+                                  <p:stCondLst>
+                                    <p:cond delay="0"/>
+                                  </p:stCondLst>
+                                  <p:childTnLst>
+                                    <p:set>
+                                      <p:cBhvr>
+                                        <p:cTn id="6" dur="1" fill="hold">
+                                          <p:stCondLst>
+                                            <p:cond delay="0"/>
+                                          </p:stCondLst>
+                                        </p:cTn>
+                                        <p:tgtEl>
+                                          <p:spTgt spid="4">
+                                            <p:txEl>
+                                              <p:pRg st="0" end="0"/>
+                                            </p:txEl>
+                                          </p:spTgt>
+                                        </p:tgtEl>
+                                        <p:attrNameLst>
+                                          <p:attrName>style.visibility</p:attrName>
+                                        </p:attrNameLst>
+                                      </p:cBhvr>
+                                      <p:to>
+                                        <p:strVal val="visible"/>
+                                      </p:to>
+                                    </p:set>
+                                    <p:anim calcmode="lin" valueType="num">
+                                      <p:cBhvr additive="base">
+                                        <p:cTn id="7" dur="500" fill="hold"/>
+                                        <p:tgtEl>
+                                          <p:spTgt spid="4">
+                                            <p:txEl>
+                                              <p:pRg st="0" end="0"/>
+                                            </p:txEl>
+                                          </p:spTgt>
+                                        </p:tgtEl>
+                                        <p:attrNameLst>
+                                          <p:attrName>ppt_x</p:attrName>
+                                        </p:attrNameLst>
+                                      </p:cBhvr>
+                                      <p:tavLst>
+                                        <p:tav tm="0">
+                                          <p:val>
+                                            <p:strVal val="0-#ppt_w/2"/>
+                                          </p:val>
+                                        </p:tav>
+                                        <p:tav tm="100000">
+                                          <p:val>
+                                            <p:strVal val="#ppt_x"/>
+                                          </p:val>
+                                        </p:tav>
+                                      </p:tavLst>
+                                    </p:anim>
+                                    <p:anim calcmode="lin" valueType="num">
+                                      <p:cBhvr additive="base">
+                                        <p:cTn id="8" dur="500" fill="hold"/>
+                                        <p:tgtEl>
+                                          <p:spTgt spid="4">
+                                            <p:txEl>
+                                              <p:pRg st="0" end="0"/>
+                                            </p:txEl>
+                                          </p:spTgt>
+                                        </p:tgtEl>
+                                        <p:attrNameLst>
+                                          <p:attrName>ppt_y</p:attrName>
+                                        </p:attrNameLst>
+                                      </p:cBhvr>
+                                      <p:tavLst>
+                                        <p:tav tm="0">
+                                          <p:val>
+                                            <p:strVal val="#ppt_y"/>
+                                          </p:val>
+                                        </p:tav>
+                                        <p:tav tm="100000">
+                                          <p:val>
+                                            <p:strVal val="#ppt_y"/>
+                                          </p:val>
+                                        </p:tav>
+                                      </p:tavLst>
+                                    </p:anim>
+                                  </p:childTnLst>
+                                </p:cTn>
+                              </p:par>
+                            </p:childTnLst>
+                          </p:cTn>
+                        </p:par>
+                      </p:childTnLst>
+                    </p:cTn>
+                  </p:par>
+                  <p:par>
+                    <p:cTn id="9" fill="hold">
+                      <p:stCondLst>
+                        <p:cond delay="indefinite"/>
+                      </p:stCondLst>
+                      <p:childTnLst>
+                        <p:par>
+                          <p:cTn id="10" fill="hold">
+                            <p:stCondLst>
+                              <p:cond delay="0"/>
+                            </p:stCondLst>
+                            <p:childTnLst>
+                              <p:par>
+                                <p:cTn id="11" presetID="2" presetClass="entr" presetSubtype="8" fill="hold" nodeType="clickEffect">
+                                  <p:stCondLst>
+                                    <p:cond delay="0"/>
+                                  </p:stCondLst>
+                                  <p:childTnLst>
+                                    <p:set>
+                                      <p:cBhvr>
+                                        <p:cTn id="12" dur="1" fill="hold">
+                                          <p:stCondLst>
+                                            <p:cond delay="0"/>
+                                          </p:stCondLst>
+                                        </p:cTn>
+                                        <p:tgtEl>
+                                          <p:spTgt spid="4">
+                                            <p:txEl>
+                                              <p:pRg st="1" end="1"/>
+                                            </p:txEl>
+                                          </p:spTgt>
+                                        </p:tgtEl>
+                                        <p:attrNameLst>
+                                          <p:attrName>style.visibility</p:attrName>
+                                        </p:attrNameLst>
+                                      </p:cBhvr>
+                                      <p:to>
+                                        <p:strVal val="visible"/>
+                                      </p:to>
+                                    </p:set>
+                                    <p:anim calcmode="lin" valueType="num">
+                                      <p:cBhvr additive="base">
+                                        <p:cTn id="13" dur="500" fill="hold"/>
+                                        <p:tgtEl>
+                                          <p:spTgt spid="4">
+                                            <p:txEl>
+                                              <p:pRg st="1" end="1"/>
+                                            </p:txEl>
+                                          </p:spTgt>
+                                        </p:tgtEl>
+                                        <p:attrNameLst>
+                                          <p:attrName>ppt_x</p:attrName>
+                                        </p:attrNameLst>
+                                      </p:cBhvr>
+                                      <p:tavLst>
+                                        <p:tav tm="0">
+                                          <p:val>
+                                            <p:strVal val="0-#ppt_w/2"/>
+                                          </p:val>
+                                        </p:tav>
+                                        <p:tav tm="100000">
+                                          <p:val>
+                                            <p:strVal val="#ppt_x"/>
+                                          </p:val>
+                                        </p:tav>
+                                      </p:tavLst>
+                                    </p:anim>
+                                    <p:anim calcmode="lin" valueType="num">
+                                      <p:cBhvr additive="base">
+                                        <p:cTn id="14" dur="500" fill="hold"/>
+                                        <p:tgtEl>
+                                          <p:spTgt spid="4">
+                                            <p:txEl>
+                                              <p:pRg st="1" end="1"/>
+                                            </p:txEl>
+                                          </p:spTgt>
+                                        </p:tgtEl>
+                                        <p:attrNameLst>
+                                          <p:attrName>ppt_y</p:attrName>
+                                        </p:attrNameLst>
+                                      </p:cBhvr>
+                                      <p:tavLst>
+                                        <p:tav tm="0">
+                                          <p:val>
+                                            <p:strVal val="#ppt_y"/>
+                                          </p:val>
+                                        </p:tav>
+                                        <p:tav tm="100000">
+                                          <p:val>
+                                            <p:strVal val="#ppt_y"/>
+                                          </p:val>
+                                        </p:tav>
+                                      </p:tavLst>
+                                    </p:anim>
+                                  </p:childTnLst>
+                                </p:cTn>
+                              </p:par>
+                            </p:childTnLst>
+                          </p:cTn>
+                        </p:par>
+                      </p:childTnLst>
+                    </p:cTn>
+                  </p:par>
+                  <p:par>
+                    <p:cTn id="15" fill="hold">
+                      <p:stCondLst>
+                        <p:cond delay="indefinite"/>
+                      </p:stCondLst>
+                      <p:childTnLst>
+                        <p:par>
+                          <p:cTn id="16" fill="hold">
+                            <p:stCondLst>
+                              <p:cond delay="0"/>
+                            </p:stCondLst>
+                            <p:childTnLst>
+                              <p:par>
+                                <p:cTn id="17" presetID="2" presetClass="entr" presetSubtype="8" fill="hold" nodeType="clickEffect">
+                                  <p:stCondLst>
+                                    <p:cond delay="0"/>
+                                  </p:stCondLst>
+                                  <p:childTnLst>
+                                    <p:set>
+                                      <p:cBhvr>
+                                        <p:cTn id="18" dur="1" fill="hold">
+                                          <p:stCondLst>
+                                            <p:cond delay="0"/>
+                                          </p:stCondLst>
+                                        </p:cTn>
+                                        <p:tgtEl>
+                                          <p:spTgt spid="4">
+                                            <p:txEl>
+                                              <p:pRg st="2" end="2"/>
+                                            </p:txEl>
+                                          </p:spTgt>
+                                        </p:tgtEl>
+                                        <p:attrNameLst>
+                                          <p:attrName>style.visibility</p:attrName>
+                                        </p:attrNameLst>
+                                      </p:cBhvr>
+                                      <p:to>
+                                        <p:strVal val="visible"/>
+                                      </p:to>
+                                    </p:set>
+                                    <p:anim calcmode="lin" valueType="num">
+                                      <p:cBhvr additive="base">
+                                        <p:cTn id="19" dur="500" fill="hold"/>
+                                        <p:tgtEl>
+                                          <p:spTgt spid="4">
+                                            <p:txEl>
+                                              <p:pRg st="2" end="2"/>
+                                            </p:txEl>
+                                          </p:spTgt>
+                                        </p:tgtEl>
+                                        <p:attrNameLst>
+                                          <p:attrName>ppt_x</p:attrName>
+                                        </p:attrNameLst>
+                                      </p:cBhvr>
+                                      <p:tavLst>
+                                        <p:tav tm="0">
+                                          <p:val>
+                                            <p:strVal val="0-#ppt_w/2"/>
+                                          </p:val>
+                                        </p:tav>
+                                        <p:tav tm="100000">
+                                          <p:val>
+                                            <p:strVal val="#ppt_x"/>
+                                          </p:val>
+                                        </p:tav>
+                                      </p:tavLst>
+                                    </p:anim>
+                                    <p:anim calcmode="lin" valueType="num">
+                                      <p:cBhvr additive="base">
+                                        <p:cTn id="20" dur="500" fill="hold"/>
+                                        <p:tgtEl>
+                                          <p:spTgt spid="4">
+                                            <p:txEl>
+                                              <p:pRg st="2" end="2"/>
+                                            </p:txEl>
+                                          </p:spTgt>
+                                        </p:tgtEl>
+                                        <p:attrNameLst>
+                                          <p:attrName>ppt_y</p:attrName>
+                                        </p:attrNameLst>
+                                      </p:cBhvr>
+                                      <p:tavLst>
+                                        <p:tav tm="0">
+                                          <p:val>
+                                            <p:strVal val="#ppt_y"/>
+                                          </p:val>
+                                        </p:tav>
+                                        <p:tav tm="100000">
+                                          <p:val>
+                                            <p:strVal val="#ppt_y"/>
+                                          </p:val>
+                                        </p:tav>
+                                      </p:tavLst>
+                                    </p:anim>
+                                  </p:childTnLst>
+                                </p:cTn>
+                              </p:par>
+                            </p:childTnLst>
+                          </p:cTn>
+                        </p:par>
+                      </p:childTnLst>
+                    </p:cTn>
+                  </p:par>
+                  <p:par>
+                    <p:cTn id="21" fill="hold">
+                      <p:stCondLst>
+                        <p:cond delay="indefinite"/>
+                      </p:stCondLst>
+                      <p:childTnLst>
+                        <p:par>
+                          <p:cTn id="22" fill="hold">
+                            <p:stCondLst>
+                              <p:cond delay="0"/>
+                            </p:stCondLst>
+                            <p:childTnLst>
+                              <p:par>
+                                <p:cTn id="23" presetID="2" presetClass="entr" presetSubtype="8" fill="hold" nodeType="clickEffect">
+                                  <p:stCondLst>
+                                    <p:cond delay="0"/>
+                                  </p:stCondLst>
+                                  <p:childTnLst>
+                                    <p:set>
+                                      <p:cBhvr>
+                                        <p:cTn id="24" dur="1" fill="hold">
+                                          <p:stCondLst>
+                                            <p:cond delay="0"/>
+                                          </p:stCondLst>
+                                        </p:cTn>
+                                        <p:tgtEl>
+                                          <p:spTgt spid="4">
+                                            <p:txEl>
+                                              <p:pRg st="3" end="3"/>
+                                            </p:txEl>
+                                          </p:spTgt>
+                                        </p:tgtEl>
+                                        <p:attrNameLst>
+                                          <p:attrName>style.visibility</p:attrName>
+                                        </p:attrNameLst>
+                                      </p:cBhvr>
+                                      <p:to>
+                                        <p:strVal val="visible"/>
+                                      </p:to>
+                                    </p:set>
+                                    <p:anim calcmode="lin" valueType="num">
+                                      <p:cBhvr additive="base">
+                                        <p:cTn id="25" dur="500" fill="hold"/>
+                                        <p:tgtEl>
+                                          <p:spTgt spid="4">
+                                            <p:txEl>
+                                              <p:pRg st="3" end="3"/>
+                                            </p:txEl>
+                                          </p:spTgt>
+                                        </p:tgtEl>
+                                        <p:attrNameLst>
+                                          <p:attrName>ppt_x</p:attrName>
+                                        </p:attrNameLst>
+                                      </p:cBhvr>
+                                      <p:tavLst>
+                                        <p:tav tm="0">
+                                          <p:val>
+                                            <p:strVal val="0-#ppt_w/2"/>
+                                          </p:val>
+                                        </p:tav>
+                                        <p:tav tm="100000">
+                                          <p:val>
+                                            <p:strVal val="#ppt_x"/>
+                                          </p:val>
+                                        </p:tav>
+                                      </p:tavLst>
+                                    </p:anim>
+                                    <p:anim calcmode="lin" valueType="num">
+                                      <p:cBhvr additive="base">
+                                        <p:cTn id="26" dur="500" fill="hold"/>
+                                        <p:tgtEl>
+                                          <p:spTgt spid="4">
+                                            <p:txEl>
+                                              <p:pRg st="3" end="3"/>
+                                            </p:txEl>
+                                          </p:spTgt>
+                                        </p:tgtEl>
+                                        <p:attrNameLst>
+                                          <p:attrName>ppt_y</p:attrName>
+                                        </p:attrNameLst>
+                                      </p:cBhvr>
+                                      <p:tavLst>
+                                        <p:tav tm="0">
+                                          <p:val>
+                                            <p:strVal val="#ppt_y"/>
+                                          </p:val>
+                                        </p:tav>
+                                        <p:tav tm="100000">
+                                          <p:val>
+                                            <p:strVal val="#ppt_y"/>
+                                          </p:val>
+                                        </p:tav>
+                                      </p:tavLst>
+                                    </p:anim>
+                                  </p:childTnLst>
+                                </p:cTn>
+                              </p:par>
+                            </p:childTnLst>
+                          </p:cTn>
+                        </p:par>
+                      </p:childTnLst>
+                    </p:cTn>
+                  </p:par>
+                  <p:par>
+                    <p:cTn id="27" fill="hold">
+                      <p:stCondLst>
+                        <p:cond delay="indefinite"/>
+                      </p:stCondLst>
+                      <p:childTnLst>
+                        <p:par>
+                          <p:cTn id="28" fill="hold">
+                            <p:stCondLst>
+                              <p:cond delay="0"/>
+                            </p:stCondLst>
+                            <p:childTnLst>
+                              <p:par>
+                                <p:cTn id="29" presetID="2" presetClass="entr" presetSubtype="8" fill="hold" nodeType="clickEffect">
+                                  <p:stCondLst>
+                                    <p:cond delay="0"/>
+                                  </p:stCondLst>
+                                  <p:childTnLst>
+                                    <p:set>
+                                      <p:cBhvr>
+                                        <p:cTn id="30" dur="1" fill="hold">
+                                          <p:stCondLst>
+                                            <p:cond delay="0"/>
+                                          </p:stCondLst>
+                                        </p:cTn>
+                                        <p:tgtEl>
+                                          <p:spTgt spid="4">
+                                            <p:txEl>
+                                              <p:pRg st="4" end="4"/>
+                                            </p:txEl>
+                                          </p:spTgt>
+                                        </p:tgtEl>
+                                        <p:attrNameLst>
+                                          <p:attrName>style.visibility</p:attrName>
+                                        </p:attrNameLst>
+                                      </p:cBhvr>
+                                      <p:to>
+                                        <p:strVal val="visible"/>
+                                      </p:to>
+                                    </p:set>
+                                    <p:anim calcmode="lin" valueType="num">
+                                      <p:cBhvr additive="base">
+                                        <p:cTn id="31" dur="500" fill="hold"/>
+                                        <p:tgtEl>
+                                          <p:spTgt spid="4">
+                                            <p:txEl>
+                                              <p:pRg st="4" end="4"/>
+                                            </p:txEl>
+                                          </p:spTgt>
+                                        </p:tgtEl>
+                                        <p:attrNameLst>
+                                          <p:attrName>ppt_x</p:attrName>
+                                        </p:attrNameLst>
+                                      </p:cBhvr>
+                                      <p:tavLst>
+                                        <p:tav tm="0">
+                                          <p:val>
+                                            <p:strVal val="0-#ppt_w/2"/>
+                                          </p:val>
+                                        </p:tav>
+                                        <p:tav tm="100000">
+                                          <p:val>
+                                            <p:strVal val="#ppt_x"/>
+                                          </p:val>
+                                        </p:tav>
+                                      </p:tavLst>
+                                    </p:anim>
+                                    <p:anim calcmode="lin" valueType="num">
+                                      <p:cBhvr additive="base">
+                                        <p:cTn id="32" dur="500" fill="hold"/>
+                                        <p:tgtEl>
+                                          <p:spTgt spid="4">
+                                            <p:txEl>
+                                              <p:pRg st="4" end="4"/>
+                                            </p:txEl>
+                                          </p:spTgt>
+                                        </p:tgtEl>
+                                        <p:attrNameLst>
+                                          <p:attrName>ppt_y</p:attrName>
+                                        </p:attrNameLst>
+                                      </p:cBhvr>
+                                      <p:tavLst>
+                                        <p:tav tm="0">
+                                          <p:val>
+                                            <p:strVal val="#ppt_y"/>
+                                          </p:val>
+                                        </p:tav>
+                                        <p:tav tm="100000">
+                                          <p:val>
+                                            <p:strVal val="#ppt_y"/>
+                                          </p:val>
+                                        </p:tav>
+                                      </p:tavLst>
+                                    </p:anim>
+                                  </p:childTnLst>
+                                </p:cTn>
+                              </p:par>
+                            </p:childTnLst>
+                          </p:cTn>
+                        </p:par>
+                      </p:childTnLst>
+                    </p:cTn>
+                  </p:par>
                   <p:par>
                     <p:cTn id="33" fill="hold">
                       <p:stCondLst>
@@ -6483,9 +8166,9 @@
                                           </p:stCondLst>
                                         </p:cTn>
                                         <p:tgtEl>
-                                          <p:spTgt spid="5">
+                                          <p:spTgt spid="4">
                                             <p:txEl>
-                                              <p:pRg st="0" end="0"/>
+                                              <p:pRg st="5" end="5"/>
                                             </p:txEl>
                                           </p:spTgt>
                                         </p:tgtEl>
@@ -6501,9 +8184,9 @@
                                       <p:cBhvr additive="base">
                                         <p:cTn id="37" dur="500" fill="hold"/>
                                         <p:tgtEl>
-                                          <p:spTgt spid="5">
+                                          <p:spTgt spid="4">
                                             <p:txEl>
-                                              <p:pRg st="0" end="0"/>
+                                              <p:pRg st="5" end="5"/>
                                             </p:txEl>
                                           </p:spTgt>
                                         </p:tgtEl>
@@ -6528,9 +8211,9 @@
                                       <p:cBhvr additive="base">
                                         <p:cTn id="38" dur="500" fill="hold"/>
                                         <p:tgtEl>
-                                          <p:spTgt spid="5">
+                                          <p:spTgt spid="4">
                                             <p:txEl>
-                                              <p:pRg st="0" end="0"/>
+                                              <p:pRg st="5" end="5"/>
                                             </p:txEl>
                                           </p:spTgt>
                                         </p:tgtEl>
@@ -6586,9 +8269,9 @@
                                           </p:stCondLst>
                                         </p:cTn>
                                         <p:tgtEl>
-                                          <p:spTgt spid="5">
+                                          <p:spTgt spid="4">
                                             <p:txEl>
-                                              <p:pRg st="1" end="1"/>
+                                              <p:pRg st="6" end="6"/>
                                             </p:txEl>
                                           </p:spTgt>
                                         </p:tgtEl>
@@ -6604,9 +8287,9 @@
                                       <p:cBhvr additive="base">
                                         <p:cTn id="43" dur="500" fill="hold"/>
                                         <p:tgtEl>
-                                          <p:spTgt spid="5">
+                                          <p:spTgt spid="4">
                                             <p:txEl>
-                                              <p:pRg st="1" end="1"/>
+                                              <p:pRg st="6" end="6"/>
                                             </p:txEl>
                                           </p:spTgt>
                                         </p:tgtEl>
@@ -6631,9 +8314,112 @@
                                       <p:cBhvr additive="base">
                                         <p:cTn id="44" dur="500" fill="hold"/>
                                         <p:tgtEl>
-                                          <p:spTgt spid="5">
+                                          <p:spTgt spid="4">
                                             <p:txEl>
-                                              <p:pRg st="1" end="1"/>
+                                              <p:pRg st="6" end="6"/>
+                                            </p:txEl>
+                                          </p:spTgt>
+                                        </p:tgtEl>
+                                        <p:attrNameLst>
+                                          <p:attrName>ppt_y</p:attrName>
+                                        </p:attrNameLst>
+                                      </p:cBhvr>
+                                      <p:tavLst>
+                                        <p:tav tm="0">
+                                          <p:val>
+                                            <p:strVal val="#ppt_y"/>
+                                          </p:val>
+                                        </p:tav>
+                                        <p:tav tm="100000">
+                                          <p:val>
+                                            <p:strVal val="#ppt_y"/>
+                                          </p:val>
+                                        </p:tav>
+                                      </p:tavLst>
+                                    </p:anim>
+                                  </p:childTnLst>
+                                </p:cTn>
+                              </p:par>
+                            </p:childTnLst>
+                          </p:cTn>
+                        </p:par>
+                      </p:childTnLst>
+                    </p:cTn>
+                  </p:par>
+                  <p:par>
+                    <p:cTn id="45" fill="hold">
+                      <p:stCondLst>
+                        <p:cond delay="indefinite"/>
+                      </p:stCondLst>
+                      <p:childTnLst>
+                        <p:par>
+                          <p:cTn id="46" fill="hold">
+                            <p:stCondLst>
+                              <p:cond delay="0"/>
+                            </p:stCondLst>
+                            <p:childTnLst>
+                              <p:par>
+                                <p:cTn id="47" presetID="2" presetClass="entr" presetSubtype="8" fill="hold" nodeType="clickEffect">
+                                  <p:stCondLst>
+                                    <p:cond delay="0"/>
+                                  </p:stCondLst>
+                                  <p:childTnLst>
+                                    <p:set>
+                                      <p:cBhvr>
+                                        <p:cTn id="48" dur="1" fill="hold">
+                                          <p:stCondLst>
+                                            <p:cond delay="0"/>
+                                          </p:stCondLst>
+                                        </p:cTn>
+                                        <p:tgtEl>
+                                          <p:spTgt spid="4">
+                                            <p:txEl>
+                                              <p:pRg st="7" end="7"/>
+                                            </p:txEl>
+                                          </p:spTgt>
+                                        </p:tgtEl>
+                                        <p:attrNameLst>
+                                          <p:attrName>style.visibility</p:attrName>
+                                        </p:attrNameLst>
+                                      </p:cBhvr>
+                                      <p:to>
+                                        <p:strVal val="visible"/>
+                                      </p:to>
+                                    </p:set>
+                                    <p:anim calcmode="lin" valueType="num">
+                                      <p:cBhvr additive="base">
+                                        <p:cTn id="49" dur="500" fill="hold"/>
+                                        <p:tgtEl>
+                                          <p:spTgt spid="4">
+                                            <p:txEl>
+                                              <p:pRg st="7" end="7"/>
+                                            </p:txEl>
+                                          </p:spTgt>
+                                        </p:tgtEl>
+                                        <p:attrNameLst>
+                                          <p:attrName>ppt_x</p:attrName>
+                                        </p:attrNameLst>
+                                      </p:cBhvr>
+                                      <p:tavLst>
+                                        <p:tav tm="0">
+                                          <p:val>
+                                            <p:strVal val="0-#ppt_w/2"/>
+                                          </p:val>
+                                        </p:tav>
+                                        <p:tav tm="100000">
+                                          <p:val>
+                                            <p:strVal val="#ppt_x"/>
+                                          </p:val>
+                                        </p:tav>
+                                      </p:tavLst>
+                                    </p:anim>
+                                    <p:anim calcmode="lin" valueType="num">
+                                      <p:cBhvr additive="base">
+                                        <p:cTn id="50" dur="500" fill="hold"/>
+                                        <p:tgtEl>
+                                          <p:spTgt spid="4">
+                                            <p:txEl>
+                                              <p:pRg st="7" end="7"/>
                                             </p:txEl>
                                           </p:spTgt>
                                         </p:tgtEl>
@@ -6684,9 +8470,6 @@
         </p:cTn>
       </p:par>
     </p:tnLst>
-    <p:bldLst>
-      <p:bldP spid="3" grpId="0" uiExpand="1" build="p"/>
-    </p:bldLst>
   </p:timing>
 </p:sld>
 </file>
@@ -7203,4 +8986,265 @@
     </a:ext>
   </a:extLst>
 </a:theme>
+</file>
+
+<file path=ppt/theme/theme3.xml><?xml version="1.0" encoding="utf-8"?>
+<a:theme xmlns:a="http://schemas.openxmlformats.org/drawingml/2006/main" name="Office 主题">
+  <a:themeElements>
+    <a:clrScheme name="Office">
+      <a:dk1>
+        <a:sysClr val="windowText" lastClr="000000"/>
+      </a:dk1>
+      <a:lt1>
+        <a:sysClr val="window" lastClr="FFFFFF"/>
+      </a:lt1>
+      <a:dk2>
+        <a:srgbClr val="44546A"/>
+      </a:dk2>
+      <a:lt2>
+        <a:srgbClr val="E7E6E6"/>
+      </a:lt2>
+      <a:accent1>
+        <a:srgbClr val="5B9BD5"/>
+      </a:accent1>
+      <a:accent2>
+        <a:srgbClr val="ED7D31"/>
+      </a:accent2>
+      <a:accent3>
+        <a:srgbClr val="A5A5A5"/>
+      </a:accent3>
+      <a:accent4>
+        <a:srgbClr val="FFC000"/>
+      </a:accent4>
+      <a:accent5>
+        <a:srgbClr val="4472C4"/>
+      </a:accent5>
+      <a:accent6>
+        <a:srgbClr val="70AD47"/>
+      </a:accent6>
+      <a:hlink>
+        <a:srgbClr val="0563C1"/>
+      </a:hlink>
+      <a:folHlink>
+        <a:srgbClr val="954F72"/>
+      </a:folHlink>
+    </a:clrScheme>
+    <a:fontScheme name="Office">
+      <a:majorFont>
+        <a:latin typeface="Calibri Light" panose="020F0302020204030204"/>
+        <a:ea typeface=""/>
+        <a:cs typeface=""/>
+        <a:font script="Jpan" typeface="ＭＳ Ｐゴシック"/>
+        <a:font script="Hang" typeface="맑은 고딕"/>
+        <a:font script="Hans" typeface="宋体"/>
+        <a:font script="Hant" typeface="新細明體"/>
+        <a:font script="Arab" typeface="Times New Roman"/>
+        <a:font script="Hebr" typeface="Times New Roman"/>
+        <a:font script="Thai" typeface="Angsana New"/>
+        <a:font script="Ethi" typeface="Nyala"/>
+        <a:font script="Beng" typeface="Vrinda"/>
+        <a:font script="Gujr" typeface="Shruti"/>
+        <a:font script="Khmr" typeface="MoolBoran"/>
+        <a:font script="Knda" typeface="Tunga"/>
+        <a:font script="Guru" typeface="Raavi"/>
+        <a:font script="Cans" typeface="Euphemia"/>
+        <a:font script="Cher" typeface="Plantagenet Cherokee"/>
+        <a:font script="Yiii" typeface="Microsoft Yi Baiti"/>
+        <a:font script="Tibt" typeface="Microsoft Himalaya"/>
+        <a:font script="Thaa" typeface="MV Boli"/>
+        <a:font script="Deva" typeface="Mangal"/>
+        <a:font script="Telu" typeface="Gautami"/>
+        <a:font script="Taml" typeface="Latha"/>
+        <a:font script="Syrc" typeface="Estrangelo Edessa"/>
+        <a:font script="Orya" typeface="Kalinga"/>
+        <a:font script="Mlym" typeface="Kartika"/>
+        <a:font script="Laoo" typeface="DokChampa"/>
+        <a:font script="Sinh" typeface="Iskoola Pota"/>
+        <a:font script="Mong" typeface="Mongolian Baiti"/>
+        <a:font script="Viet" typeface="Times New Roman"/>
+        <a:font script="Uigh" typeface="Microsoft Uighur"/>
+        <a:font script="Geor" typeface="Sylfaen"/>
+      </a:majorFont>
+      <a:minorFont>
+        <a:latin typeface="Calibri" panose="020F0502020204030204"/>
+        <a:ea typeface=""/>
+        <a:cs typeface=""/>
+        <a:font script="Jpan" typeface="ＭＳ Ｐゴシック"/>
+        <a:font script="Hang" typeface="맑은 고딕"/>
+        <a:font script="Hans" typeface="宋体"/>
+        <a:font script="Hant" typeface="新細明體"/>
+        <a:font script="Arab" typeface="Arial"/>
+        <a:font script="Hebr" typeface="Arial"/>
+        <a:font script="Thai" typeface="Cordia New"/>
+        <a:font script="Ethi" typeface="Nyala"/>
+        <a:font script="Beng" typeface="Vrinda"/>
+        <a:font script="Gujr" typeface="Shruti"/>
+        <a:font script="Khmr" typeface="DaunPenh"/>
+        <a:font script="Knda" typeface="Tunga"/>
+        <a:font script="Guru" typeface="Raavi"/>
+        <a:font script="Cans" typeface="Euphemia"/>
+        <a:font script="Cher" typeface="Plantagenet Cherokee"/>
+        <a:font script="Yiii" typeface="Microsoft Yi Baiti"/>
+        <a:font script="Tibt" typeface="Microsoft Himalaya"/>
+        <a:font script="Thaa" typeface="MV Boli"/>
+        <a:font script="Deva" typeface="Mangal"/>
+        <a:font script="Telu" typeface="Gautami"/>
+        <a:font script="Taml" typeface="Latha"/>
+        <a:font script="Syrc" typeface="Estrangelo Edessa"/>
+        <a:font script="Orya" typeface="Kalinga"/>
+        <a:font script="Mlym" typeface="Kartika"/>
+        <a:font script="Laoo" typeface="DokChampa"/>
+        <a:font script="Sinh" typeface="Iskoola Pota"/>
+        <a:font script="Mong" typeface="Mongolian Baiti"/>
+        <a:font script="Viet" typeface="Arial"/>
+        <a:font script="Uigh" typeface="Microsoft Uighur"/>
+        <a:font script="Geor" typeface="Sylfaen"/>
+      </a:minorFont>
+    </a:fontScheme>
+    <a:fmtScheme name="Office">
+      <a:fillStyleLst>
+        <a:solidFill>
+          <a:schemeClr val="phClr"/>
+        </a:solidFill>
+        <a:gradFill rotWithShape="1">
+          <a:gsLst>
+            <a:gs pos="0">
+              <a:schemeClr val="phClr">
+                <a:lumMod val="110000"/>
+                <a:satMod val="105000"/>
+                <a:tint val="67000"/>
+              </a:schemeClr>
+            </a:gs>
+            <a:gs pos="50000">
+              <a:schemeClr val="phClr">
+                <a:lumMod val="105000"/>
+                <a:satMod val="103000"/>
+                <a:tint val="73000"/>
+              </a:schemeClr>
+            </a:gs>
+            <a:gs pos="100000">
+              <a:schemeClr val="phClr">
+                <a:lumMod val="105000"/>
+                <a:satMod val="109000"/>
+                <a:tint val="81000"/>
+              </a:schemeClr>
+            </a:gs>
+          </a:gsLst>
+          <a:lin ang="5400000" scaled="0"/>
+        </a:gradFill>
+        <a:gradFill rotWithShape="1">
+          <a:gsLst>
+            <a:gs pos="0">
+              <a:schemeClr val="phClr">
+                <a:satMod val="103000"/>
+                <a:lumMod val="102000"/>
+                <a:tint val="94000"/>
+              </a:schemeClr>
+            </a:gs>
+            <a:gs pos="50000">
+              <a:schemeClr val="phClr">
+                <a:satMod val="110000"/>
+                <a:lumMod val="100000"/>
+                <a:shade val="100000"/>
+              </a:schemeClr>
+            </a:gs>
+            <a:gs pos="100000">
+              <a:schemeClr val="phClr">
+                <a:lumMod val="99000"/>
+                <a:satMod val="120000"/>
+                <a:shade val="78000"/>
+              </a:schemeClr>
+            </a:gs>
+          </a:gsLst>
+          <a:lin ang="5400000" scaled="0"/>
+        </a:gradFill>
+      </a:fillStyleLst>
+      <a:lnStyleLst>
+        <a:ln w="6350" cap="flat" cmpd="sng" algn="ctr">
+          <a:solidFill>
+            <a:schemeClr val="phClr"/>
+          </a:solidFill>
+          <a:prstDash val="solid"/>
+          <a:miter lim="800000"/>
+        </a:ln>
+        <a:ln w="12700" cap="flat" cmpd="sng" algn="ctr">
+          <a:solidFill>
+            <a:schemeClr val="phClr"/>
+          </a:solidFill>
+          <a:prstDash val="solid"/>
+          <a:miter lim="800000"/>
+        </a:ln>
+        <a:ln w="19050" cap="flat" cmpd="sng" algn="ctr">
+          <a:solidFill>
+            <a:schemeClr val="phClr"/>
+          </a:solidFill>
+          <a:prstDash val="solid"/>
+          <a:miter lim="800000"/>
+        </a:ln>
+      </a:lnStyleLst>
+      <a:effectStyleLst>
+        <a:effectStyle>
+          <a:effectLst/>
+        </a:effectStyle>
+        <a:effectStyle>
+          <a:effectLst/>
+        </a:effectStyle>
+        <a:effectStyle>
+          <a:effectLst>
+            <a:outerShdw blurRad="57150" dist="19050" dir="5400000" algn="ctr" rotWithShape="0">
+              <a:srgbClr val="000000">
+                <a:alpha val="63000"/>
+              </a:srgbClr>
+            </a:outerShdw>
+          </a:effectLst>
+        </a:effectStyle>
+      </a:effectStyleLst>
+      <a:bgFillStyleLst>
+        <a:solidFill>
+          <a:schemeClr val="phClr"/>
+        </a:solidFill>
+        <a:solidFill>
+          <a:schemeClr val="phClr">
+            <a:tint val="95000"/>
+            <a:satMod val="170000"/>
+          </a:schemeClr>
+        </a:solidFill>
+        <a:gradFill rotWithShape="1">
+          <a:gsLst>
+            <a:gs pos="0">
+              <a:schemeClr val="phClr">
+                <a:tint val="93000"/>
+                <a:satMod val="150000"/>
+                <a:shade val="98000"/>
+                <a:lumMod val="102000"/>
+              </a:schemeClr>
+            </a:gs>
+            <a:gs pos="50000">
+              <a:schemeClr val="phClr">
+                <a:tint val="98000"/>
+                <a:satMod val="130000"/>
+                <a:shade val="90000"/>
+                <a:lumMod val="103000"/>
+              </a:schemeClr>
+            </a:gs>
+            <a:gs pos="100000">
+              <a:schemeClr val="phClr">
+                <a:shade val="63000"/>
+                <a:satMod val="120000"/>
+              </a:schemeClr>
+            </a:gs>
+          </a:gsLst>
+          <a:lin ang="5400000" scaled="0"/>
+        </a:gradFill>
+      </a:bgFillStyleLst>
+    </a:fmtScheme>
+  </a:themeElements>
+  <a:objectDefaults/>
+  <a:extraClrSchemeLst/>
+  <a:extLst>
+    <a:ext uri="{05A4C25C-085E-4340-85A3-A5531E510DB2}">
+      <thm15:themeFamily xmlns:thm15="http://schemas.microsoft.com/office/thememl/2012/main" name="Office Theme" id="{62F939B6-93AF-4DB8-9C6B-D6C7DFDC589F}" vid="{4A3C46E8-61CC-4603-A589-7422A47A8E4A}"/>
+    </a:ext>
+  </a:extLst>
+</a:theme>
 </file>
--- a/微服务架构之Dubbo入门介绍.pptx
+++ b/微服务架构之Dubbo入门介绍.pptx
@@ -219,7 +219,7 @@
           <a:p>
             <a:fld id="{476B1495-AF0D-4C95-8503-768AD394682D}" type="datetimeFigureOut">
               <a:rPr lang="zh-CN" altLang="en-US" smtClean="0"/>
-              <a:t>2018-11-26</a:t>
+              <a:t>2018-11-28</a:t>
             </a:fld>
             <a:endParaRPr lang="zh-CN" altLang="en-US"/>
           </a:p>
@@ -397,7 +397,7 @@
           <a:p>
             <a:fld id="{87118E77-F42B-714E-BAF3-7892E33504A8}" type="datetimeFigureOut">
               <a:rPr kumimoji="1" lang="zh-CN" altLang="en-US" smtClean="0"/>
-              <a:t>2018-11-26</a:t>
+              <a:t>2018-11-28</a:t>
             </a:fld>
             <a:endParaRPr kumimoji="1" lang="zh-CN" altLang="en-US"/>
           </a:p>
@@ -834,6 +834,94 @@
 </p:notes>
 </file>
 
+<file path=ppt/notesSlides/notesSlide3.xml><?xml version="1.0" encoding="utf-8"?>
+<p:notes xmlns:a="http://schemas.openxmlformats.org/drawingml/2006/main" xmlns:r="http://schemas.openxmlformats.org/officeDocument/2006/relationships" xmlns:p="http://schemas.openxmlformats.org/presentationml/2006/main">
+  <p:cSld>
+    <p:spTree>
+      <p:nvGrpSpPr>
+        <p:cNvPr id="1" name=""/>
+        <p:cNvGrpSpPr/>
+        <p:nvPr/>
+      </p:nvGrpSpPr>
+      <p:grpSpPr>
+        <a:xfrm>
+          <a:off x="0" y="0"/>
+          <a:ext cx="0" cy="0"/>
+          <a:chOff x="0" y="0"/>
+          <a:chExt cx="0" cy="0"/>
+        </a:xfrm>
+      </p:grpSpPr>
+      <p:sp>
+        <p:nvSpPr>
+          <p:cNvPr id="2" name="幻灯片图像占位符 1"/>
+          <p:cNvSpPr>
+            <a:spLocks noGrp="1" noRot="1" noChangeAspect="1"/>
+          </p:cNvSpPr>
+          <p:nvPr>
+            <p:ph type="sldImg"/>
+          </p:nvPr>
+        </p:nvSpPr>
+        <p:spPr/>
+      </p:sp>
+      <p:sp>
+        <p:nvSpPr>
+          <p:cNvPr id="3" name="备注占位符 2"/>
+          <p:cNvSpPr>
+            <a:spLocks noGrp="1"/>
+          </p:cNvSpPr>
+          <p:nvPr>
+            <p:ph type="body" idx="1"/>
+          </p:nvPr>
+        </p:nvSpPr>
+        <p:spPr/>
+        <p:txBody>
+          <a:bodyPr/>
+          <a:lstStyle/>
+          <a:p>
+            <a:r>
+              <a:rPr lang="zh-CN" altLang="en-US" dirty="0" smtClean="0"/>
+              <a:t>接着看个示例</a:t>
+            </a:r>
+            <a:endParaRPr lang="zh-CN" altLang="en-US" dirty="0"/>
+          </a:p>
+        </p:txBody>
+      </p:sp>
+      <p:sp>
+        <p:nvSpPr>
+          <p:cNvPr id="4" name="灯片编号占位符 3"/>
+          <p:cNvSpPr>
+            <a:spLocks noGrp="1"/>
+          </p:cNvSpPr>
+          <p:nvPr>
+            <p:ph type="sldNum" sz="quarter" idx="10"/>
+          </p:nvPr>
+        </p:nvSpPr>
+        <p:spPr/>
+        <p:txBody>
+          <a:bodyPr/>
+          <a:lstStyle/>
+          <a:p>
+            <a:fld id="{1E556ABE-D2FE-D14F-8E47-5B41215A56F3}" type="slidenum">
+              <a:rPr kumimoji="1" lang="zh-CN" altLang="en-US" smtClean="0"/>
+              <a:t>6</a:t>
+            </a:fld>
+            <a:endParaRPr kumimoji="1" lang="zh-CN" altLang="en-US"/>
+          </a:p>
+        </p:txBody>
+      </p:sp>
+    </p:spTree>
+    <p:extLst>
+      <p:ext uri="{BB962C8B-B14F-4D97-AF65-F5344CB8AC3E}">
+        <p14:creationId xmlns:p14="http://schemas.microsoft.com/office/powerpoint/2010/main" val="2178982845"/>
+      </p:ext>
+    </p:extLst>
+  </p:cSld>
+  <p:clrMapOvr>
+    <a:masterClrMapping/>
+  </p:clrMapOvr>
+</p:notes>
+</file>
+
 <file path=ppt/slideLayouts/slideLayout1.xml><?xml version="1.0" encoding="utf-8"?>
 <p:sldLayout xmlns:a="http://schemas.openxmlformats.org/drawingml/2006/main" xmlns:r="http://schemas.openxmlformats.org/officeDocument/2006/relationships" xmlns:p="http://schemas.openxmlformats.org/presentationml/2006/main" type="title" preserve="1">
   <p:cSld name="标题幻灯片">
@@ -973,7 +1061,7 @@
           <a:p>
             <a:fld id="{75D16FDC-289F-4F8A-94DD-DA2C2CF142A1}" type="datetime1">
               <a:rPr lang="en-US" altLang="zh-CN" smtClean="0"/>
-              <a:t>11/26/2018</a:t>
+              <a:t>11/28/2018</a:t>
             </a:fld>
             <a:endParaRPr lang="en-US" dirty="0"/>
           </a:p>
@@ -1191,7 +1279,7 @@
           <a:p>
             <a:fld id="{AB6FC466-9147-47CC-8AA3-5703DBF2ADF1}" type="datetime1">
               <a:rPr lang="en-US" altLang="zh-CN" smtClean="0"/>
-              <a:t>11/26/2018</a:t>
+              <a:t>11/28/2018</a:t>
             </a:fld>
             <a:endParaRPr lang="en-US" dirty="0"/>
           </a:p>
@@ -1413,7 +1501,7 @@
           <a:p>
             <a:fld id="{046122D6-A3C6-4BA2-95B6-E7D1461CAA70}" type="datetime1">
               <a:rPr lang="en-US" altLang="zh-CN" smtClean="0"/>
-              <a:t>11/26/2018</a:t>
+              <a:t>11/28/2018</a:t>
             </a:fld>
             <a:endParaRPr lang="en-US" dirty="0"/>
           </a:p>
@@ -1621,7 +1709,7 @@
           <a:p>
             <a:fld id="{89462FD3-B06E-453A-B266-CFE8C6F34B88}" type="datetime1">
               <a:rPr lang="en-US" altLang="zh-CN" smtClean="0"/>
-              <a:t>11/26/2018</a:t>
+              <a:t>11/28/2018</a:t>
             </a:fld>
             <a:endParaRPr lang="en-US" dirty="0"/>
           </a:p>
@@ -1907,7 +1995,7 @@
           <a:p>
             <a:fld id="{786878D2-D561-4774-81F5-E4DB00A4D7D9}" type="datetime1">
               <a:rPr lang="en-US" altLang="zh-CN" smtClean="0"/>
-              <a:t>11/26/2018</a:t>
+              <a:t>11/28/2018</a:t>
             </a:fld>
             <a:endParaRPr lang="en-US" dirty="0"/>
           </a:p>
@@ -2182,7 +2270,7 @@
           <a:p>
             <a:fld id="{F1ED207B-C687-40F6-A2EB-FC5E7BF1F099}" type="datetime1">
               <a:rPr lang="en-US" altLang="zh-CN" smtClean="0"/>
-              <a:t>11/26/2018</a:t>
+              <a:t>11/28/2018</a:t>
             </a:fld>
             <a:endParaRPr lang="en-US" dirty="0"/>
           </a:p>
@@ -2605,7 +2693,7 @@
           <a:p>
             <a:fld id="{398F76A9-F93E-4E0B-A5B8-EA5BE1969FE7}" type="datetime1">
               <a:rPr lang="en-US" altLang="zh-CN" smtClean="0"/>
-              <a:t>11/26/2018</a:t>
+              <a:t>11/28/2018</a:t>
             </a:fld>
             <a:endParaRPr lang="en-US" dirty="0"/>
           </a:p>
@@ -2761,7 +2849,7 @@
           <a:p>
             <a:fld id="{F953B2E7-6B7E-4379-A08B-1A8F490C9E91}" type="datetime1">
               <a:rPr lang="en-US" altLang="zh-CN" smtClean="0"/>
-              <a:t>11/26/2018</a:t>
+              <a:t>11/28/2018</a:t>
             </a:fld>
             <a:endParaRPr lang="en-US" dirty="0"/>
           </a:p>
@@ -2894,7 +2982,7 @@
           <a:p>
             <a:fld id="{89AA46C5-C8E7-48AE-BFE0-C90D376BA454}" type="datetime1">
               <a:rPr lang="en-US" altLang="zh-CN" smtClean="0"/>
-              <a:t>11/26/2018</a:t>
+              <a:t>11/28/2018</a:t>
             </a:fld>
             <a:endParaRPr lang="en-US" dirty="0"/>
           </a:p>
@@ -3152,7 +3240,7 @@
           <a:p>
             <a:fld id="{FE77E35A-664E-4276-B4BA-144D29511158}" type="datetime1">
               <a:rPr lang="en-US" altLang="zh-CN" smtClean="0"/>
-              <a:t>11/26/2018</a:t>
+              <a:t>11/28/2018</a:t>
             </a:fld>
             <a:endParaRPr lang="en-US" dirty="0"/>
           </a:p>
@@ -3604,7 +3692,7 @@
           <a:p>
             <a:fld id="{0F70E82C-8637-4F8D-9DED-7F23A134F8C4}" type="datetime1">
               <a:rPr lang="en-US" altLang="zh-CN" smtClean="0"/>
-              <a:t>11/26/2018</a:t>
+              <a:t>11/28/2018</a:t>
             </a:fld>
             <a:endParaRPr lang="en-US" dirty="0"/>
           </a:p>
@@ -3937,7 +4025,7 @@
           <a:p>
             <a:fld id="{C39FF7EF-D69A-4F50-88C2-06975EB3651E}" type="datetime1">
               <a:rPr lang="en-US" altLang="zh-CN" smtClean="0"/>
-              <a:t>11/26/2018</a:t>
+              <a:t>11/28/2018</a:t>
             </a:fld>
             <a:endParaRPr lang="en-US" dirty="0"/>
           </a:p>
@@ -4643,7 +4731,7 @@
         </p:blipFill>
         <p:spPr>
           <a:xfrm>
-            <a:off x="1022246" y="2365386"/>
+            <a:off x="1031390" y="2374530"/>
             <a:ext cx="10461940" cy="2527248"/>
           </a:xfrm>
         </p:spPr>

--- a/微服务架构之Dubbo入门介绍.pptx
+++ b/微服务架构之Dubbo入门介绍.pptx
@@ -219,7 +219,7 @@
           <a:p>
             <a:fld id="{476B1495-AF0D-4C95-8503-768AD394682D}" type="datetimeFigureOut">
               <a:rPr lang="zh-CN" altLang="en-US" smtClean="0"/>
-              <a:t>2018-11-28</a:t>
+              <a:t>2018-12-03</a:t>
             </a:fld>
             <a:endParaRPr lang="zh-CN" altLang="en-US"/>
           </a:p>
@@ -397,7 +397,7 @@
           <a:p>
             <a:fld id="{87118E77-F42B-714E-BAF3-7892E33504A8}" type="datetimeFigureOut">
               <a:rPr kumimoji="1" lang="zh-CN" altLang="en-US" smtClean="0"/>
-              <a:t>2018-11-28</a:t>
+              <a:t>2018-12-03</a:t>
             </a:fld>
             <a:endParaRPr kumimoji="1" lang="zh-CN" altLang="en-US"/>
           </a:p>
@@ -710,7 +710,7 @@
           <a:bodyPr/>
           <a:lstStyle/>
           <a:p>
-            <a:endParaRPr lang="zh-CN" altLang="en-US"/>
+            <a:endParaRPr lang="zh-CN" altLang="en-US" dirty="0"/>
           </a:p>
         </p:txBody>
       </p:sp>
@@ -794,6 +794,282 @@
           <a:bodyPr/>
           <a:lstStyle/>
           <a:p>
+            <a:pPr marL="0" marR="0" lvl="0" indent="0" algn="l" defTabSz="914400" rtl="0" eaLnBrk="1" fontAlgn="auto" latinLnBrk="0" hangingPunct="1">
+              <a:lnSpc>
+                <a:spcPct val="100000"/>
+              </a:lnSpc>
+              <a:spcBef>
+                <a:spcPts val="0"/>
+              </a:spcBef>
+              <a:spcAft>
+                <a:spcPts val="0"/>
+              </a:spcAft>
+              <a:buClrTx/>
+              <a:buSzTx/>
+              <a:buFontTx/>
+              <a:buNone/>
+              <a:tabLst/>
+              <a:defRPr/>
+            </a:pPr>
+            <a:r>
+              <a:rPr lang="zh-CN" altLang="en-US" dirty="0" smtClean="0"/>
+              <a:t>在服务大规模化之前，可以利用</a:t>
+            </a:r>
+            <a:r>
+              <a:rPr lang="en-US" altLang="zh-CN" dirty="0" smtClean="0"/>
+              <a:t>RMI</a:t>
+            </a:r>
+            <a:r>
+              <a:rPr lang="zh-CN" altLang="en-US" dirty="0" smtClean="0"/>
+              <a:t>或者方式来进行调用，但是当</a:t>
+            </a:r>
+            <a:r>
+              <a:rPr lang="en-US" altLang="zh-CN" dirty="0" smtClean="0"/>
+              <a:t>URL</a:t>
+            </a:r>
+            <a:r>
+              <a:rPr lang="zh-CN" altLang="en-US" dirty="0" smtClean="0"/>
+              <a:t>较多时，管理起来就比较困难，</a:t>
+            </a:r>
+            <a:r>
+              <a:rPr lang="en-US" altLang="zh-CN" dirty="0" smtClean="0"/>
+              <a:t>F5 </a:t>
+            </a:r>
+            <a:r>
+              <a:rPr lang="zh-CN" altLang="en-US" dirty="0" smtClean="0"/>
+              <a:t>硬件负载均衡器的单点压力也越来越大。</a:t>
+            </a:r>
+            <a:r>
+              <a:rPr lang="en-US" altLang="zh-CN" dirty="0" smtClean="0"/>
+              <a:t>Hessian</a:t>
+            </a:r>
+            <a:r>
+              <a:rPr lang="zh-CN" altLang="en-US" dirty="0" smtClean="0"/>
+              <a:t>等工具，暴露和引用远程服务，然后调用方通过配置</a:t>
+            </a:r>
+            <a:r>
+              <a:rPr lang="en-US" altLang="zh-CN" dirty="0" smtClean="0"/>
+              <a:t>URL</a:t>
+            </a:r>
+            <a:r>
+              <a:rPr lang="zh-CN" altLang="en-US" dirty="0" smtClean="0"/>
+              <a:t>的</a:t>
+            </a:r>
+            <a:endParaRPr lang="en-US" altLang="zh-CN" dirty="0" smtClean="0"/>
+          </a:p>
+          <a:p>
+            <a:endParaRPr lang="zh-CN" altLang="en-US" dirty="0"/>
+          </a:p>
+        </p:txBody>
+      </p:sp>
+      <p:sp>
+        <p:nvSpPr>
+          <p:cNvPr id="4" name="灯片编号占位符 3"/>
+          <p:cNvSpPr>
+            <a:spLocks noGrp="1"/>
+          </p:cNvSpPr>
+          <p:nvPr>
+            <p:ph type="sldNum" sz="quarter" idx="10"/>
+          </p:nvPr>
+        </p:nvSpPr>
+        <p:spPr/>
+        <p:txBody>
+          <a:bodyPr/>
+          <a:lstStyle/>
+          <a:p>
+            <a:fld id="{1E556ABE-D2FE-D14F-8E47-5B41215A56F3}" type="slidenum">
+              <a:rPr kumimoji="1" lang="zh-CN" altLang="en-US" smtClean="0"/>
+              <a:t>2</a:t>
+            </a:fld>
+            <a:endParaRPr kumimoji="1" lang="zh-CN" altLang="en-US"/>
+          </a:p>
+        </p:txBody>
+      </p:sp>
+    </p:spTree>
+    <p:extLst>
+      <p:ext uri="{BB962C8B-B14F-4D97-AF65-F5344CB8AC3E}">
+        <p14:creationId xmlns:p14="http://schemas.microsoft.com/office/powerpoint/2010/main" val="3403225877"/>
+      </p:ext>
+    </p:extLst>
+  </p:cSld>
+  <p:clrMapOvr>
+    <a:masterClrMapping/>
+  </p:clrMapOvr>
+</p:notes>
+</file>
+
+<file path=ppt/notesSlides/notesSlide3.xml><?xml version="1.0" encoding="utf-8"?>
+<p:notes xmlns:a="http://schemas.openxmlformats.org/drawingml/2006/main" xmlns:r="http://schemas.openxmlformats.org/officeDocument/2006/relationships" xmlns:p="http://schemas.openxmlformats.org/presentationml/2006/main">
+  <p:cSld>
+    <p:spTree>
+      <p:nvGrpSpPr>
+        <p:cNvPr id="1" name=""/>
+        <p:cNvGrpSpPr/>
+        <p:nvPr/>
+      </p:nvGrpSpPr>
+      <p:grpSpPr>
+        <a:xfrm>
+          <a:off x="0" y="0"/>
+          <a:ext cx="0" cy="0"/>
+          <a:chOff x="0" y="0"/>
+          <a:chExt cx="0" cy="0"/>
+        </a:xfrm>
+      </p:grpSpPr>
+      <p:sp>
+        <p:nvSpPr>
+          <p:cNvPr id="2" name="幻灯片图像占位符 1"/>
+          <p:cNvSpPr>
+            <a:spLocks noGrp="1" noRot="1" noChangeAspect="1"/>
+          </p:cNvSpPr>
+          <p:nvPr>
+            <p:ph type="sldImg"/>
+          </p:nvPr>
+        </p:nvSpPr>
+        <p:spPr/>
+      </p:sp>
+      <p:sp>
+        <p:nvSpPr>
+          <p:cNvPr id="3" name="备注占位符 2"/>
+          <p:cNvSpPr>
+            <a:spLocks noGrp="1"/>
+          </p:cNvSpPr>
+          <p:nvPr>
+            <p:ph type="body" idx="1"/>
+          </p:nvPr>
+        </p:nvSpPr>
+        <p:spPr/>
+        <p:txBody>
+          <a:bodyPr/>
+          <a:lstStyle/>
+          <a:p>
+            <a:r>
+              <a:rPr lang="zh-CN" altLang="en-US" dirty="0" smtClean="0"/>
+              <a:t>在服务大规模化之前，可以利用</a:t>
+            </a:r>
+            <a:r>
+              <a:rPr lang="en-US" altLang="zh-CN" dirty="0" smtClean="0"/>
+              <a:t>RMI</a:t>
+            </a:r>
+            <a:r>
+              <a:rPr lang="zh-CN" altLang="en-US" dirty="0" smtClean="0"/>
+              <a:t>或者</a:t>
+            </a:r>
+            <a:r>
+              <a:rPr lang="en-US" altLang="zh-CN" dirty="0" smtClean="0"/>
+              <a:t>Hessian</a:t>
+            </a:r>
+            <a:r>
+              <a:rPr lang="zh-CN" altLang="en-US" dirty="0" smtClean="0"/>
+              <a:t>等工具，暴露和引用远程服务，然后调用方通过配置</a:t>
+            </a:r>
+            <a:r>
+              <a:rPr lang="en-US" altLang="zh-CN" dirty="0" smtClean="0"/>
+              <a:t>URL</a:t>
+            </a:r>
+            <a:r>
+              <a:rPr lang="zh-CN" altLang="en-US" dirty="0" smtClean="0"/>
+              <a:t>的方式来进行调用，但是当</a:t>
+            </a:r>
+            <a:r>
+              <a:rPr lang="en-US" altLang="zh-CN" dirty="0" smtClean="0"/>
+              <a:t>URL</a:t>
+            </a:r>
+            <a:r>
+              <a:rPr lang="zh-CN" altLang="en-US" dirty="0" smtClean="0"/>
+              <a:t>较多时，管理起来就比较困难，</a:t>
+            </a:r>
+            <a:r>
+              <a:rPr lang="en-US" altLang="zh-CN" dirty="0" smtClean="0"/>
+              <a:t>F5 </a:t>
+            </a:r>
+            <a:r>
+              <a:rPr lang="zh-CN" altLang="en-US" dirty="0" smtClean="0"/>
+              <a:t>硬件负载均衡器的单点压力也越来越大。</a:t>
+            </a:r>
+            <a:endParaRPr lang="en-US" altLang="zh-CN" dirty="0" smtClean="0"/>
+          </a:p>
+        </p:txBody>
+      </p:sp>
+      <p:sp>
+        <p:nvSpPr>
+          <p:cNvPr id="4" name="灯片编号占位符 3"/>
+          <p:cNvSpPr>
+            <a:spLocks noGrp="1"/>
+          </p:cNvSpPr>
+          <p:nvPr>
+            <p:ph type="sldNum" sz="quarter" idx="10"/>
+          </p:nvPr>
+        </p:nvSpPr>
+        <p:spPr/>
+        <p:txBody>
+          <a:bodyPr/>
+          <a:lstStyle/>
+          <a:p>
+            <a:fld id="{1E556ABE-D2FE-D14F-8E47-5B41215A56F3}" type="slidenum">
+              <a:rPr kumimoji="1" lang="zh-CN" altLang="en-US" smtClean="0"/>
+              <a:t>3</a:t>
+            </a:fld>
+            <a:endParaRPr kumimoji="1" lang="zh-CN" altLang="en-US"/>
+          </a:p>
+        </p:txBody>
+      </p:sp>
+    </p:spTree>
+    <p:extLst>
+      <p:ext uri="{BB962C8B-B14F-4D97-AF65-F5344CB8AC3E}">
+        <p14:creationId xmlns:p14="http://schemas.microsoft.com/office/powerpoint/2010/main" val="359874689"/>
+      </p:ext>
+    </p:extLst>
+  </p:cSld>
+  <p:clrMapOvr>
+    <a:masterClrMapping/>
+  </p:clrMapOvr>
+</p:notes>
+</file>
+
+<file path=ppt/notesSlides/notesSlide4.xml><?xml version="1.0" encoding="utf-8"?>
+<p:notes xmlns:a="http://schemas.openxmlformats.org/drawingml/2006/main" xmlns:r="http://schemas.openxmlformats.org/officeDocument/2006/relationships" xmlns:p="http://schemas.openxmlformats.org/presentationml/2006/main">
+  <p:cSld>
+    <p:spTree>
+      <p:nvGrpSpPr>
+        <p:cNvPr id="1" name=""/>
+        <p:cNvGrpSpPr/>
+        <p:nvPr/>
+      </p:nvGrpSpPr>
+      <p:grpSpPr>
+        <a:xfrm>
+          <a:off x="0" y="0"/>
+          <a:ext cx="0" cy="0"/>
+          <a:chOff x="0" y="0"/>
+          <a:chExt cx="0" cy="0"/>
+        </a:xfrm>
+      </p:grpSpPr>
+      <p:sp>
+        <p:nvSpPr>
+          <p:cNvPr id="2" name="幻灯片图像占位符 1"/>
+          <p:cNvSpPr>
+            <a:spLocks noGrp="1" noRot="1" noChangeAspect="1"/>
+          </p:cNvSpPr>
+          <p:nvPr>
+            <p:ph type="sldImg"/>
+          </p:nvPr>
+        </p:nvSpPr>
+        <p:spPr/>
+      </p:sp>
+      <p:sp>
+        <p:nvSpPr>
+          <p:cNvPr id="3" name="备注占位符 2"/>
+          <p:cNvSpPr>
+            <a:spLocks noGrp="1"/>
+          </p:cNvSpPr>
+          <p:nvPr>
+            <p:ph type="body" idx="1"/>
+          </p:nvPr>
+        </p:nvSpPr>
+        <p:spPr/>
+        <p:txBody>
+          <a:bodyPr/>
+          <a:lstStyle/>
+          <a:p>
             <a:endParaRPr kumimoji="1" lang="zh-CN" altLang="en-US" dirty="0"/>
           </a:p>
         </p:txBody>
@@ -834,7 +1110,7 @@
 </p:notes>
 </file>
 
-<file path=ppt/notesSlides/notesSlide3.xml><?xml version="1.0" encoding="utf-8"?>
+<file path=ppt/notesSlides/notesSlide5.xml><?xml version="1.0" encoding="utf-8"?>
 <p:notes xmlns:a="http://schemas.openxmlformats.org/drawingml/2006/main" xmlns:r="http://schemas.openxmlformats.org/officeDocument/2006/relationships" xmlns:p="http://schemas.openxmlformats.org/presentationml/2006/main">
   <p:cSld>
     <p:spTree>
@@ -1059,9 +1335,9 @@
           <a:bodyPr/>
           <a:lstStyle/>
           <a:p>
-            <a:fld id="{75D16FDC-289F-4F8A-94DD-DA2C2CF142A1}" type="datetime1">
+            <a:fld id="{CBE3A736-AF1A-4DC5-8A9D-C0105E61CD48}" type="datetime1">
               <a:rPr lang="en-US" altLang="zh-CN" smtClean="0"/>
-              <a:t>11/28/2018</a:t>
+              <a:t>12/3/2018</a:t>
             </a:fld>
             <a:endParaRPr lang="en-US" dirty="0"/>
           </a:p>
@@ -1087,14 +1363,6 @@
           <a:bodyPr/>
           <a:lstStyle/>
           <a:p>
-            <a:r>
-              <a:rPr lang="en-US" smtClean="0"/>
-              <a:t>Dubbo</a:t>
-            </a:r>
-            <a:r>
-              <a:rPr lang="zh-CN" altLang="en-US" smtClean="0"/>
-              <a:t>官网：</a:t>
-            </a:r>
             <a:r>
               <a:rPr lang="en-US" smtClean="0"/>
               <a:t>dubbo.apache.org</a:t>
@@ -1277,9 +1545,9 @@
           <a:bodyPr/>
           <a:lstStyle/>
           <a:p>
-            <a:fld id="{AB6FC466-9147-47CC-8AA3-5703DBF2ADF1}" type="datetime1">
+            <a:fld id="{27292B60-38D9-4956-9B5D-E7B3CA50F089}" type="datetime1">
               <a:rPr lang="en-US" altLang="zh-CN" smtClean="0"/>
-              <a:t>11/28/2018</a:t>
+              <a:t>12/3/2018</a:t>
             </a:fld>
             <a:endParaRPr lang="en-US" dirty="0"/>
           </a:p>
@@ -1300,14 +1568,6 @@
           <a:bodyPr/>
           <a:lstStyle/>
           <a:p>
-            <a:r>
-              <a:rPr lang="en-US" smtClean="0"/>
-              <a:t>Dubbo</a:t>
-            </a:r>
-            <a:r>
-              <a:rPr lang="zh-CN" altLang="en-US" smtClean="0"/>
-              <a:t>官网：</a:t>
-            </a:r>
             <a:r>
               <a:rPr lang="en-US" smtClean="0"/>
               <a:t>dubbo.apache.org</a:t>
@@ -1499,9 +1759,9 @@
           <a:bodyPr/>
           <a:lstStyle/>
           <a:p>
-            <a:fld id="{046122D6-A3C6-4BA2-95B6-E7D1461CAA70}" type="datetime1">
+            <a:fld id="{2C5064CD-1357-4AE4-8E03-41E5C46498A6}" type="datetime1">
               <a:rPr lang="en-US" altLang="zh-CN" smtClean="0"/>
-              <a:t>11/28/2018</a:t>
+              <a:t>12/3/2018</a:t>
             </a:fld>
             <a:endParaRPr lang="en-US" dirty="0"/>
           </a:p>
@@ -1522,14 +1782,6 @@
           <a:bodyPr/>
           <a:lstStyle/>
           <a:p>
-            <a:r>
-              <a:rPr lang="en-US" smtClean="0"/>
-              <a:t>Dubbo</a:t>
-            </a:r>
-            <a:r>
-              <a:rPr lang="zh-CN" altLang="en-US" smtClean="0"/>
-              <a:t>官网：</a:t>
-            </a:r>
             <a:r>
               <a:rPr lang="en-US" smtClean="0"/>
               <a:t>dubbo.apache.org</a:t>
@@ -1707,9 +1959,9 @@
           <a:bodyPr/>
           <a:lstStyle/>
           <a:p>
-            <a:fld id="{89462FD3-B06E-453A-B266-CFE8C6F34B88}" type="datetime1">
+            <a:fld id="{7E1EC02C-6865-490D-9F04-B7C1B5169453}" type="datetime1">
               <a:rPr lang="en-US" altLang="zh-CN" smtClean="0"/>
-              <a:t>11/28/2018</a:t>
+              <a:t>12/3/2018</a:t>
             </a:fld>
             <a:endParaRPr lang="en-US" dirty="0"/>
           </a:p>
@@ -1730,14 +1982,6 @@
           <a:bodyPr/>
           <a:lstStyle/>
           <a:p>
-            <a:r>
-              <a:rPr lang="en-US" smtClean="0"/>
-              <a:t>Dubbo</a:t>
-            </a:r>
-            <a:r>
-              <a:rPr lang="zh-CN" altLang="en-US" smtClean="0"/>
-              <a:t>官网：</a:t>
-            </a:r>
             <a:r>
               <a:rPr lang="en-US" smtClean="0"/>
               <a:t>dubbo.apache.org</a:t>
@@ -1993,9 +2237,9 @@
           <a:bodyPr/>
           <a:lstStyle/>
           <a:p>
-            <a:fld id="{786878D2-D561-4774-81F5-E4DB00A4D7D9}" type="datetime1">
+            <a:fld id="{428478A4-E535-4878-9C5C-459BFC9B0375}" type="datetime1">
               <a:rPr lang="en-US" altLang="zh-CN" smtClean="0"/>
-              <a:t>11/28/2018</a:t>
+              <a:t>12/3/2018</a:t>
             </a:fld>
             <a:endParaRPr lang="en-US" dirty="0"/>
           </a:p>
@@ -2016,14 +2260,6 @@
           <a:bodyPr/>
           <a:lstStyle/>
           <a:p>
-            <a:r>
-              <a:rPr lang="en-US" smtClean="0"/>
-              <a:t>Dubbo</a:t>
-            </a:r>
-            <a:r>
-              <a:rPr lang="zh-CN" altLang="en-US" smtClean="0"/>
-              <a:t>官网：</a:t>
-            </a:r>
             <a:r>
               <a:rPr lang="en-US" smtClean="0"/>
               <a:t>dubbo.apache.org</a:t>
@@ -2268,9 +2504,9 @@
           <a:bodyPr/>
           <a:lstStyle/>
           <a:p>
-            <a:fld id="{F1ED207B-C687-40F6-A2EB-FC5E7BF1F099}" type="datetime1">
+            <a:fld id="{6A484E6D-1AD2-4434-9C21-309170205AB5}" type="datetime1">
               <a:rPr lang="en-US" altLang="zh-CN" smtClean="0"/>
-              <a:t>11/28/2018</a:t>
+              <a:t>12/3/2018</a:t>
             </a:fld>
             <a:endParaRPr lang="en-US" dirty="0"/>
           </a:p>
@@ -2291,14 +2527,6 @@
           <a:bodyPr/>
           <a:lstStyle/>
           <a:p>
-            <a:r>
-              <a:rPr lang="en-US" smtClean="0"/>
-              <a:t>Dubbo</a:t>
-            </a:r>
-            <a:r>
-              <a:rPr lang="zh-CN" altLang="en-US" smtClean="0"/>
-              <a:t>官网：</a:t>
-            </a:r>
             <a:r>
               <a:rPr lang="en-US" smtClean="0"/>
               <a:t>dubbo.apache.org</a:t>
@@ -2691,9 +2919,9 @@
           <a:bodyPr/>
           <a:lstStyle/>
           <a:p>
-            <a:fld id="{398F76A9-F93E-4E0B-A5B8-EA5BE1969FE7}" type="datetime1">
+            <a:fld id="{9208349A-3E0F-42BA-9721-EA63C0DB457B}" type="datetime1">
               <a:rPr lang="en-US" altLang="zh-CN" smtClean="0"/>
-              <a:t>11/28/2018</a:t>
+              <a:t>12/3/2018</a:t>
             </a:fld>
             <a:endParaRPr lang="en-US" dirty="0"/>
           </a:p>
@@ -2714,14 +2942,6 @@
           <a:bodyPr/>
           <a:lstStyle/>
           <a:p>
-            <a:r>
-              <a:rPr lang="en-US" smtClean="0"/>
-              <a:t>Dubbo</a:t>
-            </a:r>
-            <a:r>
-              <a:rPr lang="zh-CN" altLang="en-US" smtClean="0"/>
-              <a:t>官网：</a:t>
-            </a:r>
             <a:r>
               <a:rPr lang="en-US" smtClean="0"/>
               <a:t>dubbo.apache.org</a:t>
@@ -2847,9 +3067,9 @@
           <a:bodyPr/>
           <a:lstStyle/>
           <a:p>
-            <a:fld id="{F953B2E7-6B7E-4379-A08B-1A8F490C9E91}" type="datetime1">
+            <a:fld id="{E7623484-3DE6-482E-8753-66DD4E4D3272}" type="datetime1">
               <a:rPr lang="en-US" altLang="zh-CN" smtClean="0"/>
-              <a:t>11/28/2018</a:t>
+              <a:t>12/3/2018</a:t>
             </a:fld>
             <a:endParaRPr lang="en-US" dirty="0"/>
           </a:p>
@@ -2870,14 +3090,6 @@
           <a:bodyPr/>
           <a:lstStyle/>
           <a:p>
-            <a:r>
-              <a:rPr lang="en-US" smtClean="0"/>
-              <a:t>Dubbo</a:t>
-            </a:r>
-            <a:r>
-              <a:rPr lang="zh-CN" altLang="en-US" smtClean="0"/>
-              <a:t>官网：</a:t>
-            </a:r>
             <a:r>
               <a:rPr lang="en-US" smtClean="0"/>
               <a:t>dubbo.apache.org</a:t>
@@ -2980,9 +3192,9 @@
           <a:bodyPr/>
           <a:lstStyle/>
           <a:p>
-            <a:fld id="{89AA46C5-C8E7-48AE-BFE0-C90D376BA454}" type="datetime1">
+            <a:fld id="{4D54CC11-CF1C-4DF1-927D-ED5FF869C83A}" type="datetime1">
               <a:rPr lang="en-US" altLang="zh-CN" smtClean="0"/>
-              <a:t>11/28/2018</a:t>
+              <a:t>12/3/2018</a:t>
             </a:fld>
             <a:endParaRPr lang="en-US" dirty="0"/>
           </a:p>
@@ -3003,14 +3215,6 @@
           <a:bodyPr/>
           <a:lstStyle/>
           <a:p>
-            <a:r>
-              <a:rPr lang="en-US" smtClean="0"/>
-              <a:t>Dubbo</a:t>
-            </a:r>
-            <a:r>
-              <a:rPr lang="zh-CN" altLang="en-US" smtClean="0"/>
-              <a:t>官网：</a:t>
-            </a:r>
             <a:r>
               <a:rPr lang="en-US" smtClean="0"/>
               <a:t>dubbo.apache.org</a:t>
@@ -3238,9 +3442,9 @@
           <a:bodyPr/>
           <a:lstStyle/>
           <a:p>
-            <a:fld id="{FE77E35A-664E-4276-B4BA-144D29511158}" type="datetime1">
+            <a:fld id="{EFC0978E-C00F-4E64-9CC8-4EB4390F47B6}" type="datetime1">
               <a:rPr lang="en-US" altLang="zh-CN" smtClean="0"/>
-              <a:t>11/28/2018</a:t>
+              <a:t>12/3/2018</a:t>
             </a:fld>
             <a:endParaRPr lang="en-US" dirty="0"/>
           </a:p>
@@ -3261,14 +3465,6 @@
           <a:bodyPr/>
           <a:lstStyle/>
           <a:p>
-            <a:r>
-              <a:rPr lang="en-US" smtClean="0"/>
-              <a:t>Dubbo</a:t>
-            </a:r>
-            <a:r>
-              <a:rPr lang="zh-CN" altLang="en-US" smtClean="0"/>
-              <a:t>官网：</a:t>
-            </a:r>
             <a:r>
               <a:rPr lang="en-US" smtClean="0"/>
               <a:t>dubbo.apache.org</a:t>
@@ -3690,9 +3886,9 @@
             </a:lvl1pPr>
           </a:lstStyle>
           <a:p>
-            <a:fld id="{0F70E82C-8637-4F8D-9DED-7F23A134F8C4}" type="datetime1">
+            <a:fld id="{A67CBEAE-FEE5-4FAF-9069-E7ABDD1A3FD4}" type="datetime1">
               <a:rPr lang="en-US" altLang="zh-CN" smtClean="0"/>
-              <a:t>11/28/2018</a:t>
+              <a:t>12/3/2018</a:t>
             </a:fld>
             <a:endParaRPr lang="en-US" dirty="0"/>
           </a:p>
@@ -3718,14 +3914,6 @@
           <a:bodyPr/>
           <a:lstStyle/>
           <a:p>
-            <a:r>
-              <a:rPr lang="en-US" smtClean="0"/>
-              <a:t>Dubbo</a:t>
-            </a:r>
-            <a:r>
-              <a:rPr lang="zh-CN" altLang="en-US" smtClean="0"/>
-              <a:t>官网：</a:t>
-            </a:r>
             <a:r>
               <a:rPr lang="en-US" smtClean="0"/>
               <a:t>dubbo.apache.org</a:t>
@@ -4023,9 +4211,9 @@
             </a:lvl1pPr>
           </a:lstStyle>
           <a:p>
-            <a:fld id="{C39FF7EF-D69A-4F50-88C2-06975EB3651E}" type="datetime1">
+            <a:fld id="{BE89BC95-5897-444F-AADE-21F0F291A097}" type="datetime1">
               <a:rPr lang="en-US" altLang="zh-CN" smtClean="0"/>
-              <a:t>11/28/2018</a:t>
+              <a:t>12/3/2018</a:t>
             </a:fld>
             <a:endParaRPr lang="en-US" dirty="0"/>
           </a:p>
@@ -4064,14 +4252,6 @@
             </a:lvl1pPr>
           </a:lstStyle>
           <a:p>
-            <a:r>
-              <a:rPr lang="en-US" smtClean="0"/>
-              <a:t>Dubbo</a:t>
-            </a:r>
-            <a:r>
-              <a:rPr lang="zh-CN" altLang="en-US" smtClean="0"/>
-              <a:t>官网：</a:t>
-            </a:r>
             <a:r>
               <a:rPr lang="en-US" smtClean="0"/>
               <a:t>dubbo.apache.org</a:t>
@@ -4627,15 +4807,7 @@
           <a:lstStyle/>
           <a:p>
             <a:r>
-              <a:rPr lang="en-US" smtClean="0"/>
-              <a:t>Dubbo</a:t>
-            </a:r>
-            <a:r>
-              <a:rPr lang="zh-CN" altLang="en-US" smtClean="0"/>
-              <a:t>官网：</a:t>
-            </a:r>
-            <a:r>
-              <a:rPr lang="en-US" smtClean="0"/>
+              <a:rPr lang="en-US" dirty="0" smtClean="0"/>
               <a:t>dubbo.apache.org</a:t>
             </a:r>
             <a:endParaRPr lang="en-US" dirty="0"/>
@@ -4718,7 +4890,7 @@
           </p:nvPr>
         </p:nvPicPr>
         <p:blipFill>
-          <a:blip r:embed="rId2">
+          <a:blip r:embed="rId3">
             <a:extLst>
               <a:ext uri="{28A0092B-C50C-407E-A947-70E740481C1C}">
                 <a14:useLocalDpi xmlns:a14="http://schemas.microsoft.com/office/drawing/2010/main" val="0"/>
@@ -4756,14 +4928,6 @@
           <a:bodyPr/>
           <a:lstStyle/>
           <a:p>
-            <a:r>
-              <a:rPr lang="en-US" dirty="0" err="1" smtClean="0"/>
-              <a:t>Dubbo</a:t>
-            </a:r>
-            <a:r>
-              <a:rPr lang="zh-CN" altLang="en-US" dirty="0" smtClean="0"/>
-              <a:t>官网：</a:t>
-            </a:r>
             <a:r>
               <a:rPr lang="en-US" dirty="0" smtClean="0"/>
               <a:t>dubbo.apache.org</a:t>
@@ -5116,6 +5280,10 @@
               <a:rPr kumimoji="1" lang="zh-CN" altLang="en-US" dirty="0" smtClean="0"/>
               <a:t>。</a:t>
             </a:r>
+            <a:r>
+              <a:rPr kumimoji="1" lang="en-US" altLang="zh-CN" dirty="0" smtClean="0"/>
+              <a:t>5</a:t>
+            </a:r>
             <a:endParaRPr kumimoji="1" lang="zh-CN" altLang="en-US" dirty="0"/>
           </a:p>
         </p:txBody>
@@ -5141,15 +5309,7 @@
           <a:lstStyle/>
           <a:p>
             <a:r>
-              <a:rPr lang="en-US" dirty="0" err="1" smtClean="0"/>
-              <a:t>Dubbo</a:t>
-            </a:r>
-            <a:r>
-              <a:rPr lang="zh-CN" altLang="en-US" dirty="0" smtClean="0"/>
-              <a:t>官网：</a:t>
-            </a:r>
-            <a:r>
-              <a:rPr lang="en-US" dirty="0" smtClean="0"/>
+              <a:rPr lang="en-US" smtClean="0"/>
               <a:t>dubbo.apache.org</a:t>
             </a:r>
             <a:endParaRPr lang="en-US" dirty="0"/>
@@ -5312,15 +5472,7 @@
           <a:lstStyle/>
           <a:p>
             <a:r>
-              <a:rPr lang="en-US" dirty="0" err="1" smtClean="0"/>
-              <a:t>Dubbo</a:t>
-            </a:r>
-            <a:r>
-              <a:rPr lang="zh-CN" altLang="en-US" dirty="0" smtClean="0"/>
-              <a:t>官网：</a:t>
-            </a:r>
-            <a:r>
-              <a:rPr lang="en-US" dirty="0" smtClean="0"/>
+              <a:rPr lang="en-US" smtClean="0"/>
               <a:t>dubbo.apache.org</a:t>
             </a:r>
             <a:endParaRPr lang="en-US" dirty="0"/>
@@ -6032,15 +6184,7 @@
           <a:lstStyle/>
           <a:p>
             <a:r>
-              <a:rPr lang="en-US" dirty="0" err="1" smtClean="0"/>
-              <a:t>Dubbo</a:t>
-            </a:r>
-            <a:r>
-              <a:rPr lang="zh-CN" altLang="en-US" dirty="0" smtClean="0"/>
-              <a:t>官网：</a:t>
-            </a:r>
-            <a:r>
-              <a:rPr lang="en-US" dirty="0" smtClean="0"/>
+              <a:rPr lang="en-US" smtClean="0"/>
               <a:t>dubbo.apache.org</a:t>
             </a:r>
             <a:endParaRPr lang="en-US" dirty="0"/>
@@ -6351,15 +6495,7 @@
           <a:lstStyle/>
           <a:p>
             <a:r>
-              <a:rPr lang="en-US" dirty="0" err="1" smtClean="0"/>
-              <a:t>Dubbo</a:t>
-            </a:r>
-            <a:r>
-              <a:rPr lang="zh-CN" altLang="en-US" dirty="0" smtClean="0"/>
-              <a:t>官网：</a:t>
-            </a:r>
-            <a:r>
-              <a:rPr lang="en-US" dirty="0" smtClean="0"/>
+              <a:rPr lang="en-US" smtClean="0"/>
               <a:t>dubbo.apache.org</a:t>
             </a:r>
             <a:endParaRPr lang="en-US" dirty="0"/>
@@ -6775,14 +6911,6 @@
           <a:bodyPr/>
           <a:lstStyle/>
           <a:p>
-            <a:r>
-              <a:rPr lang="en-US" smtClean="0"/>
-              <a:t>Dubbo</a:t>
-            </a:r>
-            <a:r>
-              <a:rPr lang="zh-CN" altLang="en-US" smtClean="0"/>
-              <a:t>官网：</a:t>
-            </a:r>
             <a:r>
               <a:rPr lang="en-US" smtClean="0"/>
               <a:t>dubbo.apache.org</a:t>
@@ -7680,15 +7808,7 @@
           <a:lstStyle/>
           <a:p>
             <a:r>
-              <a:rPr lang="en-US" dirty="0" err="1" smtClean="0"/>
-              <a:t>Dubbo</a:t>
-            </a:r>
-            <a:r>
-              <a:rPr lang="zh-CN" altLang="en-US" dirty="0" smtClean="0"/>
-              <a:t>官网：</a:t>
-            </a:r>
-            <a:r>
-              <a:rPr lang="en-US" dirty="0" smtClean="0"/>
+              <a:rPr lang="en-US" smtClean="0"/>
               <a:t>dubbo.apache.org</a:t>
             </a:r>
             <a:endParaRPr lang="en-US" dirty="0"/>
